--- a/SeminarSlidesAgain.pptx
+++ b/SeminarSlidesAgain.pptx
@@ -5,7 +5,7 @@
     <p:sldMasterId id="2147484232" r:id="rId1"/>
   </p:sldMasterIdLst>
   <p:notesMasterIdLst>
-    <p:notesMasterId r:id="rId24"/>
+    <p:notesMasterId r:id="rId28"/>
   </p:notesMasterIdLst>
   <p:sldIdLst>
     <p:sldId id="256" r:id="rId2"/>
@@ -30,6 +30,10 @@
     <p:sldId id="283" r:id="rId21"/>
     <p:sldId id="267" r:id="rId22"/>
     <p:sldId id="272" r:id="rId23"/>
+    <p:sldId id="284" r:id="rId24"/>
+    <p:sldId id="285" r:id="rId25"/>
+    <p:sldId id="286" r:id="rId26"/>
+    <p:sldId id="287" r:id="rId27"/>
   </p:sldIdLst>
   <p:sldSz cx="12192000" cy="6858000"/>
   <p:notesSz cx="6858000" cy="9144000"/>
@@ -149,6 +153,753 @@
 </file>
 
 <file path=ppt/diagrams/colors1.xml><?xml version="1.0" encoding="utf-8"?>
+<dgm:colorsDef xmlns:dgm="http://schemas.openxmlformats.org/drawingml/2006/diagram" xmlns:a="http://schemas.openxmlformats.org/drawingml/2006/main" uniqueId="urn:microsoft.com/office/officeart/2005/8/colors/accent1_2">
+  <dgm:title val=""/>
+  <dgm:desc val=""/>
+  <dgm:catLst>
+    <dgm:cat type="accent1" pri="11200"/>
+  </dgm:catLst>
+  <dgm:styleLbl name="node0">
+    <dgm:fillClrLst meth="repeat">
+      <a:schemeClr val="accent1"/>
+    </dgm:fillClrLst>
+    <dgm:linClrLst meth="repeat">
+      <a:schemeClr val="lt1"/>
+    </dgm:linClrLst>
+    <dgm:effectClrLst/>
+    <dgm:txLinClrLst/>
+    <dgm:txFillClrLst/>
+    <dgm:txEffectClrLst/>
+  </dgm:styleLbl>
+  <dgm:styleLbl name="alignNode1">
+    <dgm:fillClrLst meth="repeat">
+      <a:schemeClr val="accent1"/>
+    </dgm:fillClrLst>
+    <dgm:linClrLst meth="repeat">
+      <a:schemeClr val="accent1"/>
+    </dgm:linClrLst>
+    <dgm:effectClrLst/>
+    <dgm:txLinClrLst/>
+    <dgm:txFillClrLst/>
+    <dgm:txEffectClrLst/>
+  </dgm:styleLbl>
+  <dgm:styleLbl name="node1">
+    <dgm:fillClrLst meth="repeat">
+      <a:schemeClr val="accent1"/>
+    </dgm:fillClrLst>
+    <dgm:linClrLst meth="repeat">
+      <a:schemeClr val="lt1"/>
+    </dgm:linClrLst>
+    <dgm:effectClrLst/>
+    <dgm:txLinClrLst/>
+    <dgm:txFillClrLst/>
+    <dgm:txEffectClrLst/>
+  </dgm:styleLbl>
+  <dgm:styleLbl name="lnNode1">
+    <dgm:fillClrLst meth="repeat">
+      <a:schemeClr val="accent1"/>
+    </dgm:fillClrLst>
+    <dgm:linClrLst meth="repeat">
+      <a:schemeClr val="lt1"/>
+    </dgm:linClrLst>
+    <dgm:effectClrLst/>
+    <dgm:txLinClrLst/>
+    <dgm:txFillClrLst/>
+    <dgm:txEffectClrLst/>
+  </dgm:styleLbl>
+  <dgm:styleLbl name="vennNode1">
+    <dgm:fillClrLst meth="repeat">
+      <a:schemeClr val="accent1">
+        <a:alpha val="50000"/>
+      </a:schemeClr>
+    </dgm:fillClrLst>
+    <dgm:linClrLst meth="repeat">
+      <a:schemeClr val="lt1"/>
+    </dgm:linClrLst>
+    <dgm:effectClrLst/>
+    <dgm:txLinClrLst/>
+    <dgm:txFillClrLst/>
+    <dgm:txEffectClrLst/>
+  </dgm:styleLbl>
+  <dgm:styleLbl name="node2">
+    <dgm:fillClrLst meth="repeat">
+      <a:schemeClr val="accent1"/>
+    </dgm:fillClrLst>
+    <dgm:linClrLst meth="repeat">
+      <a:schemeClr val="lt1"/>
+    </dgm:linClrLst>
+    <dgm:effectClrLst/>
+    <dgm:txLinClrLst/>
+    <dgm:txFillClrLst/>
+    <dgm:txEffectClrLst/>
+  </dgm:styleLbl>
+  <dgm:styleLbl name="node3">
+    <dgm:fillClrLst meth="repeat">
+      <a:schemeClr val="accent1"/>
+    </dgm:fillClrLst>
+    <dgm:linClrLst meth="repeat">
+      <a:schemeClr val="lt1"/>
+    </dgm:linClrLst>
+    <dgm:effectClrLst/>
+    <dgm:txLinClrLst/>
+    <dgm:txFillClrLst/>
+    <dgm:txEffectClrLst/>
+  </dgm:styleLbl>
+  <dgm:styleLbl name="node4">
+    <dgm:fillClrLst meth="repeat">
+      <a:schemeClr val="accent1"/>
+    </dgm:fillClrLst>
+    <dgm:linClrLst meth="repeat">
+      <a:schemeClr val="lt1"/>
+    </dgm:linClrLst>
+    <dgm:effectClrLst/>
+    <dgm:txLinClrLst/>
+    <dgm:txFillClrLst/>
+    <dgm:txEffectClrLst/>
+  </dgm:styleLbl>
+  <dgm:styleLbl name="fgImgPlace1">
+    <dgm:fillClrLst meth="repeat">
+      <a:schemeClr val="accent1">
+        <a:tint val="50000"/>
+      </a:schemeClr>
+    </dgm:fillClrLst>
+    <dgm:linClrLst meth="repeat">
+      <a:schemeClr val="lt1"/>
+    </dgm:linClrLst>
+    <dgm:effectClrLst/>
+    <dgm:txLinClrLst/>
+    <dgm:txFillClrLst meth="repeat">
+      <a:schemeClr val="lt1"/>
+    </dgm:txFillClrLst>
+    <dgm:txEffectClrLst/>
+  </dgm:styleLbl>
+  <dgm:styleLbl name="alignImgPlace1">
+    <dgm:fillClrLst meth="repeat">
+      <a:schemeClr val="accent1">
+        <a:tint val="50000"/>
+      </a:schemeClr>
+    </dgm:fillClrLst>
+    <dgm:linClrLst meth="repeat">
+      <a:schemeClr val="lt1"/>
+    </dgm:linClrLst>
+    <dgm:effectClrLst/>
+    <dgm:txLinClrLst/>
+    <dgm:txFillClrLst meth="repeat">
+      <a:schemeClr val="lt1"/>
+    </dgm:txFillClrLst>
+    <dgm:txEffectClrLst/>
+  </dgm:styleLbl>
+  <dgm:styleLbl name="bgImgPlace1">
+    <dgm:fillClrLst meth="repeat">
+      <a:schemeClr val="accent1">
+        <a:tint val="50000"/>
+      </a:schemeClr>
+    </dgm:fillClrLst>
+    <dgm:linClrLst meth="repeat">
+      <a:schemeClr val="lt1"/>
+    </dgm:linClrLst>
+    <dgm:effectClrLst/>
+    <dgm:txLinClrLst/>
+    <dgm:txFillClrLst meth="repeat">
+      <a:schemeClr val="lt1"/>
+    </dgm:txFillClrLst>
+    <dgm:txEffectClrLst/>
+  </dgm:styleLbl>
+  <dgm:styleLbl name="sibTrans2D1">
+    <dgm:fillClrLst meth="repeat">
+      <a:schemeClr val="accent1">
+        <a:tint val="60000"/>
+      </a:schemeClr>
+    </dgm:fillClrLst>
+    <dgm:linClrLst meth="repeat">
+      <a:schemeClr val="accent1">
+        <a:tint val="60000"/>
+      </a:schemeClr>
+    </dgm:linClrLst>
+    <dgm:effectClrLst/>
+    <dgm:txLinClrLst/>
+    <dgm:txFillClrLst/>
+    <dgm:txEffectClrLst/>
+  </dgm:styleLbl>
+  <dgm:styleLbl name="fgSibTrans2D1">
+    <dgm:fillClrLst meth="repeat">
+      <a:schemeClr val="accent1">
+        <a:tint val="60000"/>
+      </a:schemeClr>
+    </dgm:fillClrLst>
+    <dgm:linClrLst meth="repeat">
+      <a:schemeClr val="accent1">
+        <a:tint val="60000"/>
+      </a:schemeClr>
+    </dgm:linClrLst>
+    <dgm:effectClrLst/>
+    <dgm:txLinClrLst/>
+    <dgm:txFillClrLst/>
+    <dgm:txEffectClrLst/>
+  </dgm:styleLbl>
+  <dgm:styleLbl name="bgSibTrans2D1">
+    <dgm:fillClrLst meth="repeat">
+      <a:schemeClr val="accent1">
+        <a:tint val="60000"/>
+      </a:schemeClr>
+    </dgm:fillClrLst>
+    <dgm:linClrLst meth="repeat">
+      <a:schemeClr val="accent1">
+        <a:tint val="60000"/>
+      </a:schemeClr>
+    </dgm:linClrLst>
+    <dgm:effectClrLst/>
+    <dgm:txLinClrLst/>
+    <dgm:txFillClrLst/>
+    <dgm:txEffectClrLst/>
+  </dgm:styleLbl>
+  <dgm:styleLbl name="sibTrans1D1">
+    <dgm:fillClrLst meth="repeat">
+      <a:schemeClr val="accent1"/>
+    </dgm:fillClrLst>
+    <dgm:linClrLst meth="repeat">
+      <a:schemeClr val="accent1"/>
+    </dgm:linClrLst>
+    <dgm:effectClrLst/>
+    <dgm:txLinClrLst/>
+    <dgm:txFillClrLst meth="repeat">
+      <a:schemeClr val="tx1"/>
+    </dgm:txFillClrLst>
+    <dgm:txEffectClrLst/>
+  </dgm:styleLbl>
+  <dgm:styleLbl name="callout">
+    <dgm:fillClrLst meth="repeat">
+      <a:schemeClr val="accent1"/>
+    </dgm:fillClrLst>
+    <dgm:linClrLst meth="repeat">
+      <a:schemeClr val="accent1">
+        <a:tint val="50000"/>
+      </a:schemeClr>
+    </dgm:linClrLst>
+    <dgm:effectClrLst/>
+    <dgm:txLinClrLst/>
+    <dgm:txFillClrLst meth="repeat">
+      <a:schemeClr val="tx1"/>
+    </dgm:txFillClrLst>
+    <dgm:txEffectClrLst/>
+  </dgm:styleLbl>
+  <dgm:styleLbl name="asst0">
+    <dgm:fillClrLst meth="repeat">
+      <a:schemeClr val="accent1"/>
+    </dgm:fillClrLst>
+    <dgm:linClrLst meth="repeat">
+      <a:schemeClr val="lt1"/>
+    </dgm:linClrLst>
+    <dgm:effectClrLst/>
+    <dgm:txLinClrLst/>
+    <dgm:txFillClrLst/>
+    <dgm:txEffectClrLst/>
+  </dgm:styleLbl>
+  <dgm:styleLbl name="asst1">
+    <dgm:fillClrLst meth="repeat">
+      <a:schemeClr val="accent1"/>
+    </dgm:fillClrLst>
+    <dgm:linClrLst meth="repeat">
+      <a:schemeClr val="lt1"/>
+    </dgm:linClrLst>
+    <dgm:effectClrLst/>
+    <dgm:txLinClrLst/>
+    <dgm:txFillClrLst/>
+    <dgm:txEffectClrLst/>
+  </dgm:styleLbl>
+  <dgm:styleLbl name="asst2">
+    <dgm:fillClrLst meth="repeat">
+      <a:schemeClr val="accent1"/>
+    </dgm:fillClrLst>
+    <dgm:linClrLst meth="repeat">
+      <a:schemeClr val="lt1"/>
+    </dgm:linClrLst>
+    <dgm:effectClrLst/>
+    <dgm:txLinClrLst/>
+    <dgm:txFillClrLst/>
+    <dgm:txEffectClrLst/>
+  </dgm:styleLbl>
+  <dgm:styleLbl name="asst3">
+    <dgm:fillClrLst meth="repeat">
+      <a:schemeClr val="accent1"/>
+    </dgm:fillClrLst>
+    <dgm:linClrLst meth="repeat">
+      <a:schemeClr val="lt1"/>
+    </dgm:linClrLst>
+    <dgm:effectClrLst/>
+    <dgm:txLinClrLst/>
+    <dgm:txFillClrLst/>
+    <dgm:txEffectClrLst/>
+  </dgm:styleLbl>
+  <dgm:styleLbl name="asst4">
+    <dgm:fillClrLst meth="repeat">
+      <a:schemeClr val="accent1"/>
+    </dgm:fillClrLst>
+    <dgm:linClrLst meth="repeat">
+      <a:schemeClr val="lt1"/>
+    </dgm:linClrLst>
+    <dgm:effectClrLst/>
+    <dgm:txLinClrLst/>
+    <dgm:txFillClrLst/>
+    <dgm:txEffectClrLst/>
+  </dgm:styleLbl>
+  <dgm:styleLbl name="parChTrans2D1">
+    <dgm:fillClrLst meth="repeat">
+      <a:schemeClr val="accent1">
+        <a:tint val="60000"/>
+      </a:schemeClr>
+    </dgm:fillClrLst>
+    <dgm:linClrLst meth="repeat">
+      <a:schemeClr val="accent1">
+        <a:tint val="60000"/>
+      </a:schemeClr>
+    </dgm:linClrLst>
+    <dgm:effectClrLst/>
+    <dgm:txLinClrLst/>
+    <dgm:txFillClrLst meth="repeat">
+      <a:schemeClr val="lt1"/>
+    </dgm:txFillClrLst>
+    <dgm:txEffectClrLst/>
+  </dgm:styleLbl>
+  <dgm:styleLbl name="parChTrans2D2">
+    <dgm:fillClrLst meth="repeat">
+      <a:schemeClr val="accent1"/>
+    </dgm:fillClrLst>
+    <dgm:linClrLst meth="repeat">
+      <a:schemeClr val="accent1"/>
+    </dgm:linClrLst>
+    <dgm:effectClrLst/>
+    <dgm:txLinClrLst/>
+    <dgm:txFillClrLst meth="repeat">
+      <a:schemeClr val="lt1"/>
+    </dgm:txFillClrLst>
+    <dgm:txEffectClrLst/>
+  </dgm:styleLbl>
+  <dgm:styleLbl name="parChTrans2D3">
+    <dgm:fillClrLst meth="repeat">
+      <a:schemeClr val="accent1"/>
+    </dgm:fillClrLst>
+    <dgm:linClrLst meth="repeat">
+      <a:schemeClr val="accent1"/>
+    </dgm:linClrLst>
+    <dgm:effectClrLst/>
+    <dgm:txLinClrLst/>
+    <dgm:txFillClrLst meth="repeat">
+      <a:schemeClr val="lt1"/>
+    </dgm:txFillClrLst>
+    <dgm:txEffectClrLst/>
+  </dgm:styleLbl>
+  <dgm:styleLbl name="parChTrans2D4">
+    <dgm:fillClrLst meth="repeat">
+      <a:schemeClr val="accent1"/>
+    </dgm:fillClrLst>
+    <dgm:linClrLst meth="repeat">
+      <a:schemeClr val="accent1"/>
+    </dgm:linClrLst>
+    <dgm:effectClrLst/>
+    <dgm:txLinClrLst/>
+    <dgm:txFillClrLst meth="repeat">
+      <a:schemeClr val="lt1"/>
+    </dgm:txFillClrLst>
+    <dgm:txEffectClrLst/>
+  </dgm:styleLbl>
+  <dgm:styleLbl name="parChTrans1D1">
+    <dgm:fillClrLst meth="repeat">
+      <a:schemeClr val="accent1"/>
+    </dgm:fillClrLst>
+    <dgm:linClrLst meth="repeat">
+      <a:schemeClr val="accent1">
+        <a:shade val="60000"/>
+      </a:schemeClr>
+    </dgm:linClrLst>
+    <dgm:effectClrLst/>
+    <dgm:txLinClrLst/>
+    <dgm:txFillClrLst meth="repeat">
+      <a:schemeClr val="tx1"/>
+    </dgm:txFillClrLst>
+    <dgm:txEffectClrLst/>
+  </dgm:styleLbl>
+  <dgm:styleLbl name="parChTrans1D2">
+    <dgm:fillClrLst meth="repeat">
+      <a:schemeClr val="accent1"/>
+    </dgm:fillClrLst>
+    <dgm:linClrLst meth="repeat">
+      <a:schemeClr val="accent1">
+        <a:shade val="60000"/>
+      </a:schemeClr>
+    </dgm:linClrLst>
+    <dgm:effectClrLst/>
+    <dgm:txLinClrLst/>
+    <dgm:txFillClrLst meth="repeat">
+      <a:schemeClr val="tx1"/>
+    </dgm:txFillClrLst>
+    <dgm:txEffectClrLst/>
+  </dgm:styleLbl>
+  <dgm:styleLbl name="parChTrans1D3">
+    <dgm:fillClrLst meth="repeat">
+      <a:schemeClr val="accent1"/>
+    </dgm:fillClrLst>
+    <dgm:linClrLst meth="repeat">
+      <a:schemeClr val="accent1">
+        <a:shade val="80000"/>
+      </a:schemeClr>
+    </dgm:linClrLst>
+    <dgm:effectClrLst/>
+    <dgm:txLinClrLst/>
+    <dgm:txFillClrLst meth="repeat">
+      <a:schemeClr val="tx1"/>
+    </dgm:txFillClrLst>
+    <dgm:txEffectClrLst/>
+  </dgm:styleLbl>
+  <dgm:styleLbl name="parChTrans1D4">
+    <dgm:fillClrLst meth="repeat">
+      <a:schemeClr val="accent1"/>
+    </dgm:fillClrLst>
+    <dgm:linClrLst meth="repeat">
+      <a:schemeClr val="accent1">
+        <a:shade val="80000"/>
+      </a:schemeClr>
+    </dgm:linClrLst>
+    <dgm:effectClrLst/>
+    <dgm:txLinClrLst/>
+    <dgm:txFillClrLst meth="repeat">
+      <a:schemeClr val="tx1"/>
+    </dgm:txFillClrLst>
+    <dgm:txEffectClrLst/>
+  </dgm:styleLbl>
+  <dgm:styleLbl name="fgAcc1">
+    <dgm:fillClrLst meth="repeat">
+      <a:schemeClr val="lt1">
+        <a:alpha val="90000"/>
+      </a:schemeClr>
+    </dgm:fillClrLst>
+    <dgm:linClrLst meth="repeat">
+      <a:schemeClr val="accent1"/>
+    </dgm:linClrLst>
+    <dgm:effectClrLst/>
+    <dgm:txLinClrLst/>
+    <dgm:txFillClrLst meth="repeat">
+      <a:schemeClr val="dk1"/>
+    </dgm:txFillClrLst>
+    <dgm:txEffectClrLst/>
+  </dgm:styleLbl>
+  <dgm:styleLbl name="conFgAcc1">
+    <dgm:fillClrLst meth="repeat">
+      <a:schemeClr val="lt1">
+        <a:alpha val="90000"/>
+      </a:schemeClr>
+    </dgm:fillClrLst>
+    <dgm:linClrLst meth="repeat">
+      <a:schemeClr val="accent1"/>
+    </dgm:linClrLst>
+    <dgm:effectClrLst/>
+    <dgm:txLinClrLst/>
+    <dgm:txFillClrLst meth="repeat">
+      <a:schemeClr val="dk1"/>
+    </dgm:txFillClrLst>
+    <dgm:txEffectClrLst/>
+  </dgm:styleLbl>
+  <dgm:styleLbl name="alignAcc1">
+    <dgm:fillClrLst meth="repeat">
+      <a:schemeClr val="lt1">
+        <a:alpha val="90000"/>
+      </a:schemeClr>
+    </dgm:fillClrLst>
+    <dgm:linClrLst meth="repeat">
+      <a:schemeClr val="accent1"/>
+    </dgm:linClrLst>
+    <dgm:effectClrLst/>
+    <dgm:txLinClrLst/>
+    <dgm:txFillClrLst meth="repeat">
+      <a:schemeClr val="dk1"/>
+    </dgm:txFillClrLst>
+    <dgm:txEffectClrLst/>
+  </dgm:styleLbl>
+  <dgm:styleLbl name="trAlignAcc1">
+    <dgm:fillClrLst meth="repeat">
+      <a:schemeClr val="lt1">
+        <a:alpha val="40000"/>
+      </a:schemeClr>
+    </dgm:fillClrLst>
+    <dgm:linClrLst meth="repeat">
+      <a:schemeClr val="accent1"/>
+    </dgm:linClrLst>
+    <dgm:effectClrLst/>
+    <dgm:txLinClrLst/>
+    <dgm:txFillClrLst meth="repeat">
+      <a:schemeClr val="dk1"/>
+    </dgm:txFillClrLst>
+    <dgm:txEffectClrLst/>
+  </dgm:styleLbl>
+  <dgm:styleLbl name="bgAcc1">
+    <dgm:fillClrLst meth="repeat">
+      <a:schemeClr val="lt1">
+        <a:alpha val="90000"/>
+      </a:schemeClr>
+    </dgm:fillClrLst>
+    <dgm:linClrLst meth="repeat">
+      <a:schemeClr val="accent1"/>
+    </dgm:linClrLst>
+    <dgm:effectClrLst/>
+    <dgm:txLinClrLst/>
+    <dgm:txFillClrLst meth="repeat">
+      <a:schemeClr val="dk1"/>
+    </dgm:txFillClrLst>
+    <dgm:txEffectClrLst/>
+  </dgm:styleLbl>
+  <dgm:styleLbl name="solidFgAcc1">
+    <dgm:fillClrLst meth="repeat">
+      <a:schemeClr val="lt1"/>
+    </dgm:fillClrLst>
+    <dgm:linClrLst meth="repeat">
+      <a:schemeClr val="accent1"/>
+    </dgm:linClrLst>
+    <dgm:effectClrLst/>
+    <dgm:txLinClrLst/>
+    <dgm:txFillClrLst meth="repeat">
+      <a:schemeClr val="dk1"/>
+    </dgm:txFillClrLst>
+    <dgm:txEffectClrLst/>
+  </dgm:styleLbl>
+  <dgm:styleLbl name="solidAlignAcc1">
+    <dgm:fillClrLst meth="repeat">
+      <a:schemeClr val="lt1"/>
+    </dgm:fillClrLst>
+    <dgm:linClrLst meth="repeat">
+      <a:schemeClr val="accent1"/>
+    </dgm:linClrLst>
+    <dgm:effectClrLst/>
+    <dgm:txLinClrLst/>
+    <dgm:txFillClrLst meth="repeat">
+      <a:schemeClr val="dk1"/>
+    </dgm:txFillClrLst>
+    <dgm:txEffectClrLst/>
+  </dgm:styleLbl>
+  <dgm:styleLbl name="solidBgAcc1">
+    <dgm:fillClrLst meth="repeat">
+      <a:schemeClr val="lt1"/>
+    </dgm:fillClrLst>
+    <dgm:linClrLst meth="repeat">
+      <a:schemeClr val="accent1"/>
+    </dgm:linClrLst>
+    <dgm:effectClrLst/>
+    <dgm:txLinClrLst/>
+    <dgm:txFillClrLst meth="repeat">
+      <a:schemeClr val="dk1"/>
+    </dgm:txFillClrLst>
+    <dgm:txEffectClrLst/>
+  </dgm:styleLbl>
+  <dgm:styleLbl name="fgAccFollowNode1">
+    <dgm:fillClrLst meth="repeat">
+      <a:schemeClr val="accent1">
+        <a:alpha val="90000"/>
+        <a:tint val="40000"/>
+      </a:schemeClr>
+    </dgm:fillClrLst>
+    <dgm:linClrLst meth="repeat">
+      <a:schemeClr val="accent1">
+        <a:alpha val="90000"/>
+        <a:tint val="40000"/>
+      </a:schemeClr>
+    </dgm:linClrLst>
+    <dgm:effectClrLst/>
+    <dgm:txLinClrLst/>
+    <dgm:txFillClrLst meth="repeat">
+      <a:schemeClr val="dk1"/>
+    </dgm:txFillClrLst>
+    <dgm:txEffectClrLst/>
+  </dgm:styleLbl>
+  <dgm:styleLbl name="alignAccFollowNode1">
+    <dgm:fillClrLst meth="repeat">
+      <a:schemeClr val="accent1">
+        <a:alpha val="90000"/>
+        <a:tint val="40000"/>
+      </a:schemeClr>
+    </dgm:fillClrLst>
+    <dgm:linClrLst meth="repeat">
+      <a:schemeClr val="accent1">
+        <a:alpha val="90000"/>
+        <a:tint val="40000"/>
+      </a:schemeClr>
+    </dgm:linClrLst>
+    <dgm:effectClrLst/>
+    <dgm:txLinClrLst/>
+    <dgm:txFillClrLst meth="repeat">
+      <a:schemeClr val="dk1"/>
+    </dgm:txFillClrLst>
+    <dgm:txEffectClrLst/>
+  </dgm:styleLbl>
+  <dgm:styleLbl name="bgAccFollowNode1">
+    <dgm:fillClrLst meth="repeat">
+      <a:schemeClr val="accent1">
+        <a:alpha val="90000"/>
+        <a:tint val="40000"/>
+      </a:schemeClr>
+    </dgm:fillClrLst>
+    <dgm:linClrLst meth="repeat">
+      <a:schemeClr val="accent1">
+        <a:alpha val="90000"/>
+        <a:tint val="40000"/>
+      </a:schemeClr>
+    </dgm:linClrLst>
+    <dgm:effectClrLst/>
+    <dgm:txLinClrLst/>
+    <dgm:txFillClrLst meth="repeat">
+      <a:schemeClr val="dk1"/>
+    </dgm:txFillClrLst>
+    <dgm:txEffectClrLst/>
+  </dgm:styleLbl>
+  <dgm:styleLbl name="fgAcc0">
+    <dgm:fillClrLst meth="repeat">
+      <a:schemeClr val="lt1">
+        <a:alpha val="90000"/>
+      </a:schemeClr>
+    </dgm:fillClrLst>
+    <dgm:linClrLst meth="repeat">
+      <a:schemeClr val="accent1"/>
+    </dgm:linClrLst>
+    <dgm:effectClrLst/>
+    <dgm:txLinClrLst/>
+    <dgm:txFillClrLst meth="repeat">
+      <a:schemeClr val="dk1"/>
+    </dgm:txFillClrLst>
+    <dgm:txEffectClrLst/>
+  </dgm:styleLbl>
+  <dgm:styleLbl name="fgAcc2">
+    <dgm:fillClrLst meth="repeat">
+      <a:schemeClr val="lt1">
+        <a:alpha val="90000"/>
+      </a:schemeClr>
+    </dgm:fillClrLst>
+    <dgm:linClrLst meth="repeat">
+      <a:schemeClr val="accent1"/>
+    </dgm:linClrLst>
+    <dgm:effectClrLst/>
+    <dgm:txLinClrLst/>
+    <dgm:txFillClrLst meth="repeat">
+      <a:schemeClr val="dk1"/>
+    </dgm:txFillClrLst>
+    <dgm:txEffectClrLst/>
+  </dgm:styleLbl>
+  <dgm:styleLbl name="fgAcc3">
+    <dgm:fillClrLst meth="repeat">
+      <a:schemeClr val="lt1">
+        <a:alpha val="90000"/>
+      </a:schemeClr>
+    </dgm:fillClrLst>
+    <dgm:linClrLst meth="repeat">
+      <a:schemeClr val="accent1"/>
+    </dgm:linClrLst>
+    <dgm:effectClrLst/>
+    <dgm:txLinClrLst/>
+    <dgm:txFillClrLst meth="repeat">
+      <a:schemeClr val="dk1"/>
+    </dgm:txFillClrLst>
+    <dgm:txEffectClrLst/>
+  </dgm:styleLbl>
+  <dgm:styleLbl name="fgAcc4">
+    <dgm:fillClrLst meth="repeat">
+      <a:schemeClr val="lt1">
+        <a:alpha val="90000"/>
+      </a:schemeClr>
+    </dgm:fillClrLst>
+    <dgm:linClrLst meth="repeat">
+      <a:schemeClr val="accent1"/>
+    </dgm:linClrLst>
+    <dgm:effectClrLst/>
+    <dgm:txLinClrLst/>
+    <dgm:txFillClrLst meth="repeat">
+      <a:schemeClr val="dk1"/>
+    </dgm:txFillClrLst>
+    <dgm:txEffectClrLst/>
+  </dgm:styleLbl>
+  <dgm:styleLbl name="bgShp">
+    <dgm:fillClrLst meth="repeat">
+      <a:schemeClr val="accent1">
+        <a:tint val="40000"/>
+      </a:schemeClr>
+    </dgm:fillClrLst>
+    <dgm:linClrLst meth="repeat">
+      <a:schemeClr val="accent1"/>
+    </dgm:linClrLst>
+    <dgm:effectClrLst/>
+    <dgm:txLinClrLst/>
+    <dgm:txFillClrLst meth="repeat">
+      <a:schemeClr val="dk1"/>
+    </dgm:txFillClrLst>
+    <dgm:txEffectClrLst/>
+  </dgm:styleLbl>
+  <dgm:styleLbl name="dkBgShp">
+    <dgm:fillClrLst meth="repeat">
+      <a:schemeClr val="accent1">
+        <a:shade val="80000"/>
+      </a:schemeClr>
+    </dgm:fillClrLst>
+    <dgm:linClrLst meth="repeat">
+      <a:schemeClr val="accent1"/>
+    </dgm:linClrLst>
+    <dgm:effectClrLst/>
+    <dgm:txLinClrLst/>
+    <dgm:txFillClrLst meth="repeat">
+      <a:schemeClr val="lt1"/>
+    </dgm:txFillClrLst>
+    <dgm:txEffectClrLst/>
+  </dgm:styleLbl>
+  <dgm:styleLbl name="trBgShp">
+    <dgm:fillClrLst meth="repeat">
+      <a:schemeClr val="accent1">
+        <a:tint val="50000"/>
+        <a:alpha val="40000"/>
+      </a:schemeClr>
+    </dgm:fillClrLst>
+    <dgm:linClrLst meth="repeat">
+      <a:schemeClr val="accent1"/>
+    </dgm:linClrLst>
+    <dgm:effectClrLst/>
+    <dgm:txLinClrLst/>
+    <dgm:txFillClrLst meth="repeat">
+      <a:schemeClr val="lt1"/>
+    </dgm:txFillClrLst>
+    <dgm:txEffectClrLst/>
+  </dgm:styleLbl>
+  <dgm:styleLbl name="fgShp">
+    <dgm:fillClrLst meth="repeat">
+      <a:schemeClr val="accent1">
+        <a:tint val="60000"/>
+      </a:schemeClr>
+    </dgm:fillClrLst>
+    <dgm:linClrLst meth="repeat">
+      <a:schemeClr val="lt1"/>
+    </dgm:linClrLst>
+    <dgm:effectClrLst/>
+    <dgm:txLinClrLst/>
+    <dgm:txFillClrLst meth="repeat">
+      <a:schemeClr val="dk1"/>
+    </dgm:txFillClrLst>
+    <dgm:txEffectClrLst/>
+  </dgm:styleLbl>
+  <dgm:styleLbl name="revTx">
+    <dgm:fillClrLst meth="repeat">
+      <a:schemeClr val="lt1">
+        <a:alpha val="0"/>
+      </a:schemeClr>
+    </dgm:fillClrLst>
+    <dgm:linClrLst meth="repeat">
+      <a:schemeClr val="dk1">
+        <a:alpha val="0"/>
+      </a:schemeClr>
+    </dgm:linClrLst>
+    <dgm:effectClrLst/>
+    <dgm:txLinClrLst/>
+    <dgm:txFillClrLst meth="repeat">
+      <a:schemeClr val="tx1"/>
+    </dgm:txFillClrLst>
+    <dgm:txEffectClrLst/>
+  </dgm:styleLbl>
+</dgm:colorsDef>
+</file>
+
+<file path=ppt/diagrams/colors2.xml><?xml version="1.0" encoding="utf-8"?>
 <dgm:colorsDef xmlns:dgm="http://schemas.openxmlformats.org/drawingml/2006/diagram" xmlns:a="http://schemas.openxmlformats.org/drawingml/2006/main" uniqueId="urn:microsoft.com/office/officeart/2005/8/colors/accent1_2">
   <dgm:title val=""/>
   <dgm:desc val=""/>
@@ -1449,6 +2200,280 @@
 </dgm:dataModel>
 </file>
 
+<file path=ppt/diagrams/data2.xml><?xml version="1.0" encoding="utf-8"?>
+<dgm:dataModel xmlns:dgm="http://schemas.openxmlformats.org/drawingml/2006/diagram" xmlns:a="http://schemas.openxmlformats.org/drawingml/2006/main">
+  <dgm:ptLst>
+    <dgm:pt modelId="{15E5000E-192F-403F-ADCA-404E7EB2D3D2}" type="doc">
+      <dgm:prSet loTypeId="urn:microsoft.com/office/officeart/2005/8/layout/process1" loCatId="process" qsTypeId="urn:microsoft.com/office/officeart/2005/8/quickstyle/simple1" qsCatId="simple" csTypeId="urn:microsoft.com/office/officeart/2005/8/colors/accent1_2" csCatId="accent1" phldr="1"/>
+      <dgm:spPr/>
+    </dgm:pt>
+    <dgm:pt modelId="{8BF9B097-0FB3-40EF-BB6C-27B8535A4AF9}">
+      <dgm:prSet phldrT="[Text]"/>
+      <dgm:spPr>
+        <a:solidFill>
+          <a:srgbClr val="FFC000"/>
+        </a:solidFill>
+      </dgm:spPr>
+      <dgm:t>
+        <a:bodyPr/>
+        <a:lstStyle/>
+        <a:p>
+          <a:r>
+            <a:rPr lang="en-AU" dirty="0" smtClean="0">
+              <a:solidFill>
+                <a:sysClr val="windowText" lastClr="000000"/>
+              </a:solidFill>
+            </a:rPr>
+            <a:t>Quality control</a:t>
+          </a:r>
+          <a:endParaRPr lang="en-AU" dirty="0">
+            <a:solidFill>
+              <a:sysClr val="windowText" lastClr="000000"/>
+            </a:solidFill>
+          </a:endParaRPr>
+        </a:p>
+      </dgm:t>
+    </dgm:pt>
+    <dgm:pt modelId="{E6A847B7-5BA7-497A-A3A7-4F37B4124324}" type="parTrans" cxnId="{DAAD22F7-7F18-43FA-9E31-34445A745B5B}">
+      <dgm:prSet/>
+      <dgm:spPr/>
+      <dgm:t>
+        <a:bodyPr/>
+        <a:lstStyle/>
+        <a:p>
+          <a:endParaRPr lang="en-AU"/>
+        </a:p>
+      </dgm:t>
+    </dgm:pt>
+    <dgm:pt modelId="{994FD2CF-A2B2-4B04-A781-3A3E6EE44C09}" type="sibTrans" cxnId="{DAAD22F7-7F18-43FA-9E31-34445A745B5B}">
+      <dgm:prSet/>
+      <dgm:spPr/>
+      <dgm:t>
+        <a:bodyPr/>
+        <a:lstStyle/>
+        <a:p>
+          <a:endParaRPr lang="en-AU"/>
+        </a:p>
+      </dgm:t>
+    </dgm:pt>
+    <dgm:pt modelId="{463D5342-7D37-4715-A90E-0CDBB165E8DD}">
+      <dgm:prSet phldrT="[Text]"/>
+      <dgm:spPr>
+        <a:solidFill>
+          <a:srgbClr val="FFC000"/>
+        </a:solidFill>
+      </dgm:spPr>
+      <dgm:t>
+        <a:bodyPr/>
+        <a:lstStyle/>
+        <a:p>
+          <a:r>
+            <a:rPr lang="en-AU" dirty="0" smtClean="0">
+              <a:solidFill>
+                <a:sysClr val="windowText" lastClr="000000"/>
+              </a:solidFill>
+            </a:rPr>
+            <a:t>Normalise across replicates to negative binomial dist. </a:t>
+          </a:r>
+          <a:endParaRPr lang="en-AU" dirty="0">
+            <a:solidFill>
+              <a:sysClr val="windowText" lastClr="000000"/>
+            </a:solidFill>
+          </a:endParaRPr>
+        </a:p>
+      </dgm:t>
+    </dgm:pt>
+    <dgm:pt modelId="{1CF25472-2595-4AEA-90C1-E4940BE07398}" type="parTrans" cxnId="{478BD1D4-73A8-45AD-93C9-7C12EB755A01}">
+      <dgm:prSet/>
+      <dgm:spPr/>
+      <dgm:t>
+        <a:bodyPr/>
+        <a:lstStyle/>
+        <a:p>
+          <a:endParaRPr lang="en-AU"/>
+        </a:p>
+      </dgm:t>
+    </dgm:pt>
+    <dgm:pt modelId="{63A8304B-896C-4DAF-A710-38CEB57955FA}" type="sibTrans" cxnId="{478BD1D4-73A8-45AD-93C9-7C12EB755A01}">
+      <dgm:prSet/>
+      <dgm:spPr/>
+      <dgm:t>
+        <a:bodyPr/>
+        <a:lstStyle/>
+        <a:p>
+          <a:endParaRPr lang="en-AU"/>
+        </a:p>
+      </dgm:t>
+    </dgm:pt>
+    <dgm:pt modelId="{B36A3671-2D02-4548-B2D1-445CB7449A08}">
+      <dgm:prSet phldrT="[Text]"/>
+      <dgm:spPr>
+        <a:solidFill>
+          <a:srgbClr val="FFC000"/>
+        </a:solidFill>
+      </dgm:spPr>
+      <dgm:t>
+        <a:bodyPr/>
+        <a:lstStyle/>
+        <a:p>
+          <a:r>
+            <a:rPr lang="en-AU" dirty="0" smtClean="0">
+              <a:solidFill>
+                <a:sysClr val="windowText" lastClr="000000"/>
+              </a:solidFill>
+            </a:rPr>
+            <a:t>Diff. Analysis: </a:t>
+          </a:r>
+        </a:p>
+        <a:p>
+          <a:r>
+            <a:rPr lang="en-AU" dirty="0" smtClean="0">
+              <a:solidFill>
+                <a:sysClr val="windowText" lastClr="000000"/>
+              </a:solidFill>
+            </a:rPr>
+            <a:t>Log2FoldChange, Standard Error, and Wald test </a:t>
+          </a:r>
+          <a:r>
+            <a:rPr lang="en-AU" dirty="0" err="1" smtClean="0">
+              <a:solidFill>
+                <a:sysClr val="windowText" lastClr="000000"/>
+              </a:solidFill>
+            </a:rPr>
+            <a:t>pvalue</a:t>
+          </a:r>
+          <a:r>
+            <a:rPr lang="en-AU" dirty="0" smtClean="0">
+              <a:solidFill>
+                <a:sysClr val="windowText" lastClr="000000"/>
+              </a:solidFill>
+            </a:rPr>
+            <a:t>. </a:t>
+          </a:r>
+          <a:endParaRPr lang="en-AU" dirty="0">
+            <a:solidFill>
+              <a:sysClr val="windowText" lastClr="000000"/>
+            </a:solidFill>
+          </a:endParaRPr>
+        </a:p>
+      </dgm:t>
+    </dgm:pt>
+    <dgm:pt modelId="{21D5E90D-7D18-47C6-84CE-9EAAD85D1122}" type="parTrans" cxnId="{DEC381A9-1A2B-47AF-A504-4F70D7D53249}">
+      <dgm:prSet/>
+      <dgm:spPr/>
+      <dgm:t>
+        <a:bodyPr/>
+        <a:lstStyle/>
+        <a:p>
+          <a:endParaRPr lang="en-AU"/>
+        </a:p>
+      </dgm:t>
+    </dgm:pt>
+    <dgm:pt modelId="{45A5C415-9E5C-42F9-AC6C-828994F793C7}" type="sibTrans" cxnId="{DEC381A9-1A2B-47AF-A504-4F70D7D53249}">
+      <dgm:prSet/>
+      <dgm:spPr/>
+      <dgm:t>
+        <a:bodyPr/>
+        <a:lstStyle/>
+        <a:p>
+          <a:endParaRPr lang="en-AU"/>
+        </a:p>
+      </dgm:t>
+    </dgm:pt>
+    <dgm:pt modelId="{5C37AB55-1041-4E20-8BE2-8BE66E55FBFA}" type="pres">
+      <dgm:prSet presAssocID="{15E5000E-192F-403F-ADCA-404E7EB2D3D2}" presName="Name0" presStyleCnt="0">
+        <dgm:presLayoutVars>
+          <dgm:dir/>
+          <dgm:resizeHandles val="exact"/>
+        </dgm:presLayoutVars>
+      </dgm:prSet>
+      <dgm:spPr/>
+    </dgm:pt>
+    <dgm:pt modelId="{D4618C8A-C072-46A8-AE54-93B142EA1900}" type="pres">
+      <dgm:prSet presAssocID="{8BF9B097-0FB3-40EF-BB6C-27B8535A4AF9}" presName="node" presStyleLbl="node1" presStyleIdx="0" presStyleCnt="3">
+        <dgm:presLayoutVars>
+          <dgm:bulletEnabled val="1"/>
+        </dgm:presLayoutVars>
+      </dgm:prSet>
+      <dgm:spPr/>
+    </dgm:pt>
+    <dgm:pt modelId="{DE7D8DC8-EC05-4D86-9D49-5DEF92DDE6DE}" type="pres">
+      <dgm:prSet presAssocID="{994FD2CF-A2B2-4B04-A781-3A3E6EE44C09}" presName="sibTrans" presStyleLbl="sibTrans2D1" presStyleIdx="0" presStyleCnt="2"/>
+      <dgm:spPr/>
+    </dgm:pt>
+    <dgm:pt modelId="{ECB4C247-ED7B-40D1-B3EE-A09177B5AD60}" type="pres">
+      <dgm:prSet presAssocID="{994FD2CF-A2B2-4B04-A781-3A3E6EE44C09}" presName="connectorText" presStyleLbl="sibTrans2D1" presStyleIdx="0" presStyleCnt="2"/>
+      <dgm:spPr/>
+    </dgm:pt>
+    <dgm:pt modelId="{577B1228-E716-45B6-AEDF-868AD5BDF882}" type="pres">
+      <dgm:prSet presAssocID="{463D5342-7D37-4715-A90E-0CDBB165E8DD}" presName="node" presStyleLbl="node1" presStyleIdx="1" presStyleCnt="3">
+        <dgm:presLayoutVars>
+          <dgm:bulletEnabled val="1"/>
+        </dgm:presLayoutVars>
+      </dgm:prSet>
+      <dgm:spPr/>
+      <dgm:t>
+        <a:bodyPr/>
+        <a:lstStyle/>
+        <a:p>
+          <a:endParaRPr lang="en-AU"/>
+        </a:p>
+      </dgm:t>
+    </dgm:pt>
+    <dgm:pt modelId="{ECFF489A-5185-4E1A-8587-5DF74B3F6ACE}" type="pres">
+      <dgm:prSet presAssocID="{63A8304B-896C-4DAF-A710-38CEB57955FA}" presName="sibTrans" presStyleLbl="sibTrans2D1" presStyleIdx="1" presStyleCnt="2"/>
+      <dgm:spPr/>
+    </dgm:pt>
+    <dgm:pt modelId="{95D20B63-CCC7-4018-B2D6-9E87866CB674}" type="pres">
+      <dgm:prSet presAssocID="{63A8304B-896C-4DAF-A710-38CEB57955FA}" presName="connectorText" presStyleLbl="sibTrans2D1" presStyleIdx="1" presStyleCnt="2"/>
+      <dgm:spPr/>
+    </dgm:pt>
+    <dgm:pt modelId="{C416EA4D-9528-4420-AE2C-3BE51F5978E1}" type="pres">
+      <dgm:prSet presAssocID="{B36A3671-2D02-4548-B2D1-445CB7449A08}" presName="node" presStyleLbl="node1" presStyleIdx="2" presStyleCnt="3">
+        <dgm:presLayoutVars>
+          <dgm:bulletEnabled val="1"/>
+        </dgm:presLayoutVars>
+      </dgm:prSet>
+      <dgm:spPr/>
+      <dgm:t>
+        <a:bodyPr/>
+        <a:lstStyle/>
+        <a:p>
+          <a:endParaRPr lang="en-AU"/>
+        </a:p>
+      </dgm:t>
+    </dgm:pt>
+  </dgm:ptLst>
+  <dgm:cxnLst>
+    <dgm:cxn modelId="{00109B4F-D488-4593-8028-CC0F20666972}" type="presOf" srcId="{B36A3671-2D02-4548-B2D1-445CB7449A08}" destId="{C416EA4D-9528-4420-AE2C-3BE51F5978E1}" srcOrd="0" destOrd="0" presId="urn:microsoft.com/office/officeart/2005/8/layout/process1"/>
+    <dgm:cxn modelId="{30DD72D0-5852-4650-A6F9-175C1EDEB005}" type="presOf" srcId="{8BF9B097-0FB3-40EF-BB6C-27B8535A4AF9}" destId="{D4618C8A-C072-46A8-AE54-93B142EA1900}" srcOrd="0" destOrd="0" presId="urn:microsoft.com/office/officeart/2005/8/layout/process1"/>
+    <dgm:cxn modelId="{428626FB-CEDC-4377-99A7-3B2851F38601}" type="presOf" srcId="{63A8304B-896C-4DAF-A710-38CEB57955FA}" destId="{95D20B63-CCC7-4018-B2D6-9E87866CB674}" srcOrd="1" destOrd="0" presId="urn:microsoft.com/office/officeart/2005/8/layout/process1"/>
+    <dgm:cxn modelId="{69AF368F-5545-4C4C-8C2A-FD73908FF930}" type="presOf" srcId="{994FD2CF-A2B2-4B04-A781-3A3E6EE44C09}" destId="{DE7D8DC8-EC05-4D86-9D49-5DEF92DDE6DE}" srcOrd="0" destOrd="0" presId="urn:microsoft.com/office/officeart/2005/8/layout/process1"/>
+    <dgm:cxn modelId="{7ACB7F66-EC77-410D-B6CA-04F719684953}" type="presOf" srcId="{63A8304B-896C-4DAF-A710-38CEB57955FA}" destId="{ECFF489A-5185-4E1A-8587-5DF74B3F6ACE}" srcOrd="0" destOrd="0" presId="urn:microsoft.com/office/officeart/2005/8/layout/process1"/>
+    <dgm:cxn modelId="{DAAD22F7-7F18-43FA-9E31-34445A745B5B}" srcId="{15E5000E-192F-403F-ADCA-404E7EB2D3D2}" destId="{8BF9B097-0FB3-40EF-BB6C-27B8535A4AF9}" srcOrd="0" destOrd="0" parTransId="{E6A847B7-5BA7-497A-A3A7-4F37B4124324}" sibTransId="{994FD2CF-A2B2-4B04-A781-3A3E6EE44C09}"/>
+    <dgm:cxn modelId="{DEC381A9-1A2B-47AF-A504-4F70D7D53249}" srcId="{15E5000E-192F-403F-ADCA-404E7EB2D3D2}" destId="{B36A3671-2D02-4548-B2D1-445CB7449A08}" srcOrd="2" destOrd="0" parTransId="{21D5E90D-7D18-47C6-84CE-9EAAD85D1122}" sibTransId="{45A5C415-9E5C-42F9-AC6C-828994F793C7}"/>
+    <dgm:cxn modelId="{167D9406-E4F7-4672-B7A7-BB7E897EBD6E}" type="presOf" srcId="{15E5000E-192F-403F-ADCA-404E7EB2D3D2}" destId="{5C37AB55-1041-4E20-8BE2-8BE66E55FBFA}" srcOrd="0" destOrd="0" presId="urn:microsoft.com/office/officeart/2005/8/layout/process1"/>
+    <dgm:cxn modelId="{545F8D8A-F4D9-4DEC-8F12-82829650B6E2}" type="presOf" srcId="{463D5342-7D37-4715-A90E-0CDBB165E8DD}" destId="{577B1228-E716-45B6-AEDF-868AD5BDF882}" srcOrd="0" destOrd="0" presId="urn:microsoft.com/office/officeart/2005/8/layout/process1"/>
+    <dgm:cxn modelId="{478BD1D4-73A8-45AD-93C9-7C12EB755A01}" srcId="{15E5000E-192F-403F-ADCA-404E7EB2D3D2}" destId="{463D5342-7D37-4715-A90E-0CDBB165E8DD}" srcOrd="1" destOrd="0" parTransId="{1CF25472-2595-4AEA-90C1-E4940BE07398}" sibTransId="{63A8304B-896C-4DAF-A710-38CEB57955FA}"/>
+    <dgm:cxn modelId="{97476FF0-69C9-4D62-9908-55A1B043D36D}" type="presOf" srcId="{994FD2CF-A2B2-4B04-A781-3A3E6EE44C09}" destId="{ECB4C247-ED7B-40D1-B3EE-A09177B5AD60}" srcOrd="1" destOrd="0" presId="urn:microsoft.com/office/officeart/2005/8/layout/process1"/>
+    <dgm:cxn modelId="{275FE6B9-9928-474B-820D-6D370005BCFF}" type="presParOf" srcId="{5C37AB55-1041-4E20-8BE2-8BE66E55FBFA}" destId="{D4618C8A-C072-46A8-AE54-93B142EA1900}" srcOrd="0" destOrd="0" presId="urn:microsoft.com/office/officeart/2005/8/layout/process1"/>
+    <dgm:cxn modelId="{7810BD19-AF64-451E-847C-0449DE8AE522}" type="presParOf" srcId="{5C37AB55-1041-4E20-8BE2-8BE66E55FBFA}" destId="{DE7D8DC8-EC05-4D86-9D49-5DEF92DDE6DE}" srcOrd="1" destOrd="0" presId="urn:microsoft.com/office/officeart/2005/8/layout/process1"/>
+    <dgm:cxn modelId="{5612F30D-D8F2-4BD5-9666-5CE3553B94CE}" type="presParOf" srcId="{DE7D8DC8-EC05-4D86-9D49-5DEF92DDE6DE}" destId="{ECB4C247-ED7B-40D1-B3EE-A09177B5AD60}" srcOrd="0" destOrd="0" presId="urn:microsoft.com/office/officeart/2005/8/layout/process1"/>
+    <dgm:cxn modelId="{F85E1028-EDC1-49DC-B0EC-C3B54B55DF4D}" type="presParOf" srcId="{5C37AB55-1041-4E20-8BE2-8BE66E55FBFA}" destId="{577B1228-E716-45B6-AEDF-868AD5BDF882}" srcOrd="2" destOrd="0" presId="urn:microsoft.com/office/officeart/2005/8/layout/process1"/>
+    <dgm:cxn modelId="{98EBED12-64F5-458E-8677-7E78B82B701F}" type="presParOf" srcId="{5C37AB55-1041-4E20-8BE2-8BE66E55FBFA}" destId="{ECFF489A-5185-4E1A-8587-5DF74B3F6ACE}" srcOrd="3" destOrd="0" presId="urn:microsoft.com/office/officeart/2005/8/layout/process1"/>
+    <dgm:cxn modelId="{6EEFCAB5-8D1D-401F-A104-61040B00A6D8}" type="presParOf" srcId="{ECFF489A-5185-4E1A-8587-5DF74B3F6ACE}" destId="{95D20B63-CCC7-4018-B2D6-9E87866CB674}" srcOrd="0" destOrd="0" presId="urn:microsoft.com/office/officeart/2005/8/layout/process1"/>
+    <dgm:cxn modelId="{DD133C98-B3A9-4F01-898F-29F41CF38945}" type="presParOf" srcId="{5C37AB55-1041-4E20-8BE2-8BE66E55FBFA}" destId="{C416EA4D-9528-4420-AE2C-3BE51F5978E1}" srcOrd="4" destOrd="0" presId="urn:microsoft.com/office/officeart/2005/8/layout/process1"/>
+  </dgm:cxnLst>
+  <dgm:bg/>
+  <dgm:whole/>
+  <dgm:extLst>
+    <a:ext uri="http://schemas.microsoft.com/office/drawing/2008/diagram">
+      <dsp:dataModelExt xmlns:dsp="http://schemas.microsoft.com/office/drawing/2008/diagram" relId="rId7" minVer="http://schemas.openxmlformats.org/drawingml/2006/diagram"/>
+    </a:ext>
+  </dgm:extLst>
+</dgm:dataModel>
+</file>
+
 <file path=ppt/diagrams/drawing1.xml><?xml version="1.0" encoding="utf-8"?>
 <dsp:drawing xmlns:dgm="http://schemas.openxmlformats.org/drawingml/2006/diagram" xmlns:dsp="http://schemas.microsoft.com/office/drawing/2008/diagram" xmlns:a="http://schemas.openxmlformats.org/drawingml/2006/main">
   <dsp:spTree>
@@ -2206,6 +3231,439 @@
       <dsp:txXfrm>
         <a:off x="4707248" y="2893437"/>
         <a:ext cx="249756" cy="341710"/>
+      </dsp:txXfrm>
+    </dsp:sp>
+  </dsp:spTree>
+</dsp:drawing>
+</file>
+
+<file path=ppt/diagrams/drawing2.xml><?xml version="1.0" encoding="utf-8"?>
+<dsp:drawing xmlns:dgm="http://schemas.openxmlformats.org/drawingml/2006/diagram" xmlns:dsp="http://schemas.microsoft.com/office/drawing/2008/diagram" xmlns:a="http://schemas.openxmlformats.org/drawingml/2006/main">
+  <dsp:spTree>
+    <dsp:nvGrpSpPr>
+      <dsp:cNvPr id="0" name=""/>
+      <dsp:cNvGrpSpPr/>
+    </dsp:nvGrpSpPr>
+    <dsp:grpSpPr/>
+    <dsp:sp modelId="{D4618C8A-C072-46A8-AE54-93B142EA1900}">
+      <dsp:nvSpPr>
+        <dsp:cNvPr id="0" name=""/>
+        <dsp:cNvSpPr/>
+      </dsp:nvSpPr>
+      <dsp:spPr>
+        <a:xfrm>
+          <a:off x="8422" y="605499"/>
+          <a:ext cx="2517273" cy="1510364"/>
+        </a:xfrm>
+        <a:prstGeom prst="roundRect">
+          <a:avLst>
+            <a:gd name="adj" fmla="val 10000"/>
+          </a:avLst>
+        </a:prstGeom>
+        <a:solidFill>
+          <a:srgbClr val="FFC000"/>
+        </a:solidFill>
+        <a:ln w="19050" cap="rnd" cmpd="sng" algn="ctr">
+          <a:solidFill>
+            <a:schemeClr val="lt1">
+              <a:hueOff val="0"/>
+              <a:satOff val="0"/>
+              <a:lumOff val="0"/>
+              <a:alphaOff val="0"/>
+            </a:schemeClr>
+          </a:solidFill>
+          <a:prstDash val="solid"/>
+        </a:ln>
+        <a:effectLst/>
+      </dsp:spPr>
+      <dsp:style>
+        <a:lnRef idx="2">
+          <a:scrgbClr r="0" g="0" b="0"/>
+        </a:lnRef>
+        <a:fillRef idx="1">
+          <a:scrgbClr r="0" g="0" b="0"/>
+        </a:fillRef>
+        <a:effectRef idx="0">
+          <a:scrgbClr r="0" g="0" b="0"/>
+        </a:effectRef>
+        <a:fontRef idx="minor">
+          <a:schemeClr val="lt1"/>
+        </a:fontRef>
+      </dsp:style>
+      <dsp:txBody>
+        <a:bodyPr spcFirstLastPara="0" vert="horz" wrap="square" lIns="72390" tIns="72390" rIns="72390" bIns="72390" numCol="1" spcCol="1270" anchor="ctr" anchorCtr="0">
+          <a:noAutofit/>
+        </a:bodyPr>
+        <a:lstStyle/>
+        <a:p>
+          <a:pPr lvl="0" algn="ctr" defTabSz="844550">
+            <a:lnSpc>
+              <a:spcPct val="90000"/>
+            </a:lnSpc>
+            <a:spcBef>
+              <a:spcPct val="0"/>
+            </a:spcBef>
+            <a:spcAft>
+              <a:spcPct val="35000"/>
+            </a:spcAft>
+          </a:pPr>
+          <a:r>
+            <a:rPr lang="en-AU" sz="1900" kern="1200" dirty="0" smtClean="0">
+              <a:solidFill>
+                <a:sysClr val="windowText" lastClr="000000"/>
+              </a:solidFill>
+            </a:rPr>
+            <a:t>Quality control</a:t>
+          </a:r>
+          <a:endParaRPr lang="en-AU" sz="1900" kern="1200" dirty="0">
+            <a:solidFill>
+              <a:sysClr val="windowText" lastClr="000000"/>
+            </a:solidFill>
+          </a:endParaRPr>
+        </a:p>
+      </dsp:txBody>
+      <dsp:txXfrm>
+        <a:off x="52659" y="649736"/>
+        <a:ext cx="2428799" cy="1421890"/>
+      </dsp:txXfrm>
+    </dsp:sp>
+    <dsp:sp modelId="{DE7D8DC8-EC05-4D86-9D49-5DEF92DDE6DE}">
+      <dsp:nvSpPr>
+        <dsp:cNvPr id="0" name=""/>
+        <dsp:cNvSpPr/>
+      </dsp:nvSpPr>
+      <dsp:spPr>
+        <a:xfrm>
+          <a:off x="2777423" y="1048540"/>
+          <a:ext cx="533662" cy="624283"/>
+        </a:xfrm>
+        <a:prstGeom prst="rightArrow">
+          <a:avLst>
+            <a:gd name="adj1" fmla="val 60000"/>
+            <a:gd name="adj2" fmla="val 50000"/>
+          </a:avLst>
+        </a:prstGeom>
+        <a:solidFill>
+          <a:schemeClr val="accent1">
+            <a:tint val="60000"/>
+            <a:hueOff val="0"/>
+            <a:satOff val="0"/>
+            <a:lumOff val="0"/>
+            <a:alphaOff val="0"/>
+          </a:schemeClr>
+        </a:solidFill>
+        <a:ln>
+          <a:noFill/>
+        </a:ln>
+        <a:effectLst/>
+      </dsp:spPr>
+      <dsp:style>
+        <a:lnRef idx="0">
+          <a:scrgbClr r="0" g="0" b="0"/>
+        </a:lnRef>
+        <a:fillRef idx="1">
+          <a:scrgbClr r="0" g="0" b="0"/>
+        </a:fillRef>
+        <a:effectRef idx="0">
+          <a:scrgbClr r="0" g="0" b="0"/>
+        </a:effectRef>
+        <a:fontRef idx="minor">
+          <a:schemeClr val="lt1"/>
+        </a:fontRef>
+      </dsp:style>
+      <dsp:txBody>
+        <a:bodyPr spcFirstLastPara="0" vert="horz" wrap="square" lIns="0" tIns="0" rIns="0" bIns="0" numCol="1" spcCol="1270" anchor="ctr" anchorCtr="0">
+          <a:noAutofit/>
+        </a:bodyPr>
+        <a:lstStyle/>
+        <a:p>
+          <a:pPr lvl="0" algn="ctr" defTabSz="666750">
+            <a:lnSpc>
+              <a:spcPct val="90000"/>
+            </a:lnSpc>
+            <a:spcBef>
+              <a:spcPct val="0"/>
+            </a:spcBef>
+            <a:spcAft>
+              <a:spcPct val="35000"/>
+            </a:spcAft>
+          </a:pPr>
+          <a:endParaRPr lang="en-AU" sz="1500" kern="1200"/>
+        </a:p>
+      </dsp:txBody>
+      <dsp:txXfrm>
+        <a:off x="2777423" y="1173397"/>
+        <a:ext cx="373563" cy="374569"/>
+      </dsp:txXfrm>
+    </dsp:sp>
+    <dsp:sp modelId="{577B1228-E716-45B6-AEDF-868AD5BDF882}">
+      <dsp:nvSpPr>
+        <dsp:cNvPr id="0" name=""/>
+        <dsp:cNvSpPr/>
+      </dsp:nvSpPr>
+      <dsp:spPr>
+        <a:xfrm>
+          <a:off x="3532605" y="605499"/>
+          <a:ext cx="2517273" cy="1510364"/>
+        </a:xfrm>
+        <a:prstGeom prst="roundRect">
+          <a:avLst>
+            <a:gd name="adj" fmla="val 10000"/>
+          </a:avLst>
+        </a:prstGeom>
+        <a:solidFill>
+          <a:srgbClr val="FFC000"/>
+        </a:solidFill>
+        <a:ln w="19050" cap="rnd" cmpd="sng" algn="ctr">
+          <a:solidFill>
+            <a:schemeClr val="lt1">
+              <a:hueOff val="0"/>
+              <a:satOff val="0"/>
+              <a:lumOff val="0"/>
+              <a:alphaOff val="0"/>
+            </a:schemeClr>
+          </a:solidFill>
+          <a:prstDash val="solid"/>
+        </a:ln>
+        <a:effectLst/>
+      </dsp:spPr>
+      <dsp:style>
+        <a:lnRef idx="2">
+          <a:scrgbClr r="0" g="0" b="0"/>
+        </a:lnRef>
+        <a:fillRef idx="1">
+          <a:scrgbClr r="0" g="0" b="0"/>
+        </a:fillRef>
+        <a:effectRef idx="0">
+          <a:scrgbClr r="0" g="0" b="0"/>
+        </a:effectRef>
+        <a:fontRef idx="minor">
+          <a:schemeClr val="lt1"/>
+        </a:fontRef>
+      </dsp:style>
+      <dsp:txBody>
+        <a:bodyPr spcFirstLastPara="0" vert="horz" wrap="square" lIns="72390" tIns="72390" rIns="72390" bIns="72390" numCol="1" spcCol="1270" anchor="ctr" anchorCtr="0">
+          <a:noAutofit/>
+        </a:bodyPr>
+        <a:lstStyle/>
+        <a:p>
+          <a:pPr lvl="0" algn="ctr" defTabSz="844550">
+            <a:lnSpc>
+              <a:spcPct val="90000"/>
+            </a:lnSpc>
+            <a:spcBef>
+              <a:spcPct val="0"/>
+            </a:spcBef>
+            <a:spcAft>
+              <a:spcPct val="35000"/>
+            </a:spcAft>
+          </a:pPr>
+          <a:r>
+            <a:rPr lang="en-AU" sz="1900" kern="1200" dirty="0" smtClean="0">
+              <a:solidFill>
+                <a:sysClr val="windowText" lastClr="000000"/>
+              </a:solidFill>
+            </a:rPr>
+            <a:t>Normalise across replicates to negative binomial dist. </a:t>
+          </a:r>
+          <a:endParaRPr lang="en-AU" sz="1900" kern="1200" dirty="0">
+            <a:solidFill>
+              <a:sysClr val="windowText" lastClr="000000"/>
+            </a:solidFill>
+          </a:endParaRPr>
+        </a:p>
+      </dsp:txBody>
+      <dsp:txXfrm>
+        <a:off x="3576842" y="649736"/>
+        <a:ext cx="2428799" cy="1421890"/>
+      </dsp:txXfrm>
+    </dsp:sp>
+    <dsp:sp modelId="{ECFF489A-5185-4E1A-8587-5DF74B3F6ACE}">
+      <dsp:nvSpPr>
+        <dsp:cNvPr id="0" name=""/>
+        <dsp:cNvSpPr/>
+      </dsp:nvSpPr>
+      <dsp:spPr>
+        <a:xfrm>
+          <a:off x="6301606" y="1048540"/>
+          <a:ext cx="533662" cy="624283"/>
+        </a:xfrm>
+        <a:prstGeom prst="rightArrow">
+          <a:avLst>
+            <a:gd name="adj1" fmla="val 60000"/>
+            <a:gd name="adj2" fmla="val 50000"/>
+          </a:avLst>
+        </a:prstGeom>
+        <a:solidFill>
+          <a:schemeClr val="accent1">
+            <a:tint val="60000"/>
+            <a:hueOff val="0"/>
+            <a:satOff val="0"/>
+            <a:lumOff val="0"/>
+            <a:alphaOff val="0"/>
+          </a:schemeClr>
+        </a:solidFill>
+        <a:ln>
+          <a:noFill/>
+        </a:ln>
+        <a:effectLst/>
+      </dsp:spPr>
+      <dsp:style>
+        <a:lnRef idx="0">
+          <a:scrgbClr r="0" g="0" b="0"/>
+        </a:lnRef>
+        <a:fillRef idx="1">
+          <a:scrgbClr r="0" g="0" b="0"/>
+        </a:fillRef>
+        <a:effectRef idx="0">
+          <a:scrgbClr r="0" g="0" b="0"/>
+        </a:effectRef>
+        <a:fontRef idx="minor">
+          <a:schemeClr val="lt1"/>
+        </a:fontRef>
+      </dsp:style>
+      <dsp:txBody>
+        <a:bodyPr spcFirstLastPara="0" vert="horz" wrap="square" lIns="0" tIns="0" rIns="0" bIns="0" numCol="1" spcCol="1270" anchor="ctr" anchorCtr="0">
+          <a:noAutofit/>
+        </a:bodyPr>
+        <a:lstStyle/>
+        <a:p>
+          <a:pPr lvl="0" algn="ctr" defTabSz="666750">
+            <a:lnSpc>
+              <a:spcPct val="90000"/>
+            </a:lnSpc>
+            <a:spcBef>
+              <a:spcPct val="0"/>
+            </a:spcBef>
+            <a:spcAft>
+              <a:spcPct val="35000"/>
+            </a:spcAft>
+          </a:pPr>
+          <a:endParaRPr lang="en-AU" sz="1500" kern="1200"/>
+        </a:p>
+      </dsp:txBody>
+      <dsp:txXfrm>
+        <a:off x="6301606" y="1173397"/>
+        <a:ext cx="373563" cy="374569"/>
+      </dsp:txXfrm>
+    </dsp:sp>
+    <dsp:sp modelId="{C416EA4D-9528-4420-AE2C-3BE51F5978E1}">
+      <dsp:nvSpPr>
+        <dsp:cNvPr id="0" name=""/>
+        <dsp:cNvSpPr/>
+      </dsp:nvSpPr>
+      <dsp:spPr>
+        <a:xfrm>
+          <a:off x="7056788" y="605499"/>
+          <a:ext cx="2517273" cy="1510364"/>
+        </a:xfrm>
+        <a:prstGeom prst="roundRect">
+          <a:avLst>
+            <a:gd name="adj" fmla="val 10000"/>
+          </a:avLst>
+        </a:prstGeom>
+        <a:solidFill>
+          <a:srgbClr val="FFC000"/>
+        </a:solidFill>
+        <a:ln w="19050" cap="rnd" cmpd="sng" algn="ctr">
+          <a:solidFill>
+            <a:schemeClr val="lt1">
+              <a:hueOff val="0"/>
+              <a:satOff val="0"/>
+              <a:lumOff val="0"/>
+              <a:alphaOff val="0"/>
+            </a:schemeClr>
+          </a:solidFill>
+          <a:prstDash val="solid"/>
+        </a:ln>
+        <a:effectLst/>
+      </dsp:spPr>
+      <dsp:style>
+        <a:lnRef idx="2">
+          <a:scrgbClr r="0" g="0" b="0"/>
+        </a:lnRef>
+        <a:fillRef idx="1">
+          <a:scrgbClr r="0" g="0" b="0"/>
+        </a:fillRef>
+        <a:effectRef idx="0">
+          <a:scrgbClr r="0" g="0" b="0"/>
+        </a:effectRef>
+        <a:fontRef idx="minor">
+          <a:schemeClr val="lt1"/>
+        </a:fontRef>
+      </dsp:style>
+      <dsp:txBody>
+        <a:bodyPr spcFirstLastPara="0" vert="horz" wrap="square" lIns="72390" tIns="72390" rIns="72390" bIns="72390" numCol="1" spcCol="1270" anchor="ctr" anchorCtr="0">
+          <a:noAutofit/>
+        </a:bodyPr>
+        <a:lstStyle/>
+        <a:p>
+          <a:pPr lvl="0" algn="ctr" defTabSz="844550">
+            <a:lnSpc>
+              <a:spcPct val="90000"/>
+            </a:lnSpc>
+            <a:spcBef>
+              <a:spcPct val="0"/>
+            </a:spcBef>
+            <a:spcAft>
+              <a:spcPct val="35000"/>
+            </a:spcAft>
+          </a:pPr>
+          <a:r>
+            <a:rPr lang="en-AU" sz="1900" kern="1200" dirty="0" smtClean="0">
+              <a:solidFill>
+                <a:sysClr val="windowText" lastClr="000000"/>
+              </a:solidFill>
+            </a:rPr>
+            <a:t>Diff. Analysis: </a:t>
+          </a:r>
+        </a:p>
+        <a:p>
+          <a:pPr lvl="0" algn="ctr" defTabSz="844550">
+            <a:lnSpc>
+              <a:spcPct val="90000"/>
+            </a:lnSpc>
+            <a:spcBef>
+              <a:spcPct val="0"/>
+            </a:spcBef>
+            <a:spcAft>
+              <a:spcPct val="35000"/>
+            </a:spcAft>
+          </a:pPr>
+          <a:r>
+            <a:rPr lang="en-AU" sz="1900" kern="1200" dirty="0" smtClean="0">
+              <a:solidFill>
+                <a:sysClr val="windowText" lastClr="000000"/>
+              </a:solidFill>
+            </a:rPr>
+            <a:t>Log2FoldChange, Standard Error, and Wald test </a:t>
+          </a:r>
+          <a:r>
+            <a:rPr lang="en-AU" sz="1900" kern="1200" dirty="0" err="1" smtClean="0">
+              <a:solidFill>
+                <a:sysClr val="windowText" lastClr="000000"/>
+              </a:solidFill>
+            </a:rPr>
+            <a:t>pvalue</a:t>
+          </a:r>
+          <a:r>
+            <a:rPr lang="en-AU" sz="1900" kern="1200" dirty="0" smtClean="0">
+              <a:solidFill>
+                <a:sysClr val="windowText" lastClr="000000"/>
+              </a:solidFill>
+            </a:rPr>
+            <a:t>. </a:t>
+          </a:r>
+          <a:endParaRPr lang="en-AU" sz="1900" kern="1200" dirty="0">
+            <a:solidFill>
+              <a:sysClr val="windowText" lastClr="000000"/>
+            </a:solidFill>
+          </a:endParaRPr>
+        </a:p>
+      </dsp:txBody>
+      <dsp:txXfrm>
+        <a:off x="7101025" y="649736"/>
+        <a:ext cx="2428799" cy="1421890"/>
       </dsp:txXfrm>
     </dsp:sp>
   </dsp:spTree>
@@ -3438,7 +4896,1187 @@
 </dgm:layoutDef>
 </file>
 
+<file path=ppt/diagrams/layout2.xml><?xml version="1.0" encoding="utf-8"?>
+<dgm:layoutDef xmlns:dgm="http://schemas.openxmlformats.org/drawingml/2006/diagram" xmlns:a="http://schemas.openxmlformats.org/drawingml/2006/main" uniqueId="urn:microsoft.com/office/officeart/2005/8/layout/process1">
+  <dgm:title val=""/>
+  <dgm:desc val=""/>
+  <dgm:catLst>
+    <dgm:cat type="process" pri="1000"/>
+    <dgm:cat type="convert" pri="15000"/>
+  </dgm:catLst>
+  <dgm:sampData useDef="1">
+    <dgm:dataModel>
+      <dgm:ptLst/>
+      <dgm:bg/>
+      <dgm:whole/>
+    </dgm:dataModel>
+  </dgm:sampData>
+  <dgm:styleData>
+    <dgm:dataModel>
+      <dgm:ptLst>
+        <dgm:pt modelId="0" type="doc"/>
+        <dgm:pt modelId="1"/>
+        <dgm:pt modelId="2"/>
+      </dgm:ptLst>
+      <dgm:cxnLst>
+        <dgm:cxn modelId="3" srcId="0" destId="1" srcOrd="0" destOrd="0"/>
+        <dgm:cxn modelId="4" srcId="0" destId="2" srcOrd="1" destOrd="0"/>
+      </dgm:cxnLst>
+      <dgm:bg/>
+      <dgm:whole/>
+    </dgm:dataModel>
+  </dgm:styleData>
+  <dgm:clrData>
+    <dgm:dataModel>
+      <dgm:ptLst>
+        <dgm:pt modelId="0" type="doc"/>
+        <dgm:pt modelId="1"/>
+        <dgm:pt modelId="2"/>
+        <dgm:pt modelId="3"/>
+        <dgm:pt modelId="4"/>
+      </dgm:ptLst>
+      <dgm:cxnLst>
+        <dgm:cxn modelId="5" srcId="0" destId="1" srcOrd="0" destOrd="0"/>
+        <dgm:cxn modelId="6" srcId="0" destId="2" srcOrd="1" destOrd="0"/>
+        <dgm:cxn modelId="7" srcId="0" destId="3" srcOrd="2" destOrd="0"/>
+        <dgm:cxn modelId="8" srcId="0" destId="4" srcOrd="3" destOrd="0"/>
+      </dgm:cxnLst>
+      <dgm:bg/>
+      <dgm:whole/>
+    </dgm:dataModel>
+  </dgm:clrData>
+  <dgm:layoutNode name="Name0">
+    <dgm:varLst>
+      <dgm:dir/>
+      <dgm:resizeHandles val="exact"/>
+    </dgm:varLst>
+    <dgm:choose name="Name1">
+      <dgm:if name="Name2" func="var" arg="dir" op="equ" val="norm">
+        <dgm:alg type="lin"/>
+      </dgm:if>
+      <dgm:else name="Name3">
+        <dgm:alg type="lin">
+          <dgm:param type="linDir" val="fromR"/>
+        </dgm:alg>
+      </dgm:else>
+    </dgm:choose>
+    <dgm:shape xmlns:r="http://schemas.openxmlformats.org/officeDocument/2006/relationships" r:blip="">
+      <dgm:adjLst/>
+    </dgm:shape>
+    <dgm:presOf/>
+    <dgm:constrLst>
+      <dgm:constr type="w" for="ch" ptType="node" refType="w"/>
+      <dgm:constr type="h" for="ch" ptType="node" op="equ"/>
+      <dgm:constr type="primFontSz" for="ch" ptType="node" op="equ" val="65"/>
+      <dgm:constr type="w" for="ch" ptType="sibTrans" refType="w" refFor="ch" refPtType="node" op="equ" fact="0.4"/>
+      <dgm:constr type="h" for="ch" ptType="sibTrans" op="equ"/>
+      <dgm:constr type="primFontSz" for="des" forName="connectorText" op="equ" val="55"/>
+      <dgm:constr type="primFontSz" for="des" forName="connectorText" refType="primFontSz" refFor="ch" refPtType="node" op="lte" fact="0.8"/>
+    </dgm:constrLst>
+    <dgm:ruleLst/>
+    <dgm:forEach name="nodesForEach" axis="ch" ptType="node">
+      <dgm:layoutNode name="node">
+        <dgm:varLst>
+          <dgm:bulletEnabled val="1"/>
+        </dgm:varLst>
+        <dgm:alg type="tx"/>
+        <dgm:shape xmlns:r="http://schemas.openxmlformats.org/officeDocument/2006/relationships" type="roundRect" r:blip="">
+          <dgm:adjLst>
+            <dgm:adj idx="1" val="0.1"/>
+          </dgm:adjLst>
+        </dgm:shape>
+        <dgm:presOf axis="desOrSelf" ptType="node"/>
+        <dgm:constrLst>
+          <dgm:constr type="h" refType="w" fact="0.6"/>
+          <dgm:constr type="tMarg" refType="primFontSz" fact="0.3"/>
+          <dgm:constr type="bMarg" refType="primFontSz" fact="0.3"/>
+          <dgm:constr type="lMarg" refType="primFontSz" fact="0.3"/>
+          <dgm:constr type="rMarg" refType="primFontSz" fact="0.3"/>
+        </dgm:constrLst>
+        <dgm:ruleLst>
+          <dgm:rule type="primFontSz" val="18" fact="NaN" max="NaN"/>
+          <dgm:rule type="h" val="NaN" fact="1.5" max="NaN"/>
+          <dgm:rule type="primFontSz" val="5" fact="NaN" max="NaN"/>
+          <dgm:rule type="h" val="INF" fact="NaN" max="NaN"/>
+        </dgm:ruleLst>
+      </dgm:layoutNode>
+      <dgm:forEach name="sibTransForEach" axis="followSib" ptType="sibTrans" cnt="1">
+        <dgm:layoutNode name="sibTrans">
+          <dgm:alg type="conn">
+            <dgm:param type="begPts" val="auto"/>
+            <dgm:param type="endPts" val="auto"/>
+          </dgm:alg>
+          <dgm:shape xmlns:r="http://schemas.openxmlformats.org/officeDocument/2006/relationships" type="conn" r:blip="">
+            <dgm:adjLst/>
+          </dgm:shape>
+          <dgm:presOf axis="self"/>
+          <dgm:constrLst>
+            <dgm:constr type="h" refType="w" fact="0.62"/>
+            <dgm:constr type="connDist"/>
+            <dgm:constr type="begPad" refType="connDist" fact="0.25"/>
+            <dgm:constr type="endPad" refType="connDist" fact="0.22"/>
+          </dgm:constrLst>
+          <dgm:ruleLst/>
+          <dgm:layoutNode name="connectorText">
+            <dgm:alg type="tx">
+              <dgm:param type="autoTxRot" val="grav"/>
+            </dgm:alg>
+            <dgm:shape xmlns:r="http://schemas.openxmlformats.org/officeDocument/2006/relationships" type="conn" r:blip="" hideGeom="1">
+              <dgm:adjLst/>
+            </dgm:shape>
+            <dgm:presOf axis="self"/>
+            <dgm:constrLst>
+              <dgm:constr type="lMarg"/>
+              <dgm:constr type="rMarg"/>
+              <dgm:constr type="tMarg"/>
+              <dgm:constr type="bMarg"/>
+            </dgm:constrLst>
+            <dgm:ruleLst>
+              <dgm:rule type="primFontSz" val="5" fact="NaN" max="NaN"/>
+            </dgm:ruleLst>
+          </dgm:layoutNode>
+        </dgm:layoutNode>
+      </dgm:forEach>
+    </dgm:forEach>
+  </dgm:layoutNode>
+</dgm:layoutDef>
+</file>
+
 <file path=ppt/diagrams/quickStyle1.xml><?xml version="1.0" encoding="utf-8"?>
+<dgm:styleDef xmlns:dgm="http://schemas.openxmlformats.org/drawingml/2006/diagram" xmlns:a="http://schemas.openxmlformats.org/drawingml/2006/main" uniqueId="urn:microsoft.com/office/officeart/2005/8/quickstyle/simple1">
+  <dgm:title val=""/>
+  <dgm:desc val=""/>
+  <dgm:catLst>
+    <dgm:cat type="simple" pri="10100"/>
+  </dgm:catLst>
+  <dgm:scene3d>
+    <a:camera prst="orthographicFront"/>
+    <a:lightRig rig="threePt" dir="t"/>
+  </dgm:scene3d>
+  <dgm:styleLbl name="node0">
+    <dgm:scene3d>
+      <a:camera prst="orthographicFront"/>
+      <a:lightRig rig="threePt" dir="t"/>
+    </dgm:scene3d>
+    <dgm:sp3d/>
+    <dgm:txPr/>
+    <dgm:style>
+      <a:lnRef idx="2">
+        <a:scrgbClr r="0" g="0" b="0"/>
+      </a:lnRef>
+      <a:fillRef idx="1">
+        <a:scrgbClr r="0" g="0" b="0"/>
+      </a:fillRef>
+      <a:effectRef idx="0">
+        <a:scrgbClr r="0" g="0" b="0"/>
+      </a:effectRef>
+      <a:fontRef idx="minor">
+        <a:schemeClr val="lt1"/>
+      </a:fontRef>
+    </dgm:style>
+  </dgm:styleLbl>
+  <dgm:styleLbl name="lnNode1">
+    <dgm:scene3d>
+      <a:camera prst="orthographicFront"/>
+      <a:lightRig rig="threePt" dir="t"/>
+    </dgm:scene3d>
+    <dgm:sp3d/>
+    <dgm:txPr/>
+    <dgm:style>
+      <a:lnRef idx="2">
+        <a:scrgbClr r="0" g="0" b="0"/>
+      </a:lnRef>
+      <a:fillRef idx="1">
+        <a:scrgbClr r="0" g="0" b="0"/>
+      </a:fillRef>
+      <a:effectRef idx="0">
+        <a:scrgbClr r="0" g="0" b="0"/>
+      </a:effectRef>
+      <a:fontRef idx="minor">
+        <a:schemeClr val="lt1"/>
+      </a:fontRef>
+    </dgm:style>
+  </dgm:styleLbl>
+  <dgm:styleLbl name="vennNode1">
+    <dgm:scene3d>
+      <a:camera prst="orthographicFront"/>
+      <a:lightRig rig="threePt" dir="t"/>
+    </dgm:scene3d>
+    <dgm:sp3d/>
+    <dgm:txPr/>
+    <dgm:style>
+      <a:lnRef idx="2">
+        <a:scrgbClr r="0" g="0" b="0"/>
+      </a:lnRef>
+      <a:fillRef idx="1">
+        <a:scrgbClr r="0" g="0" b="0"/>
+      </a:fillRef>
+      <a:effectRef idx="0">
+        <a:scrgbClr r="0" g="0" b="0"/>
+      </a:effectRef>
+      <a:fontRef idx="minor">
+        <a:schemeClr val="tx1"/>
+      </a:fontRef>
+    </dgm:style>
+  </dgm:styleLbl>
+  <dgm:styleLbl name="alignNode1">
+    <dgm:scene3d>
+      <a:camera prst="orthographicFront"/>
+      <a:lightRig rig="threePt" dir="t"/>
+    </dgm:scene3d>
+    <dgm:sp3d/>
+    <dgm:txPr/>
+    <dgm:style>
+      <a:lnRef idx="2">
+        <a:scrgbClr r="0" g="0" b="0"/>
+      </a:lnRef>
+      <a:fillRef idx="1">
+        <a:scrgbClr r="0" g="0" b="0"/>
+      </a:fillRef>
+      <a:effectRef idx="0">
+        <a:scrgbClr r="0" g="0" b="0"/>
+      </a:effectRef>
+      <a:fontRef idx="minor">
+        <a:schemeClr val="lt1"/>
+      </a:fontRef>
+    </dgm:style>
+  </dgm:styleLbl>
+  <dgm:styleLbl name="node1">
+    <dgm:scene3d>
+      <a:camera prst="orthographicFront"/>
+      <a:lightRig rig="threePt" dir="t"/>
+    </dgm:scene3d>
+    <dgm:sp3d/>
+    <dgm:txPr/>
+    <dgm:style>
+      <a:lnRef idx="2">
+        <a:scrgbClr r="0" g="0" b="0"/>
+      </a:lnRef>
+      <a:fillRef idx="1">
+        <a:scrgbClr r="0" g="0" b="0"/>
+      </a:fillRef>
+      <a:effectRef idx="0">
+        <a:scrgbClr r="0" g="0" b="0"/>
+      </a:effectRef>
+      <a:fontRef idx="minor">
+        <a:schemeClr val="lt1"/>
+      </a:fontRef>
+    </dgm:style>
+  </dgm:styleLbl>
+  <dgm:styleLbl name="node2">
+    <dgm:scene3d>
+      <a:camera prst="orthographicFront"/>
+      <a:lightRig rig="threePt" dir="t"/>
+    </dgm:scene3d>
+    <dgm:sp3d/>
+    <dgm:txPr/>
+    <dgm:style>
+      <a:lnRef idx="2">
+        <a:scrgbClr r="0" g="0" b="0"/>
+      </a:lnRef>
+      <a:fillRef idx="1">
+        <a:scrgbClr r="0" g="0" b="0"/>
+      </a:fillRef>
+      <a:effectRef idx="0">
+        <a:scrgbClr r="0" g="0" b="0"/>
+      </a:effectRef>
+      <a:fontRef idx="minor">
+        <a:schemeClr val="lt1"/>
+      </a:fontRef>
+    </dgm:style>
+  </dgm:styleLbl>
+  <dgm:styleLbl name="node3">
+    <dgm:scene3d>
+      <a:camera prst="orthographicFront"/>
+      <a:lightRig rig="threePt" dir="t"/>
+    </dgm:scene3d>
+    <dgm:sp3d/>
+    <dgm:txPr/>
+    <dgm:style>
+      <a:lnRef idx="2">
+        <a:scrgbClr r="0" g="0" b="0"/>
+      </a:lnRef>
+      <a:fillRef idx="1">
+        <a:scrgbClr r="0" g="0" b="0"/>
+      </a:fillRef>
+      <a:effectRef idx="0">
+        <a:scrgbClr r="0" g="0" b="0"/>
+      </a:effectRef>
+      <a:fontRef idx="minor">
+        <a:schemeClr val="lt1"/>
+      </a:fontRef>
+    </dgm:style>
+  </dgm:styleLbl>
+  <dgm:styleLbl name="node4">
+    <dgm:scene3d>
+      <a:camera prst="orthographicFront"/>
+      <a:lightRig rig="threePt" dir="t"/>
+    </dgm:scene3d>
+    <dgm:sp3d/>
+    <dgm:txPr/>
+    <dgm:style>
+      <a:lnRef idx="2">
+        <a:scrgbClr r="0" g="0" b="0"/>
+      </a:lnRef>
+      <a:fillRef idx="1">
+        <a:scrgbClr r="0" g="0" b="0"/>
+      </a:fillRef>
+      <a:effectRef idx="0">
+        <a:scrgbClr r="0" g="0" b="0"/>
+      </a:effectRef>
+      <a:fontRef idx="minor">
+        <a:schemeClr val="lt1"/>
+      </a:fontRef>
+    </dgm:style>
+  </dgm:styleLbl>
+  <dgm:styleLbl name="fgImgPlace1">
+    <dgm:scene3d>
+      <a:camera prst="orthographicFront"/>
+      <a:lightRig rig="threePt" dir="t"/>
+    </dgm:scene3d>
+    <dgm:sp3d/>
+    <dgm:txPr/>
+    <dgm:style>
+      <a:lnRef idx="2">
+        <a:scrgbClr r="0" g="0" b="0"/>
+      </a:lnRef>
+      <a:fillRef idx="1">
+        <a:scrgbClr r="0" g="0" b="0"/>
+      </a:fillRef>
+      <a:effectRef idx="0">
+        <a:scrgbClr r="0" g="0" b="0"/>
+      </a:effectRef>
+      <a:fontRef idx="minor"/>
+    </dgm:style>
+  </dgm:styleLbl>
+  <dgm:styleLbl name="alignImgPlace1">
+    <dgm:scene3d>
+      <a:camera prst="orthographicFront"/>
+      <a:lightRig rig="threePt" dir="t"/>
+    </dgm:scene3d>
+    <dgm:sp3d/>
+    <dgm:txPr/>
+    <dgm:style>
+      <a:lnRef idx="2">
+        <a:scrgbClr r="0" g="0" b="0"/>
+      </a:lnRef>
+      <a:fillRef idx="1">
+        <a:scrgbClr r="0" g="0" b="0"/>
+      </a:fillRef>
+      <a:effectRef idx="0">
+        <a:scrgbClr r="0" g="0" b="0"/>
+      </a:effectRef>
+      <a:fontRef idx="minor"/>
+    </dgm:style>
+  </dgm:styleLbl>
+  <dgm:styleLbl name="bgImgPlace1">
+    <dgm:scene3d>
+      <a:camera prst="orthographicFront"/>
+      <a:lightRig rig="threePt" dir="t"/>
+    </dgm:scene3d>
+    <dgm:sp3d/>
+    <dgm:txPr/>
+    <dgm:style>
+      <a:lnRef idx="2">
+        <a:scrgbClr r="0" g="0" b="0"/>
+      </a:lnRef>
+      <a:fillRef idx="1">
+        <a:scrgbClr r="0" g="0" b="0"/>
+      </a:fillRef>
+      <a:effectRef idx="0">
+        <a:scrgbClr r="0" g="0" b="0"/>
+      </a:effectRef>
+      <a:fontRef idx="minor"/>
+    </dgm:style>
+  </dgm:styleLbl>
+  <dgm:styleLbl name="sibTrans2D1">
+    <dgm:scene3d>
+      <a:camera prst="orthographicFront"/>
+      <a:lightRig rig="threePt" dir="t"/>
+    </dgm:scene3d>
+    <dgm:sp3d/>
+    <dgm:txPr/>
+    <dgm:style>
+      <a:lnRef idx="0">
+        <a:scrgbClr r="0" g="0" b="0"/>
+      </a:lnRef>
+      <a:fillRef idx="1">
+        <a:scrgbClr r="0" g="0" b="0"/>
+      </a:fillRef>
+      <a:effectRef idx="0">
+        <a:scrgbClr r="0" g="0" b="0"/>
+      </a:effectRef>
+      <a:fontRef idx="minor">
+        <a:schemeClr val="lt1"/>
+      </a:fontRef>
+    </dgm:style>
+  </dgm:styleLbl>
+  <dgm:styleLbl name="fgSibTrans2D1">
+    <dgm:scene3d>
+      <a:camera prst="orthographicFront"/>
+      <a:lightRig rig="threePt" dir="t"/>
+    </dgm:scene3d>
+    <dgm:sp3d/>
+    <dgm:txPr/>
+    <dgm:style>
+      <a:lnRef idx="0">
+        <a:scrgbClr r="0" g="0" b="0"/>
+      </a:lnRef>
+      <a:fillRef idx="1">
+        <a:scrgbClr r="0" g="0" b="0"/>
+      </a:fillRef>
+      <a:effectRef idx="0">
+        <a:scrgbClr r="0" g="0" b="0"/>
+      </a:effectRef>
+      <a:fontRef idx="minor">
+        <a:schemeClr val="lt1"/>
+      </a:fontRef>
+    </dgm:style>
+  </dgm:styleLbl>
+  <dgm:styleLbl name="bgSibTrans2D1">
+    <dgm:scene3d>
+      <a:camera prst="orthographicFront"/>
+      <a:lightRig rig="threePt" dir="t"/>
+    </dgm:scene3d>
+    <dgm:sp3d/>
+    <dgm:txPr/>
+    <dgm:style>
+      <a:lnRef idx="0">
+        <a:scrgbClr r="0" g="0" b="0"/>
+      </a:lnRef>
+      <a:fillRef idx="1">
+        <a:scrgbClr r="0" g="0" b="0"/>
+      </a:fillRef>
+      <a:effectRef idx="0">
+        <a:scrgbClr r="0" g="0" b="0"/>
+      </a:effectRef>
+      <a:fontRef idx="minor">
+        <a:schemeClr val="lt1"/>
+      </a:fontRef>
+    </dgm:style>
+  </dgm:styleLbl>
+  <dgm:styleLbl name="sibTrans1D1">
+    <dgm:scene3d>
+      <a:camera prst="orthographicFront"/>
+      <a:lightRig rig="threePt" dir="t"/>
+    </dgm:scene3d>
+    <dgm:sp3d/>
+    <dgm:txPr/>
+    <dgm:style>
+      <a:lnRef idx="1">
+        <a:scrgbClr r="0" g="0" b="0"/>
+      </a:lnRef>
+      <a:fillRef idx="0">
+        <a:scrgbClr r="0" g="0" b="0"/>
+      </a:fillRef>
+      <a:effectRef idx="0">
+        <a:scrgbClr r="0" g="0" b="0"/>
+      </a:effectRef>
+      <a:fontRef idx="minor"/>
+    </dgm:style>
+  </dgm:styleLbl>
+  <dgm:styleLbl name="callout">
+    <dgm:scene3d>
+      <a:camera prst="orthographicFront"/>
+      <a:lightRig rig="threePt" dir="t"/>
+    </dgm:scene3d>
+    <dgm:sp3d/>
+    <dgm:txPr/>
+    <dgm:style>
+      <a:lnRef idx="2">
+        <a:scrgbClr r="0" g="0" b="0"/>
+      </a:lnRef>
+      <a:fillRef idx="1">
+        <a:scrgbClr r="0" g="0" b="0"/>
+      </a:fillRef>
+      <a:effectRef idx="0">
+        <a:scrgbClr r="0" g="0" b="0"/>
+      </a:effectRef>
+      <a:fontRef idx="minor"/>
+    </dgm:style>
+  </dgm:styleLbl>
+  <dgm:styleLbl name="asst0">
+    <dgm:scene3d>
+      <a:camera prst="orthographicFront"/>
+      <a:lightRig rig="threePt" dir="t"/>
+    </dgm:scene3d>
+    <dgm:sp3d/>
+    <dgm:txPr/>
+    <dgm:style>
+      <a:lnRef idx="2">
+        <a:scrgbClr r="0" g="0" b="0"/>
+      </a:lnRef>
+      <a:fillRef idx="1">
+        <a:scrgbClr r="0" g="0" b="0"/>
+      </a:fillRef>
+      <a:effectRef idx="0">
+        <a:scrgbClr r="0" g="0" b="0"/>
+      </a:effectRef>
+      <a:fontRef idx="minor">
+        <a:schemeClr val="lt1"/>
+      </a:fontRef>
+    </dgm:style>
+  </dgm:styleLbl>
+  <dgm:styleLbl name="asst1">
+    <dgm:scene3d>
+      <a:camera prst="orthographicFront"/>
+      <a:lightRig rig="threePt" dir="t"/>
+    </dgm:scene3d>
+    <dgm:sp3d/>
+    <dgm:txPr/>
+    <dgm:style>
+      <a:lnRef idx="2">
+        <a:scrgbClr r="0" g="0" b="0"/>
+      </a:lnRef>
+      <a:fillRef idx="1">
+        <a:scrgbClr r="0" g="0" b="0"/>
+      </a:fillRef>
+      <a:effectRef idx="0">
+        <a:scrgbClr r="0" g="0" b="0"/>
+      </a:effectRef>
+      <a:fontRef idx="minor">
+        <a:schemeClr val="lt1"/>
+      </a:fontRef>
+    </dgm:style>
+  </dgm:styleLbl>
+  <dgm:styleLbl name="asst2">
+    <dgm:scene3d>
+      <a:camera prst="orthographicFront"/>
+      <a:lightRig rig="threePt" dir="t"/>
+    </dgm:scene3d>
+    <dgm:sp3d/>
+    <dgm:txPr/>
+    <dgm:style>
+      <a:lnRef idx="2">
+        <a:scrgbClr r="0" g="0" b="0"/>
+      </a:lnRef>
+      <a:fillRef idx="1">
+        <a:scrgbClr r="0" g="0" b="0"/>
+      </a:fillRef>
+      <a:effectRef idx="0">
+        <a:scrgbClr r="0" g="0" b="0"/>
+      </a:effectRef>
+      <a:fontRef idx="minor">
+        <a:schemeClr val="lt1"/>
+      </a:fontRef>
+    </dgm:style>
+  </dgm:styleLbl>
+  <dgm:styleLbl name="asst3">
+    <dgm:scene3d>
+      <a:camera prst="orthographicFront"/>
+      <a:lightRig rig="threePt" dir="t"/>
+    </dgm:scene3d>
+    <dgm:sp3d/>
+    <dgm:txPr/>
+    <dgm:style>
+      <a:lnRef idx="2">
+        <a:scrgbClr r="0" g="0" b="0"/>
+      </a:lnRef>
+      <a:fillRef idx="1">
+        <a:scrgbClr r="0" g="0" b="0"/>
+      </a:fillRef>
+      <a:effectRef idx="0">
+        <a:scrgbClr r="0" g="0" b="0"/>
+      </a:effectRef>
+      <a:fontRef idx="minor">
+        <a:schemeClr val="lt1"/>
+      </a:fontRef>
+    </dgm:style>
+  </dgm:styleLbl>
+  <dgm:styleLbl name="asst4">
+    <dgm:scene3d>
+      <a:camera prst="orthographicFront"/>
+      <a:lightRig rig="threePt" dir="t"/>
+    </dgm:scene3d>
+    <dgm:sp3d/>
+    <dgm:txPr/>
+    <dgm:style>
+      <a:lnRef idx="2">
+        <a:scrgbClr r="0" g="0" b="0"/>
+      </a:lnRef>
+      <a:fillRef idx="1">
+        <a:scrgbClr r="0" g="0" b="0"/>
+      </a:fillRef>
+      <a:effectRef idx="0">
+        <a:scrgbClr r="0" g="0" b="0"/>
+      </a:effectRef>
+      <a:fontRef idx="minor">
+        <a:schemeClr val="lt1"/>
+      </a:fontRef>
+    </dgm:style>
+  </dgm:styleLbl>
+  <dgm:styleLbl name="parChTrans2D1">
+    <dgm:scene3d>
+      <a:camera prst="orthographicFront"/>
+      <a:lightRig rig="threePt" dir="t"/>
+    </dgm:scene3d>
+    <dgm:sp3d/>
+    <dgm:txPr/>
+    <dgm:style>
+      <a:lnRef idx="2">
+        <a:scrgbClr r="0" g="0" b="0"/>
+      </a:lnRef>
+      <a:fillRef idx="1">
+        <a:scrgbClr r="0" g="0" b="0"/>
+      </a:fillRef>
+      <a:effectRef idx="0">
+        <a:scrgbClr r="0" g="0" b="0"/>
+      </a:effectRef>
+      <a:fontRef idx="minor">
+        <a:schemeClr val="lt1"/>
+      </a:fontRef>
+    </dgm:style>
+  </dgm:styleLbl>
+  <dgm:styleLbl name="parChTrans2D2">
+    <dgm:scene3d>
+      <a:camera prst="orthographicFront"/>
+      <a:lightRig rig="threePt" dir="t"/>
+    </dgm:scene3d>
+    <dgm:sp3d/>
+    <dgm:txPr/>
+    <dgm:style>
+      <a:lnRef idx="2">
+        <a:scrgbClr r="0" g="0" b="0"/>
+      </a:lnRef>
+      <a:fillRef idx="1">
+        <a:scrgbClr r="0" g="0" b="0"/>
+      </a:fillRef>
+      <a:effectRef idx="0">
+        <a:scrgbClr r="0" g="0" b="0"/>
+      </a:effectRef>
+      <a:fontRef idx="minor">
+        <a:schemeClr val="lt1"/>
+      </a:fontRef>
+    </dgm:style>
+  </dgm:styleLbl>
+  <dgm:styleLbl name="parChTrans2D3">
+    <dgm:scene3d>
+      <a:camera prst="orthographicFront"/>
+      <a:lightRig rig="threePt" dir="t"/>
+    </dgm:scene3d>
+    <dgm:sp3d/>
+    <dgm:txPr/>
+    <dgm:style>
+      <a:lnRef idx="2">
+        <a:scrgbClr r="0" g="0" b="0"/>
+      </a:lnRef>
+      <a:fillRef idx="1">
+        <a:scrgbClr r="0" g="0" b="0"/>
+      </a:fillRef>
+      <a:effectRef idx="0">
+        <a:scrgbClr r="0" g="0" b="0"/>
+      </a:effectRef>
+      <a:fontRef idx="minor">
+        <a:schemeClr val="lt1"/>
+      </a:fontRef>
+    </dgm:style>
+  </dgm:styleLbl>
+  <dgm:styleLbl name="parChTrans2D4">
+    <dgm:scene3d>
+      <a:camera prst="orthographicFront"/>
+      <a:lightRig rig="threePt" dir="t"/>
+    </dgm:scene3d>
+    <dgm:sp3d/>
+    <dgm:txPr/>
+    <dgm:style>
+      <a:lnRef idx="2">
+        <a:scrgbClr r="0" g="0" b="0"/>
+      </a:lnRef>
+      <a:fillRef idx="1">
+        <a:scrgbClr r="0" g="0" b="0"/>
+      </a:fillRef>
+      <a:effectRef idx="0">
+        <a:scrgbClr r="0" g="0" b="0"/>
+      </a:effectRef>
+      <a:fontRef idx="minor">
+        <a:schemeClr val="lt1"/>
+      </a:fontRef>
+    </dgm:style>
+  </dgm:styleLbl>
+  <dgm:styleLbl name="parChTrans1D1">
+    <dgm:scene3d>
+      <a:camera prst="orthographicFront"/>
+      <a:lightRig rig="threePt" dir="t"/>
+    </dgm:scene3d>
+    <dgm:sp3d/>
+    <dgm:txPr/>
+    <dgm:style>
+      <a:lnRef idx="2">
+        <a:scrgbClr r="0" g="0" b="0"/>
+      </a:lnRef>
+      <a:fillRef idx="0">
+        <a:scrgbClr r="0" g="0" b="0"/>
+      </a:fillRef>
+      <a:effectRef idx="0">
+        <a:scrgbClr r="0" g="0" b="0"/>
+      </a:effectRef>
+      <a:fontRef idx="minor"/>
+    </dgm:style>
+  </dgm:styleLbl>
+  <dgm:styleLbl name="parChTrans1D2">
+    <dgm:scene3d>
+      <a:camera prst="orthographicFront"/>
+      <a:lightRig rig="threePt" dir="t"/>
+    </dgm:scene3d>
+    <dgm:sp3d/>
+    <dgm:txPr/>
+    <dgm:style>
+      <a:lnRef idx="2">
+        <a:scrgbClr r="0" g="0" b="0"/>
+      </a:lnRef>
+      <a:fillRef idx="0">
+        <a:scrgbClr r="0" g="0" b="0"/>
+      </a:fillRef>
+      <a:effectRef idx="0">
+        <a:scrgbClr r="0" g="0" b="0"/>
+      </a:effectRef>
+      <a:fontRef idx="minor"/>
+    </dgm:style>
+  </dgm:styleLbl>
+  <dgm:styleLbl name="parChTrans1D3">
+    <dgm:scene3d>
+      <a:camera prst="orthographicFront"/>
+      <a:lightRig rig="threePt" dir="t"/>
+    </dgm:scene3d>
+    <dgm:sp3d/>
+    <dgm:txPr/>
+    <dgm:style>
+      <a:lnRef idx="2">
+        <a:scrgbClr r="0" g="0" b="0"/>
+      </a:lnRef>
+      <a:fillRef idx="0">
+        <a:scrgbClr r="0" g="0" b="0"/>
+      </a:fillRef>
+      <a:effectRef idx="0">
+        <a:scrgbClr r="0" g="0" b="0"/>
+      </a:effectRef>
+      <a:fontRef idx="minor"/>
+    </dgm:style>
+  </dgm:styleLbl>
+  <dgm:styleLbl name="parChTrans1D4">
+    <dgm:scene3d>
+      <a:camera prst="orthographicFront"/>
+      <a:lightRig rig="threePt" dir="t"/>
+    </dgm:scene3d>
+    <dgm:sp3d/>
+    <dgm:txPr/>
+    <dgm:style>
+      <a:lnRef idx="2">
+        <a:scrgbClr r="0" g="0" b="0"/>
+      </a:lnRef>
+      <a:fillRef idx="0">
+        <a:scrgbClr r="0" g="0" b="0"/>
+      </a:fillRef>
+      <a:effectRef idx="0">
+        <a:scrgbClr r="0" g="0" b="0"/>
+      </a:effectRef>
+      <a:fontRef idx="minor"/>
+    </dgm:style>
+  </dgm:styleLbl>
+  <dgm:styleLbl name="fgAcc1">
+    <dgm:scene3d>
+      <a:camera prst="orthographicFront"/>
+      <a:lightRig rig="threePt" dir="t"/>
+    </dgm:scene3d>
+    <dgm:sp3d/>
+    <dgm:txPr/>
+    <dgm:style>
+      <a:lnRef idx="2">
+        <a:scrgbClr r="0" g="0" b="0"/>
+      </a:lnRef>
+      <a:fillRef idx="1">
+        <a:scrgbClr r="0" g="0" b="0"/>
+      </a:fillRef>
+      <a:effectRef idx="0">
+        <a:scrgbClr r="0" g="0" b="0"/>
+      </a:effectRef>
+      <a:fontRef idx="minor"/>
+    </dgm:style>
+  </dgm:styleLbl>
+  <dgm:styleLbl name="conFgAcc1">
+    <dgm:scene3d>
+      <a:camera prst="orthographicFront"/>
+      <a:lightRig rig="threePt" dir="t"/>
+    </dgm:scene3d>
+    <dgm:sp3d/>
+    <dgm:txPr/>
+    <dgm:style>
+      <a:lnRef idx="2">
+        <a:scrgbClr r="0" g="0" b="0"/>
+      </a:lnRef>
+      <a:fillRef idx="1">
+        <a:scrgbClr r="0" g="0" b="0"/>
+      </a:fillRef>
+      <a:effectRef idx="0">
+        <a:scrgbClr r="0" g="0" b="0"/>
+      </a:effectRef>
+      <a:fontRef idx="minor"/>
+    </dgm:style>
+  </dgm:styleLbl>
+  <dgm:styleLbl name="alignAcc1">
+    <dgm:scene3d>
+      <a:camera prst="orthographicFront"/>
+      <a:lightRig rig="threePt" dir="t"/>
+    </dgm:scene3d>
+    <dgm:sp3d/>
+    <dgm:txPr/>
+    <dgm:style>
+      <a:lnRef idx="2">
+        <a:scrgbClr r="0" g="0" b="0"/>
+      </a:lnRef>
+      <a:fillRef idx="1">
+        <a:scrgbClr r="0" g="0" b="0"/>
+      </a:fillRef>
+      <a:effectRef idx="0">
+        <a:scrgbClr r="0" g="0" b="0"/>
+      </a:effectRef>
+      <a:fontRef idx="minor"/>
+    </dgm:style>
+  </dgm:styleLbl>
+  <dgm:styleLbl name="trAlignAcc1">
+    <dgm:scene3d>
+      <a:camera prst="orthographicFront"/>
+      <a:lightRig rig="threePt" dir="t"/>
+    </dgm:scene3d>
+    <dgm:sp3d/>
+    <dgm:txPr/>
+    <dgm:style>
+      <a:lnRef idx="1">
+        <a:scrgbClr r="0" g="0" b="0"/>
+      </a:lnRef>
+      <a:fillRef idx="1">
+        <a:scrgbClr r="0" g="0" b="0"/>
+      </a:fillRef>
+      <a:effectRef idx="0">
+        <a:scrgbClr r="0" g="0" b="0"/>
+      </a:effectRef>
+      <a:fontRef idx="minor"/>
+    </dgm:style>
+  </dgm:styleLbl>
+  <dgm:styleLbl name="bgAcc1">
+    <dgm:scene3d>
+      <a:camera prst="orthographicFront"/>
+      <a:lightRig rig="threePt" dir="t"/>
+    </dgm:scene3d>
+    <dgm:sp3d/>
+    <dgm:txPr/>
+    <dgm:style>
+      <a:lnRef idx="2">
+        <a:scrgbClr r="0" g="0" b="0"/>
+      </a:lnRef>
+      <a:fillRef idx="1">
+        <a:scrgbClr r="0" g="0" b="0"/>
+      </a:fillRef>
+      <a:effectRef idx="0">
+        <a:scrgbClr r="0" g="0" b="0"/>
+      </a:effectRef>
+      <a:fontRef idx="minor"/>
+    </dgm:style>
+  </dgm:styleLbl>
+  <dgm:styleLbl name="solidFgAcc1">
+    <dgm:scene3d>
+      <a:camera prst="orthographicFront"/>
+      <a:lightRig rig="threePt" dir="t"/>
+    </dgm:scene3d>
+    <dgm:sp3d/>
+    <dgm:txPr/>
+    <dgm:style>
+      <a:lnRef idx="2">
+        <a:scrgbClr r="0" g="0" b="0"/>
+      </a:lnRef>
+      <a:fillRef idx="1">
+        <a:scrgbClr r="0" g="0" b="0"/>
+      </a:fillRef>
+      <a:effectRef idx="0">
+        <a:scrgbClr r="0" g="0" b="0"/>
+      </a:effectRef>
+      <a:fontRef idx="minor"/>
+    </dgm:style>
+  </dgm:styleLbl>
+  <dgm:styleLbl name="solidAlignAcc1">
+    <dgm:scene3d>
+      <a:camera prst="orthographicFront"/>
+      <a:lightRig rig="threePt" dir="t"/>
+    </dgm:scene3d>
+    <dgm:sp3d/>
+    <dgm:txPr/>
+    <dgm:style>
+      <a:lnRef idx="2">
+        <a:scrgbClr r="0" g="0" b="0"/>
+      </a:lnRef>
+      <a:fillRef idx="1">
+        <a:scrgbClr r="0" g="0" b="0"/>
+      </a:fillRef>
+      <a:effectRef idx="0">
+        <a:scrgbClr r="0" g="0" b="0"/>
+      </a:effectRef>
+      <a:fontRef idx="minor"/>
+    </dgm:style>
+  </dgm:styleLbl>
+  <dgm:styleLbl name="solidBgAcc1">
+    <dgm:scene3d>
+      <a:camera prst="orthographicFront"/>
+      <a:lightRig rig="threePt" dir="t"/>
+    </dgm:scene3d>
+    <dgm:sp3d/>
+    <dgm:txPr/>
+    <dgm:style>
+      <a:lnRef idx="2">
+        <a:scrgbClr r="0" g="0" b="0"/>
+      </a:lnRef>
+      <a:fillRef idx="1">
+        <a:scrgbClr r="0" g="0" b="0"/>
+      </a:fillRef>
+      <a:effectRef idx="0">
+        <a:scrgbClr r="0" g="0" b="0"/>
+      </a:effectRef>
+      <a:fontRef idx="minor"/>
+    </dgm:style>
+  </dgm:styleLbl>
+  <dgm:styleLbl name="fgAccFollowNode1">
+    <dgm:scene3d>
+      <a:camera prst="orthographicFront"/>
+      <a:lightRig rig="threePt" dir="t"/>
+    </dgm:scene3d>
+    <dgm:sp3d/>
+    <dgm:txPr/>
+    <dgm:style>
+      <a:lnRef idx="2">
+        <a:scrgbClr r="0" g="0" b="0"/>
+      </a:lnRef>
+      <a:fillRef idx="1">
+        <a:scrgbClr r="0" g="0" b="0"/>
+      </a:fillRef>
+      <a:effectRef idx="0">
+        <a:scrgbClr r="0" g="0" b="0"/>
+      </a:effectRef>
+      <a:fontRef idx="minor"/>
+    </dgm:style>
+  </dgm:styleLbl>
+  <dgm:styleLbl name="alignAccFollowNode1">
+    <dgm:scene3d>
+      <a:camera prst="orthographicFront"/>
+      <a:lightRig rig="threePt" dir="t"/>
+    </dgm:scene3d>
+    <dgm:sp3d/>
+    <dgm:txPr/>
+    <dgm:style>
+      <a:lnRef idx="2">
+        <a:scrgbClr r="0" g="0" b="0"/>
+      </a:lnRef>
+      <a:fillRef idx="1">
+        <a:scrgbClr r="0" g="0" b="0"/>
+      </a:fillRef>
+      <a:effectRef idx="0">
+        <a:scrgbClr r="0" g="0" b="0"/>
+      </a:effectRef>
+      <a:fontRef idx="minor"/>
+    </dgm:style>
+  </dgm:styleLbl>
+  <dgm:styleLbl name="bgAccFollowNode1">
+    <dgm:scene3d>
+      <a:camera prst="orthographicFront"/>
+      <a:lightRig rig="threePt" dir="t"/>
+    </dgm:scene3d>
+    <dgm:sp3d/>
+    <dgm:txPr/>
+    <dgm:style>
+      <a:lnRef idx="2">
+        <a:scrgbClr r="0" g="0" b="0"/>
+      </a:lnRef>
+      <a:fillRef idx="1">
+        <a:scrgbClr r="0" g="0" b="0"/>
+      </a:fillRef>
+      <a:effectRef idx="0">
+        <a:scrgbClr r="0" g="0" b="0"/>
+      </a:effectRef>
+      <a:fontRef idx="minor"/>
+    </dgm:style>
+  </dgm:styleLbl>
+  <dgm:styleLbl name="fgAcc0">
+    <dgm:scene3d>
+      <a:camera prst="orthographicFront"/>
+      <a:lightRig rig="threePt" dir="t"/>
+    </dgm:scene3d>
+    <dgm:sp3d/>
+    <dgm:txPr/>
+    <dgm:style>
+      <a:lnRef idx="2">
+        <a:scrgbClr r="0" g="0" b="0"/>
+      </a:lnRef>
+      <a:fillRef idx="1">
+        <a:scrgbClr r="0" g="0" b="0"/>
+      </a:fillRef>
+      <a:effectRef idx="0">
+        <a:scrgbClr r="0" g="0" b="0"/>
+      </a:effectRef>
+      <a:fontRef idx="minor"/>
+    </dgm:style>
+  </dgm:styleLbl>
+  <dgm:styleLbl name="fgAcc2">
+    <dgm:scene3d>
+      <a:camera prst="orthographicFront"/>
+      <a:lightRig rig="threePt" dir="t"/>
+    </dgm:scene3d>
+    <dgm:sp3d/>
+    <dgm:txPr/>
+    <dgm:style>
+      <a:lnRef idx="2">
+        <a:scrgbClr r="0" g="0" b="0"/>
+      </a:lnRef>
+      <a:fillRef idx="1">
+        <a:scrgbClr r="0" g="0" b="0"/>
+      </a:fillRef>
+      <a:effectRef idx="0">
+        <a:scrgbClr r="0" g="0" b="0"/>
+      </a:effectRef>
+      <a:fontRef idx="minor"/>
+    </dgm:style>
+  </dgm:styleLbl>
+  <dgm:styleLbl name="fgAcc3">
+    <dgm:scene3d>
+      <a:camera prst="orthographicFront"/>
+      <a:lightRig rig="threePt" dir="t"/>
+    </dgm:scene3d>
+    <dgm:sp3d/>
+    <dgm:txPr/>
+    <dgm:style>
+      <a:lnRef idx="2">
+        <a:scrgbClr r="0" g="0" b="0"/>
+      </a:lnRef>
+      <a:fillRef idx="1">
+        <a:scrgbClr r="0" g="0" b="0"/>
+      </a:fillRef>
+      <a:effectRef idx="0">
+        <a:scrgbClr r="0" g="0" b="0"/>
+      </a:effectRef>
+      <a:fontRef idx="minor"/>
+    </dgm:style>
+  </dgm:styleLbl>
+  <dgm:styleLbl name="fgAcc4">
+    <dgm:scene3d>
+      <a:camera prst="orthographicFront"/>
+      <a:lightRig rig="threePt" dir="t"/>
+    </dgm:scene3d>
+    <dgm:sp3d/>
+    <dgm:txPr/>
+    <dgm:style>
+      <a:lnRef idx="2">
+        <a:scrgbClr r="0" g="0" b="0"/>
+      </a:lnRef>
+      <a:fillRef idx="1">
+        <a:scrgbClr r="0" g="0" b="0"/>
+      </a:fillRef>
+      <a:effectRef idx="0">
+        <a:scrgbClr r="0" g="0" b="0"/>
+      </a:effectRef>
+      <a:fontRef idx="minor"/>
+    </dgm:style>
+  </dgm:styleLbl>
+  <dgm:styleLbl name="bgShp">
+    <dgm:scene3d>
+      <a:camera prst="orthographicFront"/>
+      <a:lightRig rig="threePt" dir="t"/>
+    </dgm:scene3d>
+    <dgm:sp3d/>
+    <dgm:txPr/>
+    <dgm:style>
+      <a:lnRef idx="0">
+        <a:scrgbClr r="0" g="0" b="0"/>
+      </a:lnRef>
+      <a:fillRef idx="1">
+        <a:scrgbClr r="0" g="0" b="0"/>
+      </a:fillRef>
+      <a:effectRef idx="0">
+        <a:scrgbClr r="0" g="0" b="0"/>
+      </a:effectRef>
+      <a:fontRef idx="minor"/>
+    </dgm:style>
+  </dgm:styleLbl>
+  <dgm:styleLbl name="dkBgShp">
+    <dgm:scene3d>
+      <a:camera prst="orthographicFront"/>
+      <a:lightRig rig="threePt" dir="t"/>
+    </dgm:scene3d>
+    <dgm:sp3d/>
+    <dgm:txPr/>
+    <dgm:style>
+      <a:lnRef idx="0">
+        <a:scrgbClr r="0" g="0" b="0"/>
+      </a:lnRef>
+      <a:fillRef idx="1">
+        <a:scrgbClr r="0" g="0" b="0"/>
+      </a:fillRef>
+      <a:effectRef idx="0">
+        <a:scrgbClr r="0" g="0" b="0"/>
+      </a:effectRef>
+      <a:fontRef idx="minor"/>
+    </dgm:style>
+  </dgm:styleLbl>
+  <dgm:styleLbl name="trBgShp">
+    <dgm:scene3d>
+      <a:camera prst="orthographicFront"/>
+      <a:lightRig rig="threePt" dir="t"/>
+    </dgm:scene3d>
+    <dgm:sp3d/>
+    <dgm:txPr/>
+    <dgm:style>
+      <a:lnRef idx="0">
+        <a:scrgbClr r="0" g="0" b="0"/>
+      </a:lnRef>
+      <a:fillRef idx="1">
+        <a:scrgbClr r="0" g="0" b="0"/>
+      </a:fillRef>
+      <a:effectRef idx="0">
+        <a:scrgbClr r="0" g="0" b="0"/>
+      </a:effectRef>
+      <a:fontRef idx="minor"/>
+    </dgm:style>
+  </dgm:styleLbl>
+  <dgm:styleLbl name="fgShp">
+    <dgm:scene3d>
+      <a:camera prst="orthographicFront"/>
+      <a:lightRig rig="threePt" dir="t"/>
+    </dgm:scene3d>
+    <dgm:sp3d/>
+    <dgm:txPr/>
+    <dgm:style>
+      <a:lnRef idx="2">
+        <a:scrgbClr r="0" g="0" b="0"/>
+      </a:lnRef>
+      <a:fillRef idx="1">
+        <a:scrgbClr r="0" g="0" b="0"/>
+      </a:fillRef>
+      <a:effectRef idx="0">
+        <a:scrgbClr r="0" g="0" b="0"/>
+      </a:effectRef>
+      <a:fontRef idx="minor"/>
+    </dgm:style>
+  </dgm:styleLbl>
+  <dgm:styleLbl name="revTx">
+    <dgm:scene3d>
+      <a:camera prst="orthographicFront"/>
+      <a:lightRig rig="threePt" dir="t"/>
+    </dgm:scene3d>
+    <dgm:sp3d/>
+    <dgm:txPr/>
+    <dgm:style>
+      <a:lnRef idx="0">
+        <a:scrgbClr r="0" g="0" b="0"/>
+      </a:lnRef>
+      <a:fillRef idx="0">
+        <a:scrgbClr r="0" g="0" b="0"/>
+      </a:fillRef>
+      <a:effectRef idx="0">
+        <a:scrgbClr r="0" g="0" b="0"/>
+      </a:effectRef>
+      <a:fontRef idx="minor"/>
+    </dgm:style>
+  </dgm:styleLbl>
+</dgm:styleDef>
+</file>
+
+<file path=ppt/diagrams/quickStyle2.xml><?xml version="1.0" encoding="utf-8"?>
 <dgm:styleDef xmlns:dgm="http://schemas.openxmlformats.org/drawingml/2006/diagram" xmlns:a="http://schemas.openxmlformats.org/drawingml/2006/main" uniqueId="urn:microsoft.com/office/officeart/2005/8/quickstyle/simple1">
   <dgm:title val=""/>
   <dgm:desc val=""/>
@@ -4554,7 +7192,7 @@
           <a:p>
             <a:fld id="{7DE09EE5-A3A6-46CD-82C4-C5653BD8F5FF}" type="datetimeFigureOut">
               <a:rPr lang="en-AU" smtClean="0"/>
-              <a:t>4/11/2016</a:t>
+              <a:t>5/11/2016</a:t>
             </a:fld>
             <a:endParaRPr lang="en-AU"/>
           </a:p>
@@ -4874,6 +7512,10 @@
               <a:rPr lang="en-AU" baseline="0" dirty="0" smtClean="0"/>
               <a:t> advanced= increased mortalities due to additional comorbidities. Need to identify biomarkers and processes that contribute to metastatic progression. </a:t>
             </a:r>
+            <a:r>
+              <a:rPr lang="en-AU" baseline="0" dirty="0" smtClean="0"/>
+              <a:t> 25s</a:t>
+            </a:r>
             <a:endParaRPr lang="en-AU" dirty="0"/>
           </a:p>
         </p:txBody>
@@ -4972,11 +7614,7 @@
             </a:r>
             <a:r>
               <a:rPr lang="en-US" baseline="0" dirty="0" smtClean="0"/>
-              <a:t> are being selectively exported from this system, some of which are validated, that can be used to understand mechanism overall. Next we wanted to understand whether these microRNAs possess similarities to explain their export.  </a:t>
-            </a:r>
-            <a:r>
-              <a:rPr lang="en-US" baseline="0" dirty="0" smtClean="0"/>
-              <a:t>90s</a:t>
+              <a:t> are being selectively exported from this system, some of which are validated, that can be used to understand mechanism overall. Next we wanted to understand whether these microRNAs possess similarities to explain their export.  90s</a:t>
             </a:r>
             <a:endParaRPr lang="en-AU" dirty="0"/>
           </a:p>
@@ -5096,11 +7734,7 @@
             </a:r>
             <a:r>
               <a:rPr lang="en-US" baseline="0" dirty="0" smtClean="0"/>
-              <a:t> contained that motif. </a:t>
-            </a:r>
-            <a:r>
-              <a:rPr lang="en-US" baseline="0" dirty="0" smtClean="0"/>
-              <a:t>60s</a:t>
+              <a:t> contained that motif. 60s</a:t>
             </a:r>
             <a:endParaRPr lang="en-AU" dirty="0"/>
           </a:p>
@@ -5188,11 +7822,7 @@
           <a:p>
             <a:r>
               <a:rPr lang="en-US" dirty="0" smtClean="0"/>
-              <a:t>60s Next </a:t>
-            </a:r>
-            <a:r>
-              <a:rPr lang="en-US" dirty="0" smtClean="0"/>
-              <a:t>we</a:t>
+              <a:t>60s Next we</a:t>
             </a:r>
             <a:r>
               <a:rPr lang="en-US" baseline="0" dirty="0" smtClean="0"/>
@@ -5292,7 +7922,7 @@
           <a:p>
             <a:r>
               <a:rPr lang="en-AU" dirty="0" smtClean="0"/>
-              <a:t>45s. Interestingly,</a:t>
+              <a:t>60s. Interestingly,</a:t>
             </a:r>
             <a:r>
               <a:rPr lang="en-AU" baseline="0" dirty="0" smtClean="0"/>
@@ -5304,7 +7934,11 @@
             </a:r>
             <a:r>
               <a:rPr lang="en-AU" baseline="0" dirty="0" smtClean="0"/>
-              <a:t> is commonly found, including in our study, to associate with the EVs secreted from advanced cancer. This means </a:t>
+              <a:t> is commonly found </a:t>
+            </a:r>
+            <a:r>
+              <a:rPr lang="en-AU" baseline="0" dirty="0" smtClean="0"/>
+              <a:t>to exhibit ABNORMAL cytoplasmic localisation in advanced cancers where usually </a:t>
             </a:r>
             <a:r>
               <a:rPr lang="en-AU" baseline="0" dirty="0" err="1" smtClean="0"/>
@@ -5312,15 +7946,11 @@
             </a:r>
             <a:r>
               <a:rPr lang="en-AU" baseline="0" dirty="0" smtClean="0"/>
-              <a:t> should be found to localize to forming EVs, either to MVBs which form exosomes, or to the cellular periphery absorbed into </a:t>
-            </a:r>
-            <a:r>
-              <a:rPr lang="en-AU" baseline="0" dirty="0" err="1" smtClean="0"/>
-              <a:t>microvesicles</a:t>
+              <a:t> is a nuclear protein. For </a:t>
             </a:r>
             <a:r>
               <a:rPr lang="en-AU" baseline="0" dirty="0" smtClean="0"/>
-              <a:t>. For this reason we wanted to assess the localization of </a:t>
+              <a:t>this reason we wanted to assess the localization of </a:t>
             </a:r>
             <a:r>
               <a:rPr lang="en-AU" baseline="0" dirty="0" err="1" smtClean="0"/>
@@ -5448,11 +8078,23 @@
           <a:p>
             <a:r>
               <a:rPr lang="en-US" dirty="0" smtClean="0"/>
-              <a:t>Next, we</a:t>
+              <a:t>30s. Next</a:t>
+            </a:r>
+            <a:r>
+              <a:rPr lang="en-US" dirty="0" smtClean="0"/>
+              <a:t>, we</a:t>
             </a:r>
             <a:r>
               <a:rPr lang="en-US" baseline="0" dirty="0" smtClean="0"/>
-              <a:t> wanted to know and confirm that hnRNPK actually interacts with its predicated targets. We attempted to do this in two separate ways: by looking at in situ </a:t>
+              <a:t> wanted to know and confirm that hnRNPK actually interacts with its predicated targets. We attempted to do this </a:t>
+            </a:r>
+            <a:r>
+              <a:rPr lang="en-US" baseline="0" dirty="0" smtClean="0"/>
+              <a:t>by </a:t>
+            </a:r>
+            <a:r>
+              <a:rPr lang="en-US" baseline="0" dirty="0" smtClean="0"/>
+              <a:t>looking at in situ </a:t>
             </a:r>
             <a:r>
               <a:rPr lang="en-US" baseline="0" dirty="0" err="1" smtClean="0"/>
@@ -5460,15 +8102,23 @@
             </a:r>
             <a:r>
               <a:rPr lang="en-US" baseline="0" dirty="0" smtClean="0"/>
-              <a:t>, and binding interaction. So first we used a </a:t>
+              <a:t> using a modified method. This uses a fluorophore tagged hybridization probe that targets the microRNAs. In combination with </a:t>
             </a:r>
             <a:r>
               <a:rPr lang="en-US" baseline="0" dirty="0" err="1" smtClean="0"/>
-              <a:t>methology</a:t>
+              <a:t>immunofluorosence</a:t>
             </a:r>
             <a:r>
               <a:rPr lang="en-US" baseline="0" dirty="0" smtClean="0"/>
-              <a:t> similar in concept to FISH, but slightly modified.  </a:t>
+              <a:t> for </a:t>
+            </a:r>
+            <a:r>
+              <a:rPr lang="en-US" baseline="0" dirty="0" err="1" smtClean="0"/>
+              <a:t>hnRNPK</a:t>
+            </a:r>
+            <a:r>
+              <a:rPr lang="en-US" baseline="0" dirty="0" smtClean="0"/>
+              <a:t> we can determine if miRNA and protein interact. </a:t>
             </a:r>
             <a:endParaRPr lang="en-AU" dirty="0"/>
           </a:p>
@@ -5554,6 +8204,70 @@
           <a:bodyPr/>
           <a:lstStyle/>
           <a:p>
+            <a:r>
+              <a:rPr lang="en-AU" dirty="0" smtClean="0"/>
+              <a:t>60s. Here</a:t>
+            </a:r>
+            <a:r>
+              <a:rPr lang="en-AU" baseline="0" dirty="0" smtClean="0"/>
+              <a:t> we looked at the </a:t>
+            </a:r>
+            <a:r>
+              <a:rPr lang="en-AU" baseline="0" dirty="0" err="1" smtClean="0"/>
+              <a:t>colocalization</a:t>
+            </a:r>
+            <a:r>
+              <a:rPr lang="en-AU" baseline="0" dirty="0" smtClean="0"/>
+              <a:t> ability of </a:t>
+            </a:r>
+            <a:r>
+              <a:rPr lang="en-AU" baseline="0" dirty="0" err="1" smtClean="0"/>
+              <a:t>hnRNPK</a:t>
+            </a:r>
+            <a:r>
+              <a:rPr lang="en-AU" baseline="0" dirty="0" smtClean="0"/>
+              <a:t> and mir-148a. This microRNA was found to be abundantly exported in the PC3 cell line, reduced in the PC3 cavin-1 and predicted to bind to the </a:t>
+            </a:r>
+            <a:r>
+              <a:rPr lang="en-AU" baseline="0" dirty="0" err="1" smtClean="0"/>
+              <a:t>hnRNPK</a:t>
+            </a:r>
+            <a:r>
+              <a:rPr lang="en-AU" baseline="0" dirty="0" smtClean="0"/>
+              <a:t>. We found from our in situ data </a:t>
+            </a:r>
+            <a:r>
+              <a:rPr lang="en-AU" baseline="0" dirty="0" err="1" smtClean="0"/>
+              <a:t>hnRNPK</a:t>
+            </a:r>
+            <a:r>
+              <a:rPr lang="en-AU" baseline="0" dirty="0" smtClean="0"/>
+              <a:t> and miR-148a do indeed </a:t>
+            </a:r>
+            <a:r>
+              <a:rPr lang="en-AU" baseline="0" dirty="0" err="1" smtClean="0"/>
+              <a:t>colocalize</a:t>
+            </a:r>
+            <a:r>
+              <a:rPr lang="en-AU" baseline="0" dirty="0" smtClean="0"/>
+              <a:t> in the PC3 cells to puncta, which we assume to be forming exosomes or MVBs. This is consistent with the binding information, RNA-</a:t>
+            </a:r>
+            <a:r>
+              <a:rPr lang="en-AU" baseline="0" dirty="0" err="1" smtClean="0"/>
+              <a:t>seq</a:t>
+            </a:r>
+            <a:r>
+              <a:rPr lang="en-AU" baseline="0" dirty="0" smtClean="0"/>
+              <a:t> and MS data. In contrast, HNRNPK in the cavin-1 cells, while changing subcellular localization also no longer associate to their targets. This may indicate not only a change in localization but also a change in binding ability that could be mediating the export activity of </a:t>
+            </a:r>
+            <a:r>
+              <a:rPr lang="en-AU" baseline="0" dirty="0" err="1" smtClean="0"/>
+              <a:t>hnRNPK</a:t>
+            </a:r>
+            <a:r>
+              <a:rPr lang="en-AU" baseline="0" dirty="0" smtClean="0"/>
+              <a:t>. Yet how this occurring is yet to be determined. </a:t>
+            </a:r>
             <a:endParaRPr lang="en-AU" dirty="0"/>
           </a:p>
         </p:txBody>
@@ -5638,7 +8352,55 @@
           <a:bodyPr/>
           <a:lstStyle/>
           <a:p>
-            <a:endParaRPr lang="en-AU" dirty="0"/>
+            <a:r>
+              <a:rPr lang="en-AU" sz="900" dirty="0" smtClean="0"/>
+              <a:t>Next</a:t>
+            </a:r>
+            <a:r>
+              <a:rPr lang="en-AU" sz="900" baseline="0" dirty="0" smtClean="0"/>
+              <a:t> I wanted to observe the normal localization of microRNAs when not undergoing selective export and also whether </a:t>
+            </a:r>
+            <a:r>
+              <a:rPr lang="en-AU" sz="900" baseline="0" dirty="0" err="1" smtClean="0"/>
+              <a:t>hnRNPk</a:t>
+            </a:r>
+            <a:r>
+              <a:rPr lang="en-AU" sz="900" baseline="0" dirty="0" smtClean="0"/>
+              <a:t> </a:t>
+            </a:r>
+            <a:r>
+              <a:rPr lang="en-AU" sz="900" baseline="0" dirty="0" err="1" smtClean="0"/>
+              <a:t>colocalizes</a:t>
+            </a:r>
+            <a:r>
+              <a:rPr lang="en-AU" sz="900" baseline="0" dirty="0" smtClean="0"/>
+              <a:t> to them. As expected from the binding predictions, </a:t>
+            </a:r>
+            <a:r>
+              <a:rPr lang="en-AU" sz="900" baseline="0" dirty="0" err="1" smtClean="0"/>
+              <a:t>hnRNPK</a:t>
+            </a:r>
+            <a:r>
+              <a:rPr lang="en-AU" sz="900" baseline="0" dirty="0" smtClean="0"/>
+              <a:t> doesn’t </a:t>
+            </a:r>
+            <a:r>
+              <a:rPr lang="en-AU" sz="900" baseline="0" dirty="0" err="1" smtClean="0"/>
+              <a:t>colocalize</a:t>
+            </a:r>
+            <a:r>
+              <a:rPr lang="en-AU" sz="900" baseline="0" dirty="0" smtClean="0"/>
+              <a:t> to sampled microRNAs, and these sampled microRNAs don’t enrich in punctate structures. Hereby, </a:t>
+            </a:r>
+            <a:r>
+              <a:rPr lang="en-AU" sz="900" baseline="0" dirty="0" err="1" smtClean="0"/>
+              <a:t>hnRNPK</a:t>
+            </a:r>
+            <a:r>
+              <a:rPr lang="en-AU" sz="900" baseline="0" dirty="0" smtClean="0"/>
+              <a:t> is believed to only localize with selectively export microRNAs, however further studies are required with the other selectively exported microRNAs.  25s</a:t>
+            </a:r>
+            <a:endParaRPr lang="en-AU" sz="900" dirty="0"/>
           </a:p>
         </p:txBody>
       </p:sp>
@@ -5722,6 +8484,30 @@
           <a:bodyPr/>
           <a:lstStyle/>
           <a:p>
+            <a:r>
+              <a:rPr lang="en-AU" dirty="0" smtClean="0"/>
+              <a:t>25s. Ultimately, from this study, we identified</a:t>
+            </a:r>
+            <a:r>
+              <a:rPr lang="en-AU" baseline="0" dirty="0" smtClean="0"/>
+              <a:t> a viable export protein to mediate the microRNA content of EVs, and </a:t>
+            </a:r>
+            <a:r>
+              <a:rPr lang="en-AU" baseline="0" dirty="0" err="1" smtClean="0"/>
+              <a:t>idenfitied</a:t>
+            </a:r>
+            <a:r>
+              <a:rPr lang="en-AU" baseline="0" dirty="0" smtClean="0"/>
+              <a:t> some of its targets. Additionally, we found that the expression of tumour suppressor cavin-1 modulates its activity, though exactly how this is occurring is yet to be determined. Ultimately, this regulation is thought to mediate the export of oncogenic microRNAs by modulating export of </a:t>
+            </a:r>
+            <a:r>
+              <a:rPr lang="en-AU" baseline="0" dirty="0" err="1" smtClean="0"/>
+              <a:t>hnRNPK</a:t>
+            </a:r>
+            <a:r>
+              <a:rPr lang="en-AU" baseline="0" dirty="0" smtClean="0"/>
+              <a:t>. </a:t>
+            </a:r>
             <a:endParaRPr lang="en-AU" dirty="0"/>
           </a:p>
         </p:txBody>
@@ -5806,6 +8592,94 @@
           <a:bodyPr/>
           <a:lstStyle/>
           <a:p>
+            <a:r>
+              <a:rPr lang="en-AU" dirty="0" smtClean="0"/>
+              <a:t>90s</a:t>
+            </a:r>
+            <a:r>
+              <a:rPr lang="en-AU" baseline="0" dirty="0" smtClean="0"/>
+              <a:t>. </a:t>
+            </a:r>
+            <a:r>
+              <a:rPr lang="en-AU" dirty="0" smtClean="0"/>
+              <a:t>However,</a:t>
+            </a:r>
+            <a:r>
+              <a:rPr lang="en-AU" baseline="0" dirty="0" smtClean="0"/>
+              <a:t> there is still plenty that needs to completed. Ideally we need to confirm the interaction between </a:t>
+            </a:r>
+            <a:r>
+              <a:rPr lang="en-AU" baseline="0" dirty="0" err="1" smtClean="0"/>
+              <a:t>hnRNPK</a:t>
+            </a:r>
+            <a:r>
+              <a:rPr lang="en-AU" baseline="0" dirty="0" smtClean="0"/>
+              <a:t> and the selectively exported microRNAs. Throughout the year I optimised a pull-down assay to detect RNA targets of </a:t>
+            </a:r>
+            <a:r>
+              <a:rPr lang="en-AU" baseline="0" dirty="0" err="1" smtClean="0"/>
+              <a:t>hnRNPK</a:t>
+            </a:r>
+            <a:r>
+              <a:rPr lang="en-AU" baseline="0" dirty="0" smtClean="0"/>
+              <a:t>. Now completing this pull down will confirm that </a:t>
+            </a:r>
+            <a:r>
+              <a:rPr lang="en-AU" baseline="0" dirty="0" err="1" smtClean="0"/>
+              <a:t>hnRNPK</a:t>
+            </a:r>
+            <a:r>
+              <a:rPr lang="en-AU" baseline="0" dirty="0" smtClean="0"/>
+              <a:t> directly binds to miRNAs and verifies the motif discovery predictions. But more importantly, we’d like to figure out what it is about cavin-1 that mediates the activity of </a:t>
+            </a:r>
+            <a:r>
+              <a:rPr lang="en-AU" baseline="0" dirty="0" err="1" smtClean="0"/>
+              <a:t>hnRNPK</a:t>
+            </a:r>
+            <a:r>
+              <a:rPr lang="en-AU" baseline="0" dirty="0" smtClean="0"/>
+              <a:t>. We have hypothesis that may explain this, one of which involves post translational modifications. HNRNPK has 4 </a:t>
+            </a:r>
+            <a:r>
+              <a:rPr lang="en-AU" baseline="0" dirty="0" err="1" smtClean="0"/>
+              <a:t>RNAbinding</a:t>
+            </a:r>
+            <a:r>
+              <a:rPr lang="en-AU" baseline="0" dirty="0" smtClean="0"/>
+              <a:t> domains as shown here. In some disease states, one of these domain is </a:t>
+            </a:r>
+            <a:r>
+              <a:rPr lang="en-AU" baseline="0" dirty="0" err="1" smtClean="0"/>
+              <a:t>sumolyated</a:t>
+            </a:r>
+            <a:r>
+              <a:rPr lang="en-AU" baseline="0" dirty="0" smtClean="0"/>
+              <a:t> which results in localization changes and hinders its ability </a:t>
+            </a:r>
+            <a:r>
+              <a:rPr lang="en-AU" baseline="0" dirty="0" err="1" smtClean="0"/>
+              <a:t>tobind</a:t>
+            </a:r>
+            <a:r>
+              <a:rPr lang="en-AU" baseline="0" dirty="0" smtClean="0"/>
+              <a:t> to RNA targets. This may explain why </a:t>
+            </a:r>
+            <a:r>
+              <a:rPr lang="en-AU" baseline="0" dirty="0" err="1" smtClean="0"/>
+              <a:t>hnRNPK</a:t>
+            </a:r>
+            <a:r>
+              <a:rPr lang="en-AU" baseline="0" dirty="0" smtClean="0"/>
+              <a:t> in the cavin-1 PC3 cells changes localization and no longer </a:t>
+            </a:r>
+            <a:r>
+              <a:rPr lang="en-AU" baseline="0" dirty="0" err="1" smtClean="0"/>
+              <a:t>colocalizes</a:t>
+            </a:r>
+            <a:r>
+              <a:rPr lang="en-AU" baseline="0" dirty="0" smtClean="0"/>
+              <a:t> with its targets. However this needs to be investigated. Determining this will add to the current knowledge of extracellular vesicle cargo regulation, microRNA regulation and the underlying processes that mediate aggressiveness of advanced prostate cancers.      </a:t>
+            </a:r>
             <a:endParaRPr lang="en-AU" dirty="0"/>
           </a:p>
         </p:txBody>
@@ -6022,6 +8896,18 @@
               </a:rPr>
               <a:t> or addition of cavin-1 was found to reduce this phenotype in prostate cancer cells. </a:t>
             </a:r>
+            <a:r>
+              <a:rPr lang="en-AU" sz="1200" kern="1200" baseline="0" dirty="0" smtClean="0">
+                <a:solidFill>
+                  <a:schemeClr val="tx1"/>
+                </a:solidFill>
+                <a:effectLst/>
+                <a:latin typeface="+mn-lt"/>
+                <a:ea typeface="+mn-ea"/>
+                <a:cs typeface="+mn-cs"/>
+              </a:rPr>
+              <a:t>60s</a:t>
+            </a:r>
             <a:endParaRPr lang="en-AU" dirty="0"/>
           </a:p>
         </p:txBody>
@@ -6178,6 +9064,90 @@
 </p:notes>
 </file>
 
+<file path=ppt/notesSlides/notesSlide21.xml><?xml version="1.0" encoding="utf-8"?>
+<p:notes xmlns:a="http://schemas.openxmlformats.org/drawingml/2006/main" xmlns:r="http://schemas.openxmlformats.org/officeDocument/2006/relationships" xmlns:p="http://schemas.openxmlformats.org/presentationml/2006/main">
+  <p:cSld>
+    <p:spTree>
+      <p:nvGrpSpPr>
+        <p:cNvPr id="1" name=""/>
+        <p:cNvGrpSpPr/>
+        <p:nvPr/>
+      </p:nvGrpSpPr>
+      <p:grpSpPr>
+        <a:xfrm>
+          <a:off x="0" y="0"/>
+          <a:ext cx="0" cy="0"/>
+          <a:chOff x="0" y="0"/>
+          <a:chExt cx="0" cy="0"/>
+        </a:xfrm>
+      </p:grpSpPr>
+      <p:sp>
+        <p:nvSpPr>
+          <p:cNvPr id="2" name="Slide Image Placeholder 1"/>
+          <p:cNvSpPr>
+            <a:spLocks noGrp="1" noRot="1" noChangeAspect="1"/>
+          </p:cNvSpPr>
+          <p:nvPr>
+            <p:ph type="sldImg"/>
+          </p:nvPr>
+        </p:nvSpPr>
+        <p:spPr/>
+      </p:sp>
+      <p:sp>
+        <p:nvSpPr>
+          <p:cNvPr id="3" name="Notes Placeholder 2"/>
+          <p:cNvSpPr>
+            <a:spLocks noGrp="1"/>
+          </p:cNvSpPr>
+          <p:nvPr>
+            <p:ph type="body" idx="1"/>
+          </p:nvPr>
+        </p:nvSpPr>
+        <p:spPr/>
+        <p:txBody>
+          <a:bodyPr/>
+          <a:lstStyle/>
+          <a:p>
+            <a:endParaRPr lang="en-AU" dirty="0"/>
+          </a:p>
+        </p:txBody>
+      </p:sp>
+      <p:sp>
+        <p:nvSpPr>
+          <p:cNvPr id="4" name="Slide Number Placeholder 3"/>
+          <p:cNvSpPr>
+            <a:spLocks noGrp="1"/>
+          </p:cNvSpPr>
+          <p:nvPr>
+            <p:ph type="sldNum" sz="quarter" idx="10"/>
+          </p:nvPr>
+        </p:nvSpPr>
+        <p:spPr/>
+        <p:txBody>
+          <a:bodyPr/>
+          <a:lstStyle/>
+          <a:p>
+            <a:fld id="{3879C5DC-A60F-40B4-9CE1-5FE03EE7A3A5}" type="slidenum">
+              <a:rPr lang="en-AU" smtClean="0"/>
+              <a:t>24</a:t>
+            </a:fld>
+            <a:endParaRPr lang="en-AU"/>
+          </a:p>
+        </p:txBody>
+      </p:sp>
+    </p:spTree>
+    <p:extLst>
+      <p:ext uri="{BB962C8B-B14F-4D97-AF65-F5344CB8AC3E}">
+        <p14:creationId xmlns:p14="http://schemas.microsoft.com/office/powerpoint/2010/main" val="3192105166"/>
+      </p:ext>
+    </p:extLst>
+  </p:cSld>
+  <p:clrMapOvr>
+    <a:masterClrMapping/>
+  </p:clrMapOvr>
+</p:notes>
+</file>
+
 <file path=ppt/notesSlides/notesSlide3.xml><?xml version="1.0" encoding="utf-8"?>
 <p:notes xmlns:a="http://schemas.openxmlformats.org/drawingml/2006/main" xmlns:r="http://schemas.openxmlformats.org/officeDocument/2006/relationships" xmlns:p="http://schemas.openxmlformats.org/presentationml/2006/main">
   <p:cSld>
@@ -6224,7 +9194,11 @@
           <a:p>
             <a:r>
               <a:rPr lang="en-AU" baseline="0" dirty="0" smtClean="0"/>
-              <a:t>One novel mechanism revealed in recent years is the role of extracellular vesicles in cancer progression. </a:t>
+              <a:t>45s. One </a:t>
+            </a:r>
+            <a:r>
+              <a:rPr lang="en-AU" baseline="0" dirty="0" smtClean="0"/>
+              <a:t>novel mechanism revealed in recent years is the role of extracellular vesicles in cancer progression. </a:t>
             </a:r>
           </a:p>
         </p:txBody>
@@ -6311,11 +9285,15 @@
           <a:p>
             <a:r>
               <a:rPr lang="en-US" dirty="0" smtClean="0"/>
-              <a:t>While</a:t>
+              <a:t>60s. While</a:t>
             </a:r>
             <a:r>
               <a:rPr lang="en-US" baseline="0" dirty="0" smtClean="0"/>
-              <a:t> protein content of </a:t>
+              <a:t> </a:t>
+            </a:r>
+            <a:r>
+              <a:rPr lang="en-US" baseline="0" dirty="0" smtClean="0"/>
+              <a:t>protein content of </a:t>
             </a:r>
             <a:r>
               <a:rPr lang="en-US" baseline="0" dirty="0" err="1" smtClean="0"/>
@@ -6331,15 +9309,23 @@
             </a:r>
             <a:r>
               <a:rPr lang="en-US" baseline="0" dirty="0" smtClean="0"/>
-              <a:t> due to random uptake, or sampling. This occurs as the microRNAs are engulfed within the forming EV due to diffusion or Brownian motion. Because of this, modifications of the cellular concentration results in a proportional change in the </a:t>
-            </a:r>
-            <a:r>
-              <a:rPr lang="en-US" baseline="0" dirty="0" err="1" smtClean="0"/>
-              <a:t>Evs</a:t>
+              <a:t> due to random uptake, or </a:t>
             </a:r>
             <a:r>
               <a:rPr lang="en-US" baseline="0" dirty="0" smtClean="0"/>
-              <a:t> as shown by miR-125a in our study. In contrast, recent studies had found that some microRNAs don’t display this activity. Rather, these microRNAs can change EV concentration disproportionally to the cellular concentration, as observed by miR-148a. This is believed to occur due to the regulation of EXPORT PROTEINS, where the EVs can become enriched in specific </a:t>
+              <a:t>sampling which where the forming EVs engulfs surrounding microRNAs. Because </a:t>
+            </a:r>
+            <a:r>
+              <a:rPr lang="en-US" baseline="0" dirty="0" smtClean="0"/>
+              <a:t>of this, </a:t>
+            </a:r>
+            <a:r>
+              <a:rPr lang="en-US" baseline="0" dirty="0" smtClean="0"/>
+              <a:t>EV content would be proportionate to the cellular concentration of these microRNAs, as </a:t>
+            </a:r>
+            <a:r>
+              <a:rPr lang="en-US" baseline="0" dirty="0" smtClean="0"/>
+              <a:t>shown by miR-125a in our study. In contrast, recent studies had found that some microRNAs don’t display this activity. Rather, these microRNAs can change EV concentration disproportionally to the cellular concentration, as observed by miR-148a. This is believed to occur due to the regulation of EXPORT PROTEINS, where the EVs can become enriched in specific </a:t>
             </a:r>
             <a:r>
               <a:rPr lang="en-US" baseline="0" dirty="0" err="1" smtClean="0"/>
@@ -6347,7 +9333,15 @@
             </a:r>
             <a:r>
               <a:rPr lang="en-US" baseline="0" dirty="0" smtClean="0"/>
-              <a:t> species. Prevention of this export will then modify the content. However what this export mechanism is and how it works is unknown.  </a:t>
+              <a:t> species. Prevention of this export will then modify the </a:t>
+            </a:r>
+            <a:r>
+              <a:rPr lang="en-US" baseline="0" dirty="0" smtClean="0"/>
+              <a:t>EV cargo and affect the biological action induced by the EVs. </a:t>
+            </a:r>
+            <a:r>
+              <a:rPr lang="en-US" baseline="0" dirty="0" smtClean="0"/>
+              <a:t>However what this export mechanism is and how it works is unknown.  </a:t>
             </a:r>
             <a:endParaRPr lang="en-AU" dirty="0"/>
           </a:p>
@@ -6433,6 +9427,10 @@
           <a:bodyPr/>
           <a:lstStyle/>
           <a:p>
+            <a:r>
+              <a:rPr lang="en-AU" dirty="0" smtClean="0"/>
+              <a:t>45s</a:t>
+            </a:r>
             <a:endParaRPr lang="en-AU" dirty="0"/>
           </a:p>
         </p:txBody>
@@ -6517,6 +9515,10 @@
           <a:bodyPr/>
           <a:lstStyle/>
           <a:p>
+            <a:r>
+              <a:rPr lang="en-AU" dirty="0" smtClean="0"/>
+              <a:t>40s</a:t>
+            </a:r>
             <a:endParaRPr lang="en-AU" dirty="0"/>
           </a:p>
         </p:txBody>
@@ -6601,6 +9603,10 @@
           <a:bodyPr/>
           <a:lstStyle/>
           <a:p>
+            <a:r>
+              <a:rPr lang="en-AU" dirty="0" smtClean="0"/>
+              <a:t>40s</a:t>
+            </a:r>
             <a:endParaRPr lang="en-AU" dirty="0"/>
           </a:p>
         </p:txBody>
@@ -6685,6 +9691,10 @@
           <a:bodyPr/>
           <a:lstStyle/>
           <a:p>
+            <a:r>
+              <a:rPr lang="en-AU" dirty="0" smtClean="0"/>
+              <a:t>45s</a:t>
+            </a:r>
             <a:endParaRPr lang="en-AU" dirty="0"/>
           </a:p>
         </p:txBody>
@@ -6996,7 +10006,7 @@
           <a:p>
             <a:fld id="{1644BD7C-F7E4-4602-B4BA-7731E171C526}" type="datetimeFigureOut">
               <a:rPr lang="en-AU" smtClean="0"/>
-              <a:t>4/11/2016</a:t>
+              <a:t>5/11/2016</a:t>
             </a:fld>
             <a:endParaRPr lang="en-AU"/>
           </a:p>
@@ -7276,7 +10286,7 @@
           <a:p>
             <a:fld id="{1644BD7C-F7E4-4602-B4BA-7731E171C526}" type="datetimeFigureOut">
               <a:rPr lang="en-AU" smtClean="0"/>
-              <a:t>4/11/2016</a:t>
+              <a:t>5/11/2016</a:t>
             </a:fld>
             <a:endParaRPr lang="en-AU"/>
           </a:p>
@@ -7470,7 +10480,7 @@
           <a:p>
             <a:fld id="{1644BD7C-F7E4-4602-B4BA-7731E171C526}" type="datetimeFigureOut">
               <a:rPr lang="en-AU" smtClean="0"/>
-              <a:t>4/11/2016</a:t>
+              <a:t>5/11/2016</a:t>
             </a:fld>
             <a:endParaRPr lang="en-AU"/>
           </a:p>
@@ -7738,7 +10748,7 @@
           <a:p>
             <a:fld id="{1644BD7C-F7E4-4602-B4BA-7731E171C526}" type="datetimeFigureOut">
               <a:rPr lang="en-AU" smtClean="0"/>
-              <a:t>4/11/2016</a:t>
+              <a:t>5/11/2016</a:t>
             </a:fld>
             <a:endParaRPr lang="en-AU"/>
           </a:p>
@@ -8070,7 +11080,7 @@
           <a:p>
             <a:fld id="{1644BD7C-F7E4-4602-B4BA-7731E171C526}" type="datetimeFigureOut">
               <a:rPr lang="en-AU" smtClean="0"/>
-              <a:t>4/11/2016</a:t>
+              <a:t>5/11/2016</a:t>
             </a:fld>
             <a:endParaRPr lang="en-AU"/>
           </a:p>
@@ -8680,7 +11690,7 @@
           <a:p>
             <a:fld id="{1644BD7C-F7E4-4602-B4BA-7731E171C526}" type="datetimeFigureOut">
               <a:rPr lang="en-AU" smtClean="0"/>
-              <a:t>4/11/2016</a:t>
+              <a:t>5/11/2016</a:t>
             </a:fld>
             <a:endParaRPr lang="en-AU"/>
           </a:p>
@@ -9527,7 +12537,7 @@
           <a:p>
             <a:fld id="{1644BD7C-F7E4-4602-B4BA-7731E171C526}" type="datetimeFigureOut">
               <a:rPr lang="en-AU" smtClean="0"/>
-              <a:t>4/11/2016</a:t>
+              <a:t>5/11/2016</a:t>
             </a:fld>
             <a:endParaRPr lang="en-AU"/>
           </a:p>
@@ -9697,7 +12707,7 @@
           <a:p>
             <a:fld id="{1644BD7C-F7E4-4602-B4BA-7731E171C526}" type="datetimeFigureOut">
               <a:rPr lang="en-AU" smtClean="0"/>
-              <a:t>4/11/2016</a:t>
+              <a:t>5/11/2016</a:t>
             </a:fld>
             <a:endParaRPr lang="en-AU"/>
           </a:p>
@@ -9877,7 +12887,7 @@
           <a:p>
             <a:fld id="{1644BD7C-F7E4-4602-B4BA-7731E171C526}" type="datetimeFigureOut">
               <a:rPr lang="en-AU" smtClean="0"/>
-              <a:t>4/11/2016</a:t>
+              <a:t>5/11/2016</a:t>
             </a:fld>
             <a:endParaRPr lang="en-AU"/>
           </a:p>
@@ -10052,7 +13062,7 @@
           <a:p>
             <a:fld id="{1644BD7C-F7E4-4602-B4BA-7731E171C526}" type="datetimeFigureOut">
               <a:rPr lang="en-AU" smtClean="0"/>
-              <a:t>4/11/2016</a:t>
+              <a:t>5/11/2016</a:t>
             </a:fld>
             <a:endParaRPr lang="en-AU"/>
           </a:p>
@@ -10296,7 +13306,7 @@
           <a:p>
             <a:fld id="{1644BD7C-F7E4-4602-B4BA-7731E171C526}" type="datetimeFigureOut">
               <a:rPr lang="en-AU" smtClean="0"/>
-              <a:t>4/11/2016</a:t>
+              <a:t>5/11/2016</a:t>
             </a:fld>
             <a:endParaRPr lang="en-AU"/>
           </a:p>
@@ -10593,7 +13603,7 @@
           <a:p>
             <a:fld id="{1644BD7C-F7E4-4602-B4BA-7731E171C526}" type="datetimeFigureOut">
               <a:rPr lang="en-AU" smtClean="0"/>
-              <a:t>4/11/2016</a:t>
+              <a:t>5/11/2016</a:t>
             </a:fld>
             <a:endParaRPr lang="en-AU"/>
           </a:p>
@@ -11036,7 +14046,7 @@
           <a:p>
             <a:fld id="{1644BD7C-F7E4-4602-B4BA-7731E171C526}" type="datetimeFigureOut">
               <a:rPr lang="en-AU" smtClean="0"/>
-              <a:t>4/11/2016</a:t>
+              <a:t>5/11/2016</a:t>
             </a:fld>
             <a:endParaRPr lang="en-AU"/>
           </a:p>
@@ -11159,7 +14169,7 @@
           <a:p>
             <a:fld id="{1644BD7C-F7E4-4602-B4BA-7731E171C526}" type="datetimeFigureOut">
               <a:rPr lang="en-AU" smtClean="0"/>
-              <a:t>4/11/2016</a:t>
+              <a:t>5/11/2016</a:t>
             </a:fld>
             <a:endParaRPr lang="en-AU"/>
           </a:p>
@@ -11254,7 +14264,7 @@
           <a:p>
             <a:fld id="{1644BD7C-F7E4-4602-B4BA-7731E171C526}" type="datetimeFigureOut">
               <a:rPr lang="en-AU" smtClean="0"/>
-              <a:t>4/11/2016</a:t>
+              <a:t>5/11/2016</a:t>
             </a:fld>
             <a:endParaRPr lang="en-AU"/>
           </a:p>
@@ -11538,7 +14548,7 @@
           <a:p>
             <a:fld id="{1644BD7C-F7E4-4602-B4BA-7731E171C526}" type="datetimeFigureOut">
               <a:rPr lang="en-AU" smtClean="0"/>
-              <a:t>4/11/2016</a:t>
+              <a:t>5/11/2016</a:t>
             </a:fld>
             <a:endParaRPr lang="en-AU"/>
           </a:p>
@@ -11818,7 +14828,7 @@
           <a:p>
             <a:fld id="{1644BD7C-F7E4-4602-B4BA-7731E171C526}" type="datetimeFigureOut">
               <a:rPr lang="en-AU" smtClean="0"/>
-              <a:t>4/11/2016</a:t>
+              <a:t>5/11/2016</a:t>
             </a:fld>
             <a:endParaRPr lang="en-AU"/>
           </a:p>
@@ -12247,7 +15257,7 @@
           <a:p>
             <a:fld id="{1644BD7C-F7E4-4602-B4BA-7731E171C526}" type="datetimeFigureOut">
               <a:rPr lang="en-AU" smtClean="0"/>
-              <a:t>4/11/2016</a:t>
+              <a:t>5/11/2016</a:t>
             </a:fld>
             <a:endParaRPr lang="en-AU"/>
           </a:p>
@@ -13050,6 +16060,52 @@
           </a:prstGeom>
         </p:spPr>
       </p:pic>
+      <p:sp>
+        <p:nvSpPr>
+          <p:cNvPr id="2" name="Oval 1"/>
+          <p:cNvSpPr/>
+          <p:nvPr/>
+        </p:nvSpPr>
+        <p:spPr>
+          <a:xfrm>
+            <a:off x="772807" y="4039737"/>
+            <a:ext cx="1219766" cy="1318766"/>
+          </a:xfrm>
+          <a:prstGeom prst="ellipse">
+            <a:avLst/>
+          </a:prstGeom>
+          <a:noFill/>
+          <a:ln w="38100">
+            <a:solidFill>
+              <a:srgbClr val="FF0000"/>
+            </a:solidFill>
+          </a:ln>
+        </p:spPr>
+        <p:style>
+          <a:lnRef idx="2">
+            <a:schemeClr val="accent1">
+              <a:shade val="50000"/>
+            </a:schemeClr>
+          </a:lnRef>
+          <a:fillRef idx="1">
+            <a:schemeClr val="accent1"/>
+          </a:fillRef>
+          <a:effectRef idx="0">
+            <a:schemeClr val="accent1"/>
+          </a:effectRef>
+          <a:fontRef idx="minor">
+            <a:schemeClr val="lt1"/>
+          </a:fontRef>
+        </p:style>
+        <p:txBody>
+          <a:bodyPr rtlCol="0" anchor="ctr"/>
+          <a:lstStyle/>
+          <a:p>
+            <a:pPr algn="ctr"/>
+            <a:endParaRPr lang="en-AU"/>
+          </a:p>
+        </p:txBody>
+      </p:sp>
     </p:spTree>
     <p:extLst>
       <p:ext uri="{BB962C8B-B14F-4D97-AF65-F5344CB8AC3E}">
@@ -13713,7 +16769,23 @@
             <a:pPr algn="r"/>
             <a:r>
               <a:rPr lang="en-AU" dirty="0" smtClean="0"/>
-              <a:t>(REFFFFF)</a:t>
+              <a:t>(Huang </a:t>
+            </a:r>
+            <a:r>
+              <a:rPr lang="en-AU" i="1" dirty="0" smtClean="0"/>
+              <a:t>et al </a:t>
+            </a:r>
+            <a:r>
+              <a:rPr lang="en-AU" dirty="0" smtClean="0"/>
+              <a:t>2014, </a:t>
+            </a:r>
+            <a:r>
+              <a:rPr lang="en-AU" dirty="0" err="1" smtClean="0"/>
+              <a:t>Pola</a:t>
+            </a:r>
+            <a:r>
+              <a:rPr lang="en-AU" dirty="0" smtClean="0"/>
+              <a:t> 2013, )</a:t>
             </a:r>
             <a:endParaRPr lang="en-AU" dirty="0"/>
           </a:p>
@@ -13762,6 +16834,44 @@
           <a:p>
             <a:pPr algn="ctr"/>
             <a:endParaRPr lang="en-AU"/>
+          </a:p>
+        </p:txBody>
+      </p:sp>
+      <p:sp>
+        <p:nvSpPr>
+          <p:cNvPr id="6" name="TextBox 5"/>
+          <p:cNvSpPr txBox="1"/>
+          <p:nvPr/>
+        </p:nvSpPr>
+        <p:spPr>
+          <a:xfrm>
+            <a:off x="3903744" y="4604084"/>
+            <a:ext cx="271228" cy="338554"/>
+          </a:xfrm>
+          <a:prstGeom prst="rect">
+            <a:avLst/>
+          </a:prstGeom>
+          <a:noFill/>
+        </p:spPr>
+        <p:txBody>
+          <a:bodyPr wrap="none" rtlCol="0">
+            <a:spAutoFit/>
+          </a:bodyPr>
+          <a:lstStyle/>
+          <a:p>
+            <a:r>
+              <a:rPr lang="en-AU" sz="1600" dirty="0" smtClean="0">
+                <a:solidFill>
+                  <a:schemeClr val="bg1"/>
+                </a:solidFill>
+              </a:rPr>
+              <a:t>*</a:t>
+            </a:r>
+            <a:endParaRPr lang="en-AU" sz="1600" dirty="0">
+              <a:solidFill>
+                <a:schemeClr val="bg1"/>
+              </a:solidFill>
+            </a:endParaRPr>
           </a:p>
         </p:txBody>
       </p:sp>
@@ -13909,8 +17019,8 @@
         </p:nvSpPr>
         <p:spPr>
           <a:xfrm>
-            <a:off x="7641459" y="2888133"/>
-            <a:ext cx="4991187" cy="1323439"/>
+            <a:off x="7715134" y="3226601"/>
+            <a:ext cx="4991187" cy="2246769"/>
           </a:xfrm>
           <a:prstGeom prst="rect">
             <a:avLst/>
@@ -13935,6 +17045,22 @@
             <a:r>
               <a:rPr lang="en-US" sz="2000" dirty="0" smtClean="0"/>
               <a:t>No matches to sampled miRNAs. </a:t>
+            </a:r>
+            <a:endParaRPr lang="en-US" sz="2000" dirty="0" smtClean="0"/>
+          </a:p>
+          <a:p>
+            <a:endParaRPr lang="en-US" sz="2000" dirty="0"/>
+          </a:p>
+          <a:p>
+            <a:r>
+              <a:rPr lang="en-US" sz="2000" dirty="0" smtClean="0"/>
+              <a:t>Only prediction: experimental </a:t>
+            </a:r>
+          </a:p>
+          <a:p>
+            <a:r>
+              <a:rPr lang="en-US" sz="2000" dirty="0" smtClean="0"/>
+              <a:t>validation required. </a:t>
             </a:r>
             <a:endParaRPr lang="en-AU" sz="2000" dirty="0"/>
           </a:p>
@@ -13986,8 +17112,8 @@
         </p:nvSpPr>
         <p:spPr>
           <a:xfrm>
-            <a:off x="432723" y="1390840"/>
-            <a:ext cx="10607391" cy="400110"/>
+            <a:off x="7473462" y="1497865"/>
+            <a:ext cx="4410929" cy="1015663"/>
           </a:xfrm>
           <a:prstGeom prst="rect">
             <a:avLst/>
@@ -13995,14 +17121,26 @@
           <a:noFill/>
         </p:spPr>
         <p:txBody>
-          <a:bodyPr wrap="none" rtlCol="0">
+          <a:bodyPr wrap="square" rtlCol="0">
             <a:spAutoFit/>
           </a:bodyPr>
           <a:lstStyle/>
           <a:p>
             <a:r>
               <a:rPr lang="en-AU" sz="2000" dirty="0" smtClean="0"/>
-              <a:t>Exported microRNAs share sub-sequences that RNA-binding export proteins bind to. </a:t>
+              <a:t>Assumption: Exported </a:t>
+            </a:r>
+            <a:r>
+              <a:rPr lang="en-AU" sz="2000" dirty="0" smtClean="0"/>
+              <a:t>microRNAs share sub-sequences that RNA-binding export </a:t>
+            </a:r>
+            <a:r>
+              <a:rPr lang="en-AU" sz="2000" dirty="0" smtClean="0"/>
+              <a:t>proteins </a:t>
+            </a:r>
+            <a:r>
+              <a:rPr lang="en-AU" sz="2000" dirty="0" smtClean="0"/>
+              <a:t>bind to. </a:t>
             </a:r>
             <a:endParaRPr lang="en-AU" sz="2000" dirty="0"/>
           </a:p>
@@ -14024,8 +17162,8 @@
         </p:blipFill>
         <p:spPr>
           <a:xfrm>
-            <a:off x="824280" y="1946342"/>
-            <a:ext cx="6649182" cy="4530460"/>
+            <a:off x="213651" y="1352684"/>
+            <a:ext cx="7259811" cy="4946516"/>
           </a:xfrm>
           <a:prstGeom prst="rect">
             <a:avLst/>
@@ -14040,7 +17178,7 @@
         </p:nvCxnSpPr>
         <p:spPr>
           <a:xfrm>
-            <a:off x="1266092" y="2225212"/>
+            <a:off x="640862" y="1676182"/>
             <a:ext cx="738554" cy="0"/>
           </a:xfrm>
           <a:prstGeom prst="line">
@@ -14208,7 +17346,15 @@
             </a:pPr>
             <a:r>
               <a:rPr lang="en-US" dirty="0" smtClean="0"/>
-              <a:t>MS/MS compared proteomic content of EVs from PC3 and PC3-cavin-1 cells. 				</a:t>
+              <a:t>Mass spectrometry </a:t>
+            </a:r>
+            <a:r>
+              <a:rPr lang="en-US" dirty="0" smtClean="0"/>
+              <a:t>compared </a:t>
+            </a:r>
+            <a:r>
+              <a:rPr lang="en-US" dirty="0" smtClean="0"/>
+              <a:t>proteomic content of EVs from PC3 and PC3-cavin-1 cells. 				</a:t>
             </a:r>
             <a:r>
               <a:rPr lang="en-US" sz="1200" dirty="0" smtClean="0"/>
@@ -14220,7 +17366,19 @@
             </a:r>
             <a:r>
               <a:rPr lang="en-US" sz="1200" dirty="0" smtClean="0"/>
-              <a:t> 2012)</a:t>
+              <a:t> </a:t>
+            </a:r>
+            <a:r>
+              <a:rPr lang="en-US" sz="1200" i="1" dirty="0" smtClean="0"/>
+              <a:t>et al </a:t>
+            </a:r>
+            <a:r>
+              <a:rPr lang="en-US" sz="1200" dirty="0" smtClean="0"/>
+              <a:t>2012</a:t>
+            </a:r>
+            <a:r>
+              <a:rPr lang="en-US" sz="1200" dirty="0" smtClean="0"/>
+              <a:t>)</a:t>
             </a:r>
           </a:p>
           <a:p>
@@ -14237,7 +17395,6 @@
               <a:rPr lang="en-US" dirty="0" smtClean="0"/>
               <a:t>Gene Ontology analysis for RNA binding. </a:t>
             </a:r>
-            <a:endParaRPr lang="en-US" dirty="0" smtClean="0"/>
           </a:p>
           <a:p>
             <a:pPr marL="0" lvl="1" indent="0">
@@ -14304,6 +17461,74 @@
           </a:extLst>
         </p:spPr>
       </p:pic>
+      <p:sp>
+        <p:nvSpPr>
+          <p:cNvPr id="5" name="TextBox 4"/>
+          <p:cNvSpPr txBox="1"/>
+          <p:nvPr/>
+        </p:nvSpPr>
+        <p:spPr>
+          <a:xfrm>
+            <a:off x="8686800" y="5511973"/>
+            <a:ext cx="2331719" cy="400110"/>
+          </a:xfrm>
+          <a:prstGeom prst="rect">
+            <a:avLst/>
+          </a:prstGeom>
+          <a:noFill/>
+        </p:spPr>
+        <p:txBody>
+          <a:bodyPr wrap="square" rtlCol="0">
+            <a:spAutoFit/>
+          </a:bodyPr>
+          <a:lstStyle/>
+          <a:p>
+            <a:r>
+              <a:rPr lang="en-AU" sz="2000" b="1" dirty="0" smtClean="0"/>
+              <a:t>Candidates</a:t>
+            </a:r>
+            <a:endParaRPr lang="en-AU" b="1" dirty="0"/>
+          </a:p>
+        </p:txBody>
+      </p:sp>
+      <p:cxnSp>
+        <p:nvCxnSpPr>
+          <p:cNvPr id="7" name="Straight Arrow Connector 6"/>
+          <p:cNvCxnSpPr>
+            <a:stCxn id="5" idx="0"/>
+          </p:cNvCxnSpPr>
+          <p:nvPr/>
+        </p:nvCxnSpPr>
+        <p:spPr>
+          <a:xfrm flipH="1" flipV="1">
+            <a:off x="9652000" y="4673600"/>
+            <a:ext cx="200660" cy="838373"/>
+          </a:xfrm>
+          <a:prstGeom prst="straightConnector1">
+            <a:avLst/>
+          </a:prstGeom>
+          <a:ln w="57150">
+            <a:solidFill>
+              <a:srgbClr val="FF0000"/>
+            </a:solidFill>
+            <a:tailEnd type="triangle"/>
+          </a:ln>
+        </p:spPr>
+        <p:style>
+          <a:lnRef idx="1">
+            <a:schemeClr val="accent1"/>
+          </a:lnRef>
+          <a:fillRef idx="0">
+            <a:schemeClr val="accent1"/>
+          </a:fillRef>
+          <a:effectRef idx="0">
+            <a:schemeClr val="accent1"/>
+          </a:effectRef>
+          <a:fontRef idx="minor">
+            <a:schemeClr val="tx1"/>
+          </a:fontRef>
+        </p:style>
+      </p:cxnSp>
     </p:spTree>
     <p:extLst>
       <p:ext uri="{BB962C8B-B14F-4D97-AF65-F5344CB8AC3E}">
@@ -14443,11 +17668,7 @@
           <a:p>
             <a:r>
               <a:rPr lang="en-AU" dirty="0" smtClean="0"/>
-              <a:t>CD9: MVB </a:t>
-            </a:r>
-            <a:r>
-              <a:rPr lang="en-AU" dirty="0" smtClean="0"/>
-              <a:t>and exosome marker </a:t>
+              <a:t>CD9: MVB and exosome marker </a:t>
             </a:r>
             <a:endParaRPr lang="en-AU" dirty="0"/>
           </a:p>
@@ -14691,11 +17912,7 @@
           <a:p>
             <a:r>
               <a:rPr lang="en-US" dirty="0" smtClean="0"/>
-              <a:t>ERp44: endoplasmic </a:t>
-            </a:r>
-            <a:r>
-              <a:rPr lang="en-US" dirty="0" smtClean="0"/>
-              <a:t>reticulum marker</a:t>
+              <a:t>ERp44: endoplasmic reticulum marker</a:t>
             </a:r>
             <a:endParaRPr lang="en-AU" dirty="0"/>
           </a:p>
@@ -14831,8 +18048,8 @@
         </p:nvSpPr>
         <p:spPr>
           <a:xfrm>
-            <a:off x="1155151" y="1579268"/>
-            <a:ext cx="8005718" cy="400110"/>
+            <a:off x="842403" y="1559195"/>
+            <a:ext cx="10663497" cy="584775"/>
           </a:xfrm>
           <a:prstGeom prst="rect">
             <a:avLst/>
@@ -14855,9 +18072,39 @@
             </a:r>
             <a:r>
               <a:rPr lang="en-AU" sz="2000" dirty="0" smtClean="0"/>
-              <a:t> commonly found in EVs from advanced cancer types. </a:t>
-            </a:r>
-            <a:endParaRPr lang="en-AU" sz="2000" dirty="0"/>
+              <a:t> commonly </a:t>
+            </a:r>
+            <a:r>
+              <a:rPr lang="en-AU" sz="2000" dirty="0" smtClean="0"/>
+              <a:t>overexpressed in cancers with aberrant cytoplasmic localization</a:t>
+            </a:r>
+          </a:p>
+          <a:p>
+            <a:r>
+              <a:rPr lang="en-AU" sz="1200" dirty="0"/>
+              <a:t>	</a:t>
+            </a:r>
+            <a:r>
+              <a:rPr lang="en-AU" sz="1200" dirty="0" smtClean="0"/>
+              <a:t>					(</a:t>
+            </a:r>
+            <a:r>
+              <a:rPr lang="en-AU" sz="1200" dirty="0" err="1" smtClean="0"/>
+              <a:t>Welton</a:t>
+            </a:r>
+            <a:r>
+              <a:rPr lang="en-AU" sz="1200" dirty="0" smtClean="0"/>
+              <a:t> 2010, Ji 2013, </a:t>
+            </a:r>
+            <a:r>
+              <a:rPr lang="en-AU" sz="1200" dirty="0" err="1" smtClean="0"/>
+              <a:t>Ramteke</a:t>
+            </a:r>
+            <a:r>
+              <a:rPr lang="en-AU" sz="1200" dirty="0" smtClean="0"/>
+              <a:t> 2015, Zheng 2015)</a:t>
+            </a:r>
+            <a:endParaRPr lang="en-AU" sz="1200" dirty="0"/>
           </a:p>
         </p:txBody>
       </p:sp>
@@ -15103,11 +18350,7 @@
           <a:p>
             <a:r>
               <a:rPr lang="en-US" dirty="0" smtClean="0"/>
-              <a:t>Fluorophore </a:t>
-            </a:r>
-            <a:r>
-              <a:rPr lang="en-US" dirty="0" smtClean="0"/>
-              <a:t>tagged complimentary RNA hybridizes to target</a:t>
+              <a:t>Fluorophore tagged complimentary RNA hybridizes to target</a:t>
             </a:r>
           </a:p>
           <a:p>
@@ -15528,7 +18771,7 @@
         </p:nvSpPr>
         <p:spPr>
           <a:xfrm>
-            <a:off x="6022948" y="520968"/>
+            <a:off x="6022948" y="537010"/>
             <a:ext cx="369333" cy="3768283"/>
           </a:xfrm>
           <a:prstGeom prst="rect">
@@ -15605,7 +18848,7 @@
         <p:spPr>
           <a:xfrm>
             <a:off x="6673233" y="4676764"/>
-            <a:ext cx="4544515" cy="1400530"/>
+            <a:ext cx="4544515" cy="1034225"/>
           </a:xfrm>
         </p:spPr>
         <p:txBody>
@@ -15613,10 +18856,29 @@
           <a:lstStyle/>
           <a:p>
             <a:r>
-              <a:rPr lang="en-US" sz="2400" dirty="0" smtClean="0"/>
-              <a:t>Scrambled-148a: negative control. Won’t bind hnRNPK or show specific localization.</a:t>
-            </a:r>
-            <a:endParaRPr lang="en-AU" sz="2400" dirty="0"/>
+              <a:rPr lang="en-US" sz="2000" dirty="0" smtClean="0"/>
+              <a:t>Scrambled-148a: negative control. </a:t>
+            </a:r>
+            <a:r>
+              <a:rPr lang="en-US" sz="2000" dirty="0" smtClean="0"/>
+              <a:t/>
+            </a:r>
+            <a:br>
+              <a:rPr lang="en-US" sz="2000" dirty="0" smtClean="0"/>
+            </a:br>
+            <a:r>
+              <a:rPr lang="en-US" sz="2000" dirty="0" smtClean="0"/>
+              <a:t>Displays </a:t>
+            </a:r>
+            <a:r>
+              <a:rPr lang="en-US" sz="2000" dirty="0"/>
+              <a:t>b</a:t>
+            </a:r>
+            <a:r>
+              <a:rPr lang="en-US" sz="2000" dirty="0" smtClean="0"/>
+              <a:t>aseline intensity for probes. </a:t>
+            </a:r>
+            <a:endParaRPr lang="en-AU" sz="2000" dirty="0"/>
           </a:p>
         </p:txBody>
       </p:sp>
@@ -15925,16 +19187,20 @@
           </a:lstStyle>
           <a:p>
             <a:r>
-              <a:rPr lang="en-US" sz="2400" dirty="0" smtClean="0"/>
+              <a:rPr lang="en-US" sz="2000" dirty="0" smtClean="0"/>
               <a:t>miR-589: ‘sampling’. </a:t>
             </a:r>
           </a:p>
           <a:p>
             <a:r>
-              <a:rPr lang="en-US" sz="2400" dirty="0" smtClean="0"/>
-              <a:t>No co-localization with hnRNPK or be found in puncta.</a:t>
-            </a:r>
-            <a:endParaRPr lang="en-AU" sz="2400" dirty="0"/>
+              <a:rPr lang="en-US" sz="2000" dirty="0" smtClean="0"/>
+              <a:t>Not expected to co-localize </a:t>
+            </a:r>
+            <a:r>
+              <a:rPr lang="en-US" sz="2000" dirty="0" smtClean="0"/>
+              <a:t>with hnRNPK or be found in puncta.</a:t>
+            </a:r>
+            <a:endParaRPr lang="en-AU" sz="2000" dirty="0"/>
           </a:p>
         </p:txBody>
       </p:sp>
@@ -16541,8 +19807,8 @@
         </p:nvSpPr>
         <p:spPr>
           <a:xfrm>
-            <a:off x="7183523" y="3112349"/>
-            <a:ext cx="3936022" cy="861774"/>
+            <a:off x="7160603" y="2539691"/>
+            <a:ext cx="3936022" cy="1692771"/>
           </a:xfrm>
           <a:prstGeom prst="rect">
             <a:avLst/>
@@ -16554,6 +19820,22 @@
             <a:spAutoFit/>
           </a:bodyPr>
           <a:lstStyle/>
+          <a:p>
+            <a:r>
+              <a:rPr lang="en-US" dirty="0" smtClean="0"/>
+              <a:t>KH= K homology domain</a:t>
+            </a:r>
+          </a:p>
+          <a:p>
+            <a:r>
+              <a:rPr lang="en-US" dirty="0" smtClean="0"/>
+              <a:t>RGG= RGG box</a:t>
+            </a:r>
+            <a:endParaRPr lang="en-US" dirty="0" smtClean="0"/>
+          </a:p>
+          <a:p>
+            <a:endParaRPr lang="en-US" dirty="0"/>
+          </a:p>
           <a:p>
             <a:r>
               <a:rPr lang="en-US" dirty="0" smtClean="0"/>
@@ -16892,7 +20174,7 @@
         <p:spPr>
           <a:xfrm>
             <a:off x="10700988" y="5566923"/>
-            <a:ext cx="3976382" cy="253916"/>
+            <a:ext cx="3976382" cy="276999"/>
           </a:xfrm>
           <a:prstGeom prst="rect">
             <a:avLst/>
@@ -16906,10 +20188,10 @@
           <a:lstStyle/>
           <a:p>
             <a:r>
-              <a:rPr lang="en-AU" sz="1050" dirty="0" smtClean="0"/>
+              <a:rPr lang="en-AU" sz="1200" dirty="0" smtClean="0"/>
               <a:t>(SEER 2016)</a:t>
             </a:r>
-            <a:endParaRPr lang="en-AU" sz="1050" dirty="0"/>
+            <a:endParaRPr lang="en-AU" sz="1200" dirty="0"/>
           </a:p>
         </p:txBody>
       </p:sp>
@@ -17347,1019 +20629,6 @@
           </a:prstGeom>
         </p:spPr>
       </p:pic>
-      <p:graphicFrame>
-        <p:nvGraphicFramePr>
-          <p:cNvPr id="5" name="Content Placeholder 6"/>
-          <p:cNvGraphicFramePr>
-            <a:graphicFrameLocks/>
-          </p:cNvGraphicFramePr>
-          <p:nvPr>
-            <p:extLst>
-              <p:ext uri="{D42A27DB-BD31-4B8C-83A1-F6EECF244321}">
-                <p14:modId xmlns:p14="http://schemas.microsoft.com/office/powerpoint/2010/main" val="969606834"/>
-              </p:ext>
-            </p:extLst>
-          </p:nvPr>
-        </p:nvGraphicFramePr>
-        <p:xfrm>
-          <a:off x="6440715" y="2600257"/>
-          <a:ext cx="4837607" cy="2383985"/>
-        </p:xfrm>
-        <a:graphic>
-          <a:graphicData uri="http://schemas.openxmlformats.org/drawingml/2006/table">
-            <a:tbl>
-              <a:tblPr firstRow="1" firstCol="1" bandRow="1"/>
-              <a:tblGrid>
-                <a:gridCol w="1125284"/>
-                <a:gridCol w="2137086"/>
-                <a:gridCol w="1575237"/>
-              </a:tblGrid>
-              <a:tr h="476797">
-                <a:tc>
-                  <a:txBody>
-                    <a:bodyPr/>
-                    <a:lstStyle/>
-                    <a:p>
-                      <a:pPr>
-                        <a:lnSpc>
-                          <a:spcPct val="107000"/>
-                        </a:lnSpc>
-                        <a:spcAft>
-                          <a:spcPts val="0"/>
-                        </a:spcAft>
-                      </a:pPr>
-                      <a:r>
-                        <a:rPr lang="en-US" sz="2000" dirty="0">
-                          <a:effectLst/>
-                          <a:latin typeface="Century Gothic" panose="020B0502020202020204" pitchFamily="34" charset="0"/>
-                          <a:ea typeface="Calibri" panose="020F0502020204030204" pitchFamily="34" charset="0"/>
-                          <a:cs typeface="Times New Roman" panose="02020603050405020304" pitchFamily="18" charset="0"/>
-                        </a:rPr>
-                        <a:t> </a:t>
-                      </a:r>
-                      <a:endParaRPr lang="en-AU" sz="1600" dirty="0">
-                        <a:effectLst/>
-                        <a:latin typeface="Century Gothic" panose="020B0502020202020204" pitchFamily="34" charset="0"/>
-                        <a:ea typeface="Calibri" panose="020F0502020204030204" pitchFamily="34" charset="0"/>
-                        <a:cs typeface="Times New Roman" panose="02020603050405020304" pitchFamily="18" charset="0"/>
-                      </a:endParaRPr>
-                    </a:p>
-                  </a:txBody>
-                  <a:tcPr marL="68580" marR="68580" marT="0" marB="0">
-                    <a:lnL w="12700" cap="flat" cmpd="sng" algn="ctr">
-                      <a:noFill/>
-                      <a:prstDash val="solid"/>
-                      <a:round/>
-                      <a:headEnd type="none" w="med" len="med"/>
-                      <a:tailEnd type="none" w="med" len="med"/>
-                    </a:lnL>
-                    <a:lnR w="12700" cap="flat" cmpd="sng" algn="ctr">
-                      <a:solidFill>
-                        <a:schemeClr val="tx1"/>
-                      </a:solidFill>
-                      <a:prstDash val="solid"/>
-                      <a:round/>
-                      <a:headEnd type="none" w="med" len="med"/>
-                      <a:tailEnd type="none" w="med" len="med"/>
-                    </a:lnR>
-                    <a:lnT w="12700" cap="flat" cmpd="sng" algn="ctr">
-                      <a:noFill/>
-                      <a:prstDash val="solid"/>
-                      <a:round/>
-                      <a:headEnd type="none" w="med" len="med"/>
-                      <a:tailEnd type="none" w="med" len="med"/>
-                    </a:lnT>
-                    <a:lnB w="12700" cap="flat" cmpd="sng" algn="ctr">
-                      <a:solidFill>
-                        <a:schemeClr val="tx1"/>
-                      </a:solidFill>
-                      <a:prstDash val="solid"/>
-                      <a:round/>
-                      <a:headEnd type="none" w="med" len="med"/>
-                      <a:tailEnd type="none" w="med" len="med"/>
-                    </a:lnB>
-                  </a:tcPr>
-                </a:tc>
-                <a:tc gridSpan="2">
-                  <a:txBody>
-                    <a:bodyPr/>
-                    <a:lstStyle/>
-                    <a:p>
-                      <a:pPr algn="ctr">
-                        <a:lnSpc>
-                          <a:spcPct val="107000"/>
-                        </a:lnSpc>
-                        <a:spcAft>
-                          <a:spcPts val="0"/>
-                        </a:spcAft>
-                      </a:pPr>
-                      <a:r>
-                        <a:rPr lang="en-US" sz="2000" dirty="0">
-                          <a:effectLst/>
-                          <a:latin typeface="Century Gothic" panose="020B0502020202020204" pitchFamily="34" charset="0"/>
-                          <a:ea typeface="Calibri" panose="020F0502020204030204" pitchFamily="34" charset="0"/>
-                          <a:cs typeface="Times New Roman" panose="02020603050405020304" pitchFamily="18" charset="0"/>
-                        </a:rPr>
-                        <a:t>RNA eluted (ng/µL)</a:t>
-                      </a:r>
-                      <a:endParaRPr lang="en-AU" sz="1600" dirty="0">
-                        <a:effectLst/>
-                        <a:latin typeface="Century Gothic" panose="020B0502020202020204" pitchFamily="34" charset="0"/>
-                        <a:ea typeface="Calibri" panose="020F0502020204030204" pitchFamily="34" charset="0"/>
-                        <a:cs typeface="Times New Roman" panose="02020603050405020304" pitchFamily="18" charset="0"/>
-                      </a:endParaRPr>
-                    </a:p>
-                  </a:txBody>
-                  <a:tcPr marL="68580" marR="68580" marT="0" marB="0" anchor="b">
-                    <a:lnL w="12700" cap="flat" cmpd="sng" algn="ctr">
-                      <a:solidFill>
-                        <a:schemeClr val="tx1"/>
-                      </a:solidFill>
-                      <a:prstDash val="solid"/>
-                      <a:round/>
-                      <a:headEnd type="none" w="med" len="med"/>
-                      <a:tailEnd type="none" w="med" len="med"/>
-                    </a:lnL>
-                    <a:lnR w="12700" cap="flat" cmpd="sng" algn="ctr">
-                      <a:solidFill>
-                        <a:schemeClr val="tx1"/>
-                      </a:solidFill>
-                      <a:prstDash val="solid"/>
-                      <a:round/>
-                      <a:headEnd type="none" w="med" len="med"/>
-                      <a:tailEnd type="none" w="med" len="med"/>
-                    </a:lnR>
-                    <a:lnT w="12700" cap="flat" cmpd="sng" algn="ctr">
-                      <a:solidFill>
-                        <a:schemeClr val="tx1"/>
-                      </a:solidFill>
-                      <a:prstDash val="solid"/>
-                      <a:round/>
-                      <a:headEnd type="none" w="med" len="med"/>
-                      <a:tailEnd type="none" w="med" len="med"/>
-                    </a:lnT>
-                    <a:lnB w="12700" cap="flat" cmpd="sng" algn="ctr">
-                      <a:solidFill>
-                        <a:schemeClr val="tx1"/>
-                      </a:solidFill>
-                      <a:prstDash val="solid"/>
-                      <a:round/>
-                      <a:headEnd type="none" w="med" len="med"/>
-                      <a:tailEnd type="none" w="med" len="med"/>
-                    </a:lnB>
-                  </a:tcPr>
-                </a:tc>
-                <a:tc hMerge="1">
-                  <a:txBody>
-                    <a:bodyPr/>
-                    <a:lstStyle/>
-                    <a:p>
-                      <a:endParaRPr lang="en-AU"/>
-                    </a:p>
-                  </a:txBody>
-                  <a:tcPr/>
-                </a:tc>
-              </a:tr>
-              <a:tr h="476797">
-                <a:tc>
-                  <a:txBody>
-                    <a:bodyPr/>
-                    <a:lstStyle/>
-                    <a:p>
-                      <a:pPr algn="ctr">
-                        <a:lnSpc>
-                          <a:spcPct val="107000"/>
-                        </a:lnSpc>
-                        <a:spcAft>
-                          <a:spcPts val="0"/>
-                        </a:spcAft>
-                      </a:pPr>
-                      <a:r>
-                        <a:rPr lang="en-AU" sz="1600" dirty="0" smtClean="0">
-                          <a:effectLst/>
-                          <a:latin typeface="Century Gothic" panose="020B0502020202020204" pitchFamily="34" charset="0"/>
-                          <a:ea typeface="Calibri" panose="020F0502020204030204" pitchFamily="34" charset="0"/>
-                          <a:cs typeface="Times New Roman" panose="02020603050405020304" pitchFamily="18" charset="0"/>
-                        </a:rPr>
-                        <a:t>replicate</a:t>
-                      </a:r>
-                      <a:endParaRPr lang="en-AU" sz="1600" dirty="0">
-                        <a:effectLst/>
-                        <a:latin typeface="Century Gothic" panose="020B0502020202020204" pitchFamily="34" charset="0"/>
-                        <a:ea typeface="Calibri" panose="020F0502020204030204" pitchFamily="34" charset="0"/>
-                        <a:cs typeface="Times New Roman" panose="02020603050405020304" pitchFamily="18" charset="0"/>
-                      </a:endParaRPr>
-                    </a:p>
-                  </a:txBody>
-                  <a:tcPr marL="68580" marR="68580" marT="0" marB="0">
-                    <a:lnL w="12700" cap="flat" cmpd="sng" algn="ctr">
-                      <a:solidFill>
-                        <a:schemeClr val="tx1"/>
-                      </a:solidFill>
-                      <a:prstDash val="solid"/>
-                      <a:round/>
-                      <a:headEnd type="none" w="med" len="med"/>
-                      <a:tailEnd type="none" w="med" len="med"/>
-                    </a:lnL>
-                    <a:lnR w="12700" cap="flat" cmpd="sng" algn="ctr">
-                      <a:solidFill>
-                        <a:schemeClr val="tx1"/>
-                      </a:solidFill>
-                      <a:prstDash val="solid"/>
-                      <a:round/>
-                      <a:headEnd type="none" w="med" len="med"/>
-                      <a:tailEnd type="none" w="med" len="med"/>
-                    </a:lnR>
-                    <a:lnT w="12700" cap="flat" cmpd="sng" algn="ctr">
-                      <a:solidFill>
-                        <a:schemeClr val="tx1"/>
-                      </a:solidFill>
-                      <a:prstDash val="solid"/>
-                      <a:round/>
-                      <a:headEnd type="none" w="med" len="med"/>
-                      <a:tailEnd type="none" w="med" len="med"/>
-                    </a:lnT>
-                    <a:lnB w="12700" cap="flat" cmpd="sng" algn="ctr">
-                      <a:solidFill>
-                        <a:schemeClr val="tx1"/>
-                      </a:solidFill>
-                      <a:prstDash val="solid"/>
-                      <a:round/>
-                      <a:headEnd type="none" w="med" len="med"/>
-                      <a:tailEnd type="none" w="med" len="med"/>
-                    </a:lnB>
-                  </a:tcPr>
-                </a:tc>
-                <a:tc>
-                  <a:txBody>
-                    <a:bodyPr/>
-                    <a:lstStyle/>
-                    <a:p>
-                      <a:pPr algn="ctr">
-                        <a:lnSpc>
-                          <a:spcPct val="107000"/>
-                        </a:lnSpc>
-                        <a:spcAft>
-                          <a:spcPts val="0"/>
-                        </a:spcAft>
-                      </a:pPr>
-                      <a:r>
-                        <a:rPr lang="en-US" sz="2000" dirty="0">
-                          <a:effectLst/>
-                          <a:latin typeface="Century Gothic" panose="020B0502020202020204" pitchFamily="34" charset="0"/>
-                          <a:ea typeface="Calibri" panose="020F0502020204030204" pitchFamily="34" charset="0"/>
-                          <a:cs typeface="Times New Roman" panose="02020603050405020304" pitchFamily="18" charset="0"/>
-                        </a:rPr>
-                        <a:t>hnRNPK IP</a:t>
-                      </a:r>
-                      <a:endParaRPr lang="en-AU" sz="1600" dirty="0">
-                        <a:effectLst/>
-                        <a:latin typeface="Century Gothic" panose="020B0502020202020204" pitchFamily="34" charset="0"/>
-                        <a:ea typeface="Calibri" panose="020F0502020204030204" pitchFamily="34" charset="0"/>
-                        <a:cs typeface="Times New Roman" panose="02020603050405020304" pitchFamily="18" charset="0"/>
-                      </a:endParaRPr>
-                    </a:p>
-                  </a:txBody>
-                  <a:tcPr marL="68580" marR="68580" marT="0" marB="0" anchor="ctr">
-                    <a:lnL w="12700" cap="flat" cmpd="sng" algn="ctr">
-                      <a:solidFill>
-                        <a:schemeClr val="tx1"/>
-                      </a:solidFill>
-                      <a:prstDash val="solid"/>
-                      <a:round/>
-                      <a:headEnd type="none" w="med" len="med"/>
-                      <a:tailEnd type="none" w="med" len="med"/>
-                    </a:lnL>
-                    <a:lnR w="12700" cap="flat" cmpd="sng" algn="ctr">
-                      <a:solidFill>
-                        <a:schemeClr val="tx1"/>
-                      </a:solidFill>
-                      <a:prstDash val="solid"/>
-                      <a:round/>
-                      <a:headEnd type="none" w="med" len="med"/>
-                      <a:tailEnd type="none" w="med" len="med"/>
-                    </a:lnR>
-                    <a:lnT w="12700" cap="flat" cmpd="sng" algn="ctr">
-                      <a:solidFill>
-                        <a:schemeClr val="tx1"/>
-                      </a:solidFill>
-                      <a:prstDash val="solid"/>
-                      <a:round/>
-                      <a:headEnd type="none" w="med" len="med"/>
-                      <a:tailEnd type="none" w="med" len="med"/>
-                    </a:lnT>
-                    <a:lnB w="12700" cap="flat" cmpd="sng" algn="ctr">
-                      <a:solidFill>
-                        <a:schemeClr val="tx1"/>
-                      </a:solidFill>
-                      <a:prstDash val="solid"/>
-                      <a:round/>
-                      <a:headEnd type="none" w="med" len="med"/>
-                      <a:tailEnd type="none" w="med" len="med"/>
-                    </a:lnB>
-                  </a:tcPr>
-                </a:tc>
-                <a:tc>
-                  <a:txBody>
-                    <a:bodyPr/>
-                    <a:lstStyle/>
-                    <a:p>
-                      <a:pPr algn="ctr">
-                        <a:lnSpc>
-                          <a:spcPct val="107000"/>
-                        </a:lnSpc>
-                        <a:spcAft>
-                          <a:spcPts val="0"/>
-                        </a:spcAft>
-                      </a:pPr>
-                      <a:r>
-                        <a:rPr lang="en-US" sz="2000">
-                          <a:effectLst/>
-                          <a:latin typeface="Century Gothic" panose="020B0502020202020204" pitchFamily="34" charset="0"/>
-                          <a:ea typeface="Calibri" panose="020F0502020204030204" pitchFamily="34" charset="0"/>
-                          <a:cs typeface="Times New Roman" panose="02020603050405020304" pitchFamily="18" charset="0"/>
-                        </a:rPr>
-                        <a:t>IgG Control</a:t>
-                      </a:r>
-                      <a:endParaRPr lang="en-AU" sz="1600">
-                        <a:effectLst/>
-                        <a:latin typeface="Century Gothic" panose="020B0502020202020204" pitchFamily="34" charset="0"/>
-                        <a:ea typeface="Calibri" panose="020F0502020204030204" pitchFamily="34" charset="0"/>
-                        <a:cs typeface="Times New Roman" panose="02020603050405020304" pitchFamily="18" charset="0"/>
-                      </a:endParaRPr>
-                    </a:p>
-                  </a:txBody>
-                  <a:tcPr marL="68580" marR="68580" marT="0" marB="0" anchor="ctr">
-                    <a:lnL w="12700" cap="flat" cmpd="sng" algn="ctr">
-                      <a:solidFill>
-                        <a:schemeClr val="tx1"/>
-                      </a:solidFill>
-                      <a:prstDash val="solid"/>
-                      <a:round/>
-                      <a:headEnd type="none" w="med" len="med"/>
-                      <a:tailEnd type="none" w="med" len="med"/>
-                    </a:lnL>
-                    <a:lnR w="12700" cap="flat" cmpd="sng" algn="ctr">
-                      <a:solidFill>
-                        <a:schemeClr val="tx1"/>
-                      </a:solidFill>
-                      <a:prstDash val="solid"/>
-                      <a:round/>
-                      <a:headEnd type="none" w="med" len="med"/>
-                      <a:tailEnd type="none" w="med" len="med"/>
-                    </a:lnR>
-                    <a:lnT w="12700" cap="flat" cmpd="sng" algn="ctr">
-                      <a:solidFill>
-                        <a:schemeClr val="tx1"/>
-                      </a:solidFill>
-                      <a:prstDash val="solid"/>
-                      <a:round/>
-                      <a:headEnd type="none" w="med" len="med"/>
-                      <a:tailEnd type="none" w="med" len="med"/>
-                    </a:lnT>
-                    <a:lnB w="12700" cap="flat" cmpd="sng" algn="ctr">
-                      <a:solidFill>
-                        <a:schemeClr val="tx1"/>
-                      </a:solidFill>
-                      <a:prstDash val="solid"/>
-                      <a:round/>
-                      <a:headEnd type="none" w="med" len="med"/>
-                      <a:tailEnd type="none" w="med" len="med"/>
-                    </a:lnB>
-                  </a:tcPr>
-                </a:tc>
-              </a:tr>
-              <a:tr h="476797">
-                <a:tc>
-                  <a:txBody>
-                    <a:bodyPr/>
-                    <a:lstStyle/>
-                    <a:p>
-                      <a:pPr algn="ctr">
-                        <a:lnSpc>
-                          <a:spcPct val="107000"/>
-                        </a:lnSpc>
-                        <a:spcAft>
-                          <a:spcPts val="0"/>
-                        </a:spcAft>
-                      </a:pPr>
-                      <a:r>
-                        <a:rPr lang="en-US" sz="2000">
-                          <a:effectLst/>
-                          <a:latin typeface="Century Gothic" panose="020B0502020202020204" pitchFamily="34" charset="0"/>
-                          <a:ea typeface="Calibri" panose="020F0502020204030204" pitchFamily="34" charset="0"/>
-                          <a:cs typeface="Times New Roman" panose="02020603050405020304" pitchFamily="18" charset="0"/>
-                        </a:rPr>
-                        <a:t>1</a:t>
-                      </a:r>
-                      <a:endParaRPr lang="en-AU" sz="1600">
-                        <a:effectLst/>
-                        <a:latin typeface="Century Gothic" panose="020B0502020202020204" pitchFamily="34" charset="0"/>
-                        <a:ea typeface="Calibri" panose="020F0502020204030204" pitchFamily="34" charset="0"/>
-                        <a:cs typeface="Times New Roman" panose="02020603050405020304" pitchFamily="18" charset="0"/>
-                      </a:endParaRPr>
-                    </a:p>
-                  </a:txBody>
-                  <a:tcPr marL="68580" marR="68580" marT="0" marB="0">
-                    <a:lnL w="12700" cap="flat" cmpd="sng" algn="ctr">
-                      <a:solidFill>
-                        <a:schemeClr val="tx1"/>
-                      </a:solidFill>
-                      <a:prstDash val="solid"/>
-                      <a:round/>
-                      <a:headEnd type="none" w="med" len="med"/>
-                      <a:tailEnd type="none" w="med" len="med"/>
-                    </a:lnL>
-                    <a:lnR w="12700" cap="flat" cmpd="sng" algn="ctr">
-                      <a:solidFill>
-                        <a:schemeClr val="tx1"/>
-                      </a:solidFill>
-                      <a:prstDash val="solid"/>
-                      <a:round/>
-                      <a:headEnd type="none" w="med" len="med"/>
-                      <a:tailEnd type="none" w="med" len="med"/>
-                    </a:lnR>
-                    <a:lnT w="12700" cap="flat" cmpd="sng" algn="ctr">
-                      <a:solidFill>
-                        <a:schemeClr val="tx1"/>
-                      </a:solidFill>
-                      <a:prstDash val="solid"/>
-                      <a:round/>
-                      <a:headEnd type="none" w="med" len="med"/>
-                      <a:tailEnd type="none" w="med" len="med"/>
-                    </a:lnT>
-                    <a:lnB w="12700" cap="flat" cmpd="sng" algn="ctr">
-                      <a:solidFill>
-                        <a:schemeClr val="tx1"/>
-                      </a:solidFill>
-                      <a:prstDash val="solid"/>
-                      <a:round/>
-                      <a:headEnd type="none" w="med" len="med"/>
-                      <a:tailEnd type="none" w="med" len="med"/>
-                    </a:lnB>
-                  </a:tcPr>
-                </a:tc>
-                <a:tc>
-                  <a:txBody>
-                    <a:bodyPr/>
-                    <a:lstStyle/>
-                    <a:p>
-                      <a:pPr algn="ctr">
-                        <a:lnSpc>
-                          <a:spcPct val="107000"/>
-                        </a:lnSpc>
-                        <a:spcAft>
-                          <a:spcPts val="0"/>
-                        </a:spcAft>
-                      </a:pPr>
-                      <a:r>
-                        <a:rPr lang="en-US" sz="2000">
-                          <a:effectLst/>
-                          <a:latin typeface="Century Gothic" panose="020B0502020202020204" pitchFamily="34" charset="0"/>
-                          <a:ea typeface="Calibri" panose="020F0502020204030204" pitchFamily="34" charset="0"/>
-                          <a:cs typeface="Times New Roman" panose="02020603050405020304" pitchFamily="18" charset="0"/>
-                        </a:rPr>
-                        <a:t>11.78</a:t>
-                      </a:r>
-                      <a:endParaRPr lang="en-AU" sz="1600">
-                        <a:effectLst/>
-                        <a:latin typeface="Century Gothic" panose="020B0502020202020204" pitchFamily="34" charset="0"/>
-                        <a:ea typeface="Calibri" panose="020F0502020204030204" pitchFamily="34" charset="0"/>
-                        <a:cs typeface="Times New Roman" panose="02020603050405020304" pitchFamily="18" charset="0"/>
-                      </a:endParaRPr>
-                    </a:p>
-                  </a:txBody>
-                  <a:tcPr marL="68580" marR="68580" marT="0" marB="0">
-                    <a:lnL w="12700" cap="flat" cmpd="sng" algn="ctr">
-                      <a:solidFill>
-                        <a:schemeClr val="tx1"/>
-                      </a:solidFill>
-                      <a:prstDash val="solid"/>
-                      <a:round/>
-                      <a:headEnd type="none" w="med" len="med"/>
-                      <a:tailEnd type="none" w="med" len="med"/>
-                    </a:lnL>
-                    <a:lnR w="12700" cap="flat" cmpd="sng" algn="ctr">
-                      <a:solidFill>
-                        <a:schemeClr val="tx1"/>
-                      </a:solidFill>
-                      <a:prstDash val="solid"/>
-                      <a:round/>
-                      <a:headEnd type="none" w="med" len="med"/>
-                      <a:tailEnd type="none" w="med" len="med"/>
-                    </a:lnR>
-                    <a:lnT w="12700" cap="flat" cmpd="sng" algn="ctr">
-                      <a:solidFill>
-                        <a:schemeClr val="tx1"/>
-                      </a:solidFill>
-                      <a:prstDash val="solid"/>
-                      <a:round/>
-                      <a:headEnd type="none" w="med" len="med"/>
-                      <a:tailEnd type="none" w="med" len="med"/>
-                    </a:lnT>
-                    <a:lnB w="12700" cap="flat" cmpd="sng" algn="ctr">
-                      <a:solidFill>
-                        <a:schemeClr val="tx1"/>
-                      </a:solidFill>
-                      <a:prstDash val="solid"/>
-                      <a:round/>
-                      <a:headEnd type="none" w="med" len="med"/>
-                      <a:tailEnd type="none" w="med" len="med"/>
-                    </a:lnB>
-                  </a:tcPr>
-                </a:tc>
-                <a:tc>
-                  <a:txBody>
-                    <a:bodyPr/>
-                    <a:lstStyle/>
-                    <a:p>
-                      <a:pPr algn="ctr">
-                        <a:lnSpc>
-                          <a:spcPct val="107000"/>
-                        </a:lnSpc>
-                        <a:spcAft>
-                          <a:spcPts val="0"/>
-                        </a:spcAft>
-                      </a:pPr>
-                      <a:r>
-                        <a:rPr lang="en-US" sz="2000">
-                          <a:effectLst/>
-                          <a:latin typeface="Century Gothic" panose="020B0502020202020204" pitchFamily="34" charset="0"/>
-                          <a:ea typeface="Calibri" panose="020F0502020204030204" pitchFamily="34" charset="0"/>
-                          <a:cs typeface="Times New Roman" panose="02020603050405020304" pitchFamily="18" charset="0"/>
-                        </a:rPr>
-                        <a:t>1.40</a:t>
-                      </a:r>
-                      <a:endParaRPr lang="en-AU" sz="1600">
-                        <a:effectLst/>
-                        <a:latin typeface="Century Gothic" panose="020B0502020202020204" pitchFamily="34" charset="0"/>
-                        <a:ea typeface="Calibri" panose="020F0502020204030204" pitchFamily="34" charset="0"/>
-                        <a:cs typeface="Times New Roman" panose="02020603050405020304" pitchFamily="18" charset="0"/>
-                      </a:endParaRPr>
-                    </a:p>
-                  </a:txBody>
-                  <a:tcPr marL="68580" marR="68580" marT="0" marB="0">
-                    <a:lnL w="12700" cap="flat" cmpd="sng" algn="ctr">
-                      <a:solidFill>
-                        <a:schemeClr val="tx1"/>
-                      </a:solidFill>
-                      <a:prstDash val="solid"/>
-                      <a:round/>
-                      <a:headEnd type="none" w="med" len="med"/>
-                      <a:tailEnd type="none" w="med" len="med"/>
-                    </a:lnL>
-                    <a:lnR w="12700" cap="flat" cmpd="sng" algn="ctr">
-                      <a:solidFill>
-                        <a:schemeClr val="tx1"/>
-                      </a:solidFill>
-                      <a:prstDash val="solid"/>
-                      <a:round/>
-                      <a:headEnd type="none" w="med" len="med"/>
-                      <a:tailEnd type="none" w="med" len="med"/>
-                    </a:lnR>
-                    <a:lnT w="12700" cap="flat" cmpd="sng" algn="ctr">
-                      <a:solidFill>
-                        <a:schemeClr val="tx1"/>
-                      </a:solidFill>
-                      <a:prstDash val="solid"/>
-                      <a:round/>
-                      <a:headEnd type="none" w="med" len="med"/>
-                      <a:tailEnd type="none" w="med" len="med"/>
-                    </a:lnT>
-                    <a:lnB w="12700" cap="flat" cmpd="sng" algn="ctr">
-                      <a:solidFill>
-                        <a:schemeClr val="tx1"/>
-                      </a:solidFill>
-                      <a:prstDash val="solid"/>
-                      <a:round/>
-                      <a:headEnd type="none" w="med" len="med"/>
-                      <a:tailEnd type="none" w="med" len="med"/>
-                    </a:lnB>
-                  </a:tcPr>
-                </a:tc>
-              </a:tr>
-              <a:tr h="476797">
-                <a:tc>
-                  <a:txBody>
-                    <a:bodyPr/>
-                    <a:lstStyle/>
-                    <a:p>
-                      <a:pPr algn="ctr">
-                        <a:lnSpc>
-                          <a:spcPct val="107000"/>
-                        </a:lnSpc>
-                        <a:spcAft>
-                          <a:spcPts val="0"/>
-                        </a:spcAft>
-                      </a:pPr>
-                      <a:r>
-                        <a:rPr lang="en-US" sz="2000" dirty="0" smtClean="0">
-                          <a:effectLst/>
-                          <a:latin typeface="Century Gothic" panose="020B0502020202020204" pitchFamily="34" charset="0"/>
-                          <a:ea typeface="Calibri" panose="020F0502020204030204" pitchFamily="34" charset="0"/>
-                          <a:cs typeface="Times New Roman" panose="02020603050405020304" pitchFamily="18" charset="0"/>
-                        </a:rPr>
-                        <a:t>2</a:t>
-                      </a:r>
-                      <a:endParaRPr lang="en-AU" sz="1600" dirty="0">
-                        <a:effectLst/>
-                        <a:latin typeface="Century Gothic" panose="020B0502020202020204" pitchFamily="34" charset="0"/>
-                        <a:ea typeface="Calibri" panose="020F0502020204030204" pitchFamily="34" charset="0"/>
-                        <a:cs typeface="Times New Roman" panose="02020603050405020304" pitchFamily="18" charset="0"/>
-                      </a:endParaRPr>
-                    </a:p>
-                  </a:txBody>
-                  <a:tcPr marL="68580" marR="68580" marT="0" marB="0">
-                    <a:lnL w="12700" cap="flat" cmpd="sng" algn="ctr">
-                      <a:solidFill>
-                        <a:schemeClr val="tx1"/>
-                      </a:solidFill>
-                      <a:prstDash val="solid"/>
-                      <a:round/>
-                      <a:headEnd type="none" w="med" len="med"/>
-                      <a:tailEnd type="none" w="med" len="med"/>
-                    </a:lnL>
-                    <a:lnR w="12700" cap="flat" cmpd="sng" algn="ctr">
-                      <a:solidFill>
-                        <a:schemeClr val="tx1"/>
-                      </a:solidFill>
-                      <a:prstDash val="solid"/>
-                      <a:round/>
-                      <a:headEnd type="none" w="med" len="med"/>
-                      <a:tailEnd type="none" w="med" len="med"/>
-                    </a:lnR>
-                    <a:lnT w="12700" cap="flat" cmpd="sng" algn="ctr">
-                      <a:solidFill>
-                        <a:schemeClr val="tx1"/>
-                      </a:solidFill>
-                      <a:prstDash val="solid"/>
-                      <a:round/>
-                      <a:headEnd type="none" w="med" len="med"/>
-                      <a:tailEnd type="none" w="med" len="med"/>
-                    </a:lnT>
-                    <a:lnB w="12700" cap="flat" cmpd="sng" algn="ctr">
-                      <a:solidFill>
-                        <a:schemeClr val="tx1"/>
-                      </a:solidFill>
-                      <a:prstDash val="solid"/>
-                      <a:round/>
-                      <a:headEnd type="none" w="med" len="med"/>
-                      <a:tailEnd type="none" w="med" len="med"/>
-                    </a:lnB>
-                  </a:tcPr>
-                </a:tc>
-                <a:tc>
-                  <a:txBody>
-                    <a:bodyPr/>
-                    <a:lstStyle/>
-                    <a:p>
-                      <a:pPr algn="ctr">
-                        <a:lnSpc>
-                          <a:spcPct val="107000"/>
-                        </a:lnSpc>
-                        <a:spcAft>
-                          <a:spcPts val="0"/>
-                        </a:spcAft>
-                      </a:pPr>
-                      <a:r>
-                        <a:rPr lang="en-US" sz="2000" dirty="0">
-                          <a:effectLst/>
-                          <a:latin typeface="Century Gothic" panose="020B0502020202020204" pitchFamily="34" charset="0"/>
-                          <a:ea typeface="Calibri" panose="020F0502020204030204" pitchFamily="34" charset="0"/>
-                          <a:cs typeface="Times New Roman" panose="02020603050405020304" pitchFamily="18" charset="0"/>
-                        </a:rPr>
-                        <a:t>4.20</a:t>
-                      </a:r>
-                      <a:endParaRPr lang="en-AU" sz="1600" dirty="0">
-                        <a:effectLst/>
-                        <a:latin typeface="Century Gothic" panose="020B0502020202020204" pitchFamily="34" charset="0"/>
-                        <a:ea typeface="Calibri" panose="020F0502020204030204" pitchFamily="34" charset="0"/>
-                        <a:cs typeface="Times New Roman" panose="02020603050405020304" pitchFamily="18" charset="0"/>
-                      </a:endParaRPr>
-                    </a:p>
-                  </a:txBody>
-                  <a:tcPr marL="68580" marR="68580" marT="0" marB="0">
-                    <a:lnL w="12700" cap="flat" cmpd="sng" algn="ctr">
-                      <a:solidFill>
-                        <a:schemeClr val="tx1"/>
-                      </a:solidFill>
-                      <a:prstDash val="solid"/>
-                      <a:round/>
-                      <a:headEnd type="none" w="med" len="med"/>
-                      <a:tailEnd type="none" w="med" len="med"/>
-                    </a:lnL>
-                    <a:lnR w="12700" cap="flat" cmpd="sng" algn="ctr">
-                      <a:solidFill>
-                        <a:schemeClr val="tx1"/>
-                      </a:solidFill>
-                      <a:prstDash val="solid"/>
-                      <a:round/>
-                      <a:headEnd type="none" w="med" len="med"/>
-                      <a:tailEnd type="none" w="med" len="med"/>
-                    </a:lnR>
-                    <a:lnT w="12700" cap="flat" cmpd="sng" algn="ctr">
-                      <a:solidFill>
-                        <a:schemeClr val="tx1"/>
-                      </a:solidFill>
-                      <a:prstDash val="solid"/>
-                      <a:round/>
-                      <a:headEnd type="none" w="med" len="med"/>
-                      <a:tailEnd type="none" w="med" len="med"/>
-                    </a:lnT>
-                    <a:lnB w="12700" cap="flat" cmpd="sng" algn="ctr">
-                      <a:solidFill>
-                        <a:schemeClr val="tx1"/>
-                      </a:solidFill>
-                      <a:prstDash val="solid"/>
-                      <a:round/>
-                      <a:headEnd type="none" w="med" len="med"/>
-                      <a:tailEnd type="none" w="med" len="med"/>
-                    </a:lnB>
-                  </a:tcPr>
-                </a:tc>
-                <a:tc>
-                  <a:txBody>
-                    <a:bodyPr/>
-                    <a:lstStyle/>
-                    <a:p>
-                      <a:pPr algn="ctr">
-                        <a:lnSpc>
-                          <a:spcPct val="107000"/>
-                        </a:lnSpc>
-                        <a:spcAft>
-                          <a:spcPts val="0"/>
-                        </a:spcAft>
-                      </a:pPr>
-                      <a:r>
-                        <a:rPr lang="en-US" sz="2000" dirty="0">
-                          <a:effectLst/>
-                          <a:latin typeface="Century Gothic" panose="020B0502020202020204" pitchFamily="34" charset="0"/>
-                          <a:ea typeface="Calibri" panose="020F0502020204030204" pitchFamily="34" charset="0"/>
-                          <a:cs typeface="Times New Roman" panose="02020603050405020304" pitchFamily="18" charset="0"/>
-                        </a:rPr>
-                        <a:t>0.20</a:t>
-                      </a:r>
-                      <a:endParaRPr lang="en-AU" sz="1600" dirty="0">
-                        <a:effectLst/>
-                        <a:latin typeface="Century Gothic" panose="020B0502020202020204" pitchFamily="34" charset="0"/>
-                        <a:ea typeface="Calibri" panose="020F0502020204030204" pitchFamily="34" charset="0"/>
-                        <a:cs typeface="Times New Roman" panose="02020603050405020304" pitchFamily="18" charset="0"/>
-                      </a:endParaRPr>
-                    </a:p>
-                  </a:txBody>
-                  <a:tcPr marL="68580" marR="68580" marT="0" marB="0">
-                    <a:lnL w="12700" cap="flat" cmpd="sng" algn="ctr">
-                      <a:solidFill>
-                        <a:schemeClr val="tx1"/>
-                      </a:solidFill>
-                      <a:prstDash val="solid"/>
-                      <a:round/>
-                      <a:headEnd type="none" w="med" len="med"/>
-                      <a:tailEnd type="none" w="med" len="med"/>
-                    </a:lnL>
-                    <a:lnR w="12700" cap="flat" cmpd="sng" algn="ctr">
-                      <a:solidFill>
-                        <a:schemeClr val="tx1"/>
-                      </a:solidFill>
-                      <a:prstDash val="solid"/>
-                      <a:round/>
-                      <a:headEnd type="none" w="med" len="med"/>
-                      <a:tailEnd type="none" w="med" len="med"/>
-                    </a:lnR>
-                    <a:lnT w="12700" cap="flat" cmpd="sng" algn="ctr">
-                      <a:solidFill>
-                        <a:schemeClr val="tx1"/>
-                      </a:solidFill>
-                      <a:prstDash val="solid"/>
-                      <a:round/>
-                      <a:headEnd type="none" w="med" len="med"/>
-                      <a:tailEnd type="none" w="med" len="med"/>
-                    </a:lnT>
-                    <a:lnB w="12700" cap="flat" cmpd="sng" algn="ctr">
-                      <a:solidFill>
-                        <a:schemeClr val="tx1"/>
-                      </a:solidFill>
-                      <a:prstDash val="solid"/>
-                      <a:round/>
-                      <a:headEnd type="none" w="med" len="med"/>
-                      <a:tailEnd type="none" w="med" len="med"/>
-                    </a:lnB>
-                  </a:tcPr>
-                </a:tc>
-              </a:tr>
-              <a:tr h="476797">
-                <a:tc>
-                  <a:txBody>
-                    <a:bodyPr/>
-                    <a:lstStyle/>
-                    <a:p>
-                      <a:pPr algn="ctr">
-                        <a:lnSpc>
-                          <a:spcPct val="107000"/>
-                        </a:lnSpc>
-                        <a:spcAft>
-                          <a:spcPts val="0"/>
-                        </a:spcAft>
-                      </a:pPr>
-                      <a:r>
-                        <a:rPr lang="en-US" sz="2000" dirty="0">
-                          <a:effectLst/>
-                          <a:latin typeface="Century Gothic" panose="020B0502020202020204" pitchFamily="34" charset="0"/>
-                          <a:ea typeface="Calibri" panose="020F0502020204030204" pitchFamily="34" charset="0"/>
-                          <a:cs typeface="Times New Roman" panose="02020603050405020304" pitchFamily="18" charset="0"/>
-                        </a:rPr>
-                        <a:t>3</a:t>
-                      </a:r>
-                      <a:endParaRPr lang="en-AU" sz="1600" dirty="0">
-                        <a:effectLst/>
-                        <a:latin typeface="Century Gothic" panose="020B0502020202020204" pitchFamily="34" charset="0"/>
-                        <a:ea typeface="Calibri" panose="020F0502020204030204" pitchFamily="34" charset="0"/>
-                        <a:cs typeface="Times New Roman" panose="02020603050405020304" pitchFamily="18" charset="0"/>
-                      </a:endParaRPr>
-                    </a:p>
-                  </a:txBody>
-                  <a:tcPr marL="68580" marR="68580" marT="0" marB="0">
-                    <a:lnL w="12700" cap="flat" cmpd="sng" algn="ctr">
-                      <a:solidFill>
-                        <a:schemeClr val="tx1"/>
-                      </a:solidFill>
-                      <a:prstDash val="solid"/>
-                      <a:round/>
-                      <a:headEnd type="none" w="med" len="med"/>
-                      <a:tailEnd type="none" w="med" len="med"/>
-                    </a:lnL>
-                    <a:lnR w="12700" cap="flat" cmpd="sng" algn="ctr">
-                      <a:solidFill>
-                        <a:schemeClr val="tx1"/>
-                      </a:solidFill>
-                      <a:prstDash val="solid"/>
-                      <a:round/>
-                      <a:headEnd type="none" w="med" len="med"/>
-                      <a:tailEnd type="none" w="med" len="med"/>
-                    </a:lnR>
-                    <a:lnT w="12700" cap="flat" cmpd="sng" algn="ctr">
-                      <a:solidFill>
-                        <a:schemeClr val="tx1"/>
-                      </a:solidFill>
-                      <a:prstDash val="solid"/>
-                      <a:round/>
-                      <a:headEnd type="none" w="med" len="med"/>
-                      <a:tailEnd type="none" w="med" len="med"/>
-                    </a:lnT>
-                    <a:lnB w="12700" cap="flat" cmpd="sng" algn="ctr">
-                      <a:solidFill>
-                        <a:schemeClr val="tx1"/>
-                      </a:solidFill>
-                      <a:prstDash val="solid"/>
-                      <a:round/>
-                      <a:headEnd type="none" w="med" len="med"/>
-                      <a:tailEnd type="none" w="med" len="med"/>
-                    </a:lnB>
-                  </a:tcPr>
-                </a:tc>
-                <a:tc>
-                  <a:txBody>
-                    <a:bodyPr/>
-                    <a:lstStyle/>
-                    <a:p>
-                      <a:pPr algn="ctr">
-                        <a:lnSpc>
-                          <a:spcPct val="107000"/>
-                        </a:lnSpc>
-                        <a:spcAft>
-                          <a:spcPts val="0"/>
-                        </a:spcAft>
-                      </a:pPr>
-                      <a:r>
-                        <a:rPr lang="en-US" sz="2000" dirty="0">
-                          <a:effectLst/>
-                          <a:latin typeface="Century Gothic" panose="020B0502020202020204" pitchFamily="34" charset="0"/>
-                          <a:ea typeface="Calibri" panose="020F0502020204030204" pitchFamily="34" charset="0"/>
-                          <a:cs typeface="Times New Roman" panose="02020603050405020304" pitchFamily="18" charset="0"/>
-                        </a:rPr>
-                        <a:t>14.7</a:t>
-                      </a:r>
-                      <a:endParaRPr lang="en-AU" sz="1600" dirty="0">
-                        <a:effectLst/>
-                        <a:latin typeface="Century Gothic" panose="020B0502020202020204" pitchFamily="34" charset="0"/>
-                        <a:ea typeface="Calibri" panose="020F0502020204030204" pitchFamily="34" charset="0"/>
-                        <a:cs typeface="Times New Roman" panose="02020603050405020304" pitchFamily="18" charset="0"/>
-                      </a:endParaRPr>
-                    </a:p>
-                  </a:txBody>
-                  <a:tcPr marL="68580" marR="68580" marT="0" marB="0">
-                    <a:lnL w="12700" cap="flat" cmpd="sng" algn="ctr">
-                      <a:solidFill>
-                        <a:schemeClr val="tx1"/>
-                      </a:solidFill>
-                      <a:prstDash val="solid"/>
-                      <a:round/>
-                      <a:headEnd type="none" w="med" len="med"/>
-                      <a:tailEnd type="none" w="med" len="med"/>
-                    </a:lnL>
-                    <a:lnR w="12700" cap="flat" cmpd="sng" algn="ctr">
-                      <a:solidFill>
-                        <a:schemeClr val="tx1"/>
-                      </a:solidFill>
-                      <a:prstDash val="solid"/>
-                      <a:round/>
-                      <a:headEnd type="none" w="med" len="med"/>
-                      <a:tailEnd type="none" w="med" len="med"/>
-                    </a:lnR>
-                    <a:lnT w="12700" cap="flat" cmpd="sng" algn="ctr">
-                      <a:solidFill>
-                        <a:schemeClr val="tx1"/>
-                      </a:solidFill>
-                      <a:prstDash val="solid"/>
-                      <a:round/>
-                      <a:headEnd type="none" w="med" len="med"/>
-                      <a:tailEnd type="none" w="med" len="med"/>
-                    </a:lnT>
-                    <a:lnB w="12700" cap="flat" cmpd="sng" algn="ctr">
-                      <a:solidFill>
-                        <a:schemeClr val="tx1"/>
-                      </a:solidFill>
-                      <a:prstDash val="solid"/>
-                      <a:round/>
-                      <a:headEnd type="none" w="med" len="med"/>
-                      <a:tailEnd type="none" w="med" len="med"/>
-                    </a:lnB>
-                  </a:tcPr>
-                </a:tc>
-                <a:tc>
-                  <a:txBody>
-                    <a:bodyPr/>
-                    <a:lstStyle/>
-                    <a:p>
-                      <a:pPr algn="ctr">
-                        <a:lnSpc>
-                          <a:spcPct val="107000"/>
-                        </a:lnSpc>
-                        <a:spcAft>
-                          <a:spcPts val="0"/>
-                        </a:spcAft>
-                      </a:pPr>
-                      <a:r>
-                        <a:rPr lang="en-US" sz="2000" dirty="0">
-                          <a:effectLst/>
-                          <a:latin typeface="Century Gothic" panose="020B0502020202020204" pitchFamily="34" charset="0"/>
-                          <a:ea typeface="Calibri" panose="020F0502020204030204" pitchFamily="34" charset="0"/>
-                          <a:cs typeface="Times New Roman" panose="02020603050405020304" pitchFamily="18" charset="0"/>
-                        </a:rPr>
-                        <a:t>0.80</a:t>
-                      </a:r>
-                      <a:endParaRPr lang="en-AU" sz="1600" dirty="0">
-                        <a:effectLst/>
-                        <a:latin typeface="Century Gothic" panose="020B0502020202020204" pitchFamily="34" charset="0"/>
-                        <a:ea typeface="Calibri" panose="020F0502020204030204" pitchFamily="34" charset="0"/>
-                        <a:cs typeface="Times New Roman" panose="02020603050405020304" pitchFamily="18" charset="0"/>
-                      </a:endParaRPr>
-                    </a:p>
-                  </a:txBody>
-                  <a:tcPr marL="68580" marR="68580" marT="0" marB="0">
-                    <a:lnL w="12700" cap="flat" cmpd="sng" algn="ctr">
-                      <a:solidFill>
-                        <a:schemeClr val="tx1"/>
-                      </a:solidFill>
-                      <a:prstDash val="solid"/>
-                      <a:round/>
-                      <a:headEnd type="none" w="med" len="med"/>
-                      <a:tailEnd type="none" w="med" len="med"/>
-                    </a:lnL>
-                    <a:lnR w="12700" cap="flat" cmpd="sng" algn="ctr">
-                      <a:solidFill>
-                        <a:schemeClr val="tx1"/>
-                      </a:solidFill>
-                      <a:prstDash val="solid"/>
-                      <a:round/>
-                      <a:headEnd type="none" w="med" len="med"/>
-                      <a:tailEnd type="none" w="med" len="med"/>
-                    </a:lnR>
-                    <a:lnT w="12700" cap="flat" cmpd="sng" algn="ctr">
-                      <a:solidFill>
-                        <a:schemeClr val="tx1"/>
-                      </a:solidFill>
-                      <a:prstDash val="solid"/>
-                      <a:round/>
-                      <a:headEnd type="none" w="med" len="med"/>
-                      <a:tailEnd type="none" w="med" len="med"/>
-                    </a:lnT>
-                    <a:lnB w="12700" cap="flat" cmpd="sng" algn="ctr">
-                      <a:solidFill>
-                        <a:schemeClr val="tx1"/>
-                      </a:solidFill>
-                      <a:prstDash val="solid"/>
-                      <a:round/>
-                      <a:headEnd type="none" w="med" len="med"/>
-                      <a:tailEnd type="none" w="med" len="med"/>
-                    </a:lnB>
-                  </a:tcPr>
-                </a:tc>
-              </a:tr>
-            </a:tbl>
-          </a:graphicData>
-        </a:graphic>
-      </p:graphicFrame>
       <p:sp>
         <p:nvSpPr>
           <p:cNvPr id="6" name="Rectangle 5"/>
@@ -18453,6 +20722,30 @@
           </a:p>
         </p:txBody>
       </p:sp>
+      <p:pic>
+        <p:nvPicPr>
+          <p:cNvPr id="8" name="Picture 7"/>
+          <p:cNvPicPr>
+            <a:picLocks noChangeAspect="1"/>
+          </p:cNvPicPr>
+          <p:nvPr/>
+        </p:nvPicPr>
+        <p:blipFill>
+          <a:blip r:embed="rId3"/>
+          <a:stretch>
+            <a:fillRect/>
+          </a:stretch>
+        </p:blipFill>
+        <p:spPr>
+          <a:xfrm>
+            <a:off x="6915287" y="1493469"/>
+            <a:ext cx="3305175" cy="4171950"/>
+          </a:xfrm>
+          <a:prstGeom prst="rect">
+            <a:avLst/>
+          </a:prstGeom>
+        </p:spPr>
+      </p:pic>
     </p:spTree>
     <p:extLst>
       <p:ext uri="{BB962C8B-B14F-4D97-AF65-F5344CB8AC3E}">
@@ -18502,7 +20795,7 @@
         </p:nvSpPr>
         <p:spPr>
           <a:xfrm>
-            <a:off x="347662" y="272391"/>
+            <a:off x="157162" y="249436"/>
             <a:ext cx="10414122" cy="1400530"/>
           </a:xfrm>
         </p:spPr>
@@ -18581,10 +20874,6 @@
                 </a:solidFill>
               </a:rPr>
               <a:t>K</a:t>
-            </a:r>
-            <a:r>
-              <a:rPr lang="en-US" sz="3600" dirty="0" smtClean="0"/>
-              <a:t> as a viable export protein</a:t>
             </a:r>
             <a:endParaRPr lang="en-AU" sz="3600" dirty="0"/>
           </a:p>
@@ -18602,8 +20891,8 @@
         </p:nvSpPr>
         <p:spPr>
           <a:xfrm>
-            <a:off x="541094" y="1813598"/>
-            <a:ext cx="7178552" cy="4288264"/>
+            <a:off x="512518" y="1468476"/>
+            <a:ext cx="7764706" cy="4846084"/>
           </a:xfrm>
         </p:spPr>
         <p:txBody>
@@ -18613,45 +20902,114 @@
           <a:lstStyle/>
           <a:p>
             <a:r>
-              <a:rPr lang="en-US" dirty="0" smtClean="0"/>
-              <a:t>hnRNPK predicted to match to the selective exported motif (p=0.0435, via FIMO prediction). </a:t>
-            </a:r>
-            <a:endParaRPr lang="en-US" sz="1200" dirty="0" smtClean="0"/>
-          </a:p>
-          <a:p>
-            <a:pPr marL="457200" lvl="1" indent="0">
-              <a:buNone/>
-            </a:pPr>
-            <a:endParaRPr lang="en-US" sz="1200" dirty="0" smtClean="0"/>
-          </a:p>
-          <a:p>
-            <a:r>
               <a:rPr lang="en-US" dirty="0" err="1" smtClean="0"/>
               <a:t>hnRNPK</a:t>
             </a:r>
             <a:r>
               <a:rPr lang="en-US" dirty="0" smtClean="0"/>
-              <a:t> regulates mRNA metabolism and transport in/from the nucleus. </a:t>
-            </a:r>
-          </a:p>
-          <a:p>
+              <a:t> </a:t>
+            </a:r>
+            <a:r>
+              <a:rPr lang="en-US" dirty="0" smtClean="0"/>
+              <a:t>regulates mRNA metabolism and transport in/from the </a:t>
+            </a:r>
+            <a:r>
+              <a:rPr lang="en-US" dirty="0" smtClean="0"/>
+              <a:t>nucleus in complex with other </a:t>
+            </a:r>
+            <a:r>
+              <a:rPr lang="en-US" dirty="0" err="1" smtClean="0"/>
+              <a:t>hnRNP</a:t>
+            </a:r>
+            <a:r>
+              <a:rPr lang="en-US" dirty="0" smtClean="0"/>
+              <a:t> members and chromatin remodeling.	</a:t>
+            </a:r>
+            <a:r>
+              <a:rPr lang="en-US" sz="1400" dirty="0" smtClean="0"/>
+              <a:t>(Review </a:t>
+            </a:r>
+            <a:r>
+              <a:rPr lang="en-US" sz="1400" dirty="0" err="1" smtClean="0"/>
+              <a:t>Chaudhury</a:t>
+            </a:r>
+            <a:r>
+              <a:rPr lang="en-US" sz="1400" dirty="0" smtClean="0"/>
+              <a:t> 2010)</a:t>
+            </a:r>
+          </a:p>
+          <a:p>
+            <a:endParaRPr lang="en-US" sz="1400" dirty="0" smtClean="0"/>
+          </a:p>
+          <a:p>
+            <a:r>
+              <a:rPr lang="en-US" dirty="0" smtClean="0"/>
+              <a:t>Individual function not fully understood.</a:t>
+            </a:r>
+            <a:r>
+              <a:rPr lang="en-US" dirty="0" smtClean="0"/>
+              <a:t> 								</a:t>
+            </a:r>
             <a:endParaRPr lang="en-US" dirty="0" smtClean="0"/>
           </a:p>
           <a:p>
             <a:r>
               <a:rPr lang="en-US" dirty="0" smtClean="0"/>
-              <a:t>Overexpressed in cancer with aberrant cytoplasmic localization.  						</a:t>
-            </a:r>
-            <a:r>
-              <a:rPr lang="en-US" dirty="0" smtClean="0">
-                <a:solidFill>
-                  <a:srgbClr val="FFFF00"/>
-                </a:solidFill>
-              </a:rPr>
-              <a:t>(REF)</a:t>
-            </a:r>
-          </a:p>
-          <a:p>
+              <a:t>Overexpressed in cancer with aberrant cytoplasmic localization.  		</a:t>
+            </a:r>
+            <a:r>
+              <a:rPr lang="en-US" sz="1400" dirty="0" smtClean="0"/>
+              <a:t>(Wen </a:t>
+            </a:r>
+            <a:r>
+              <a:rPr lang="en-US" sz="1400" i="1" dirty="0" smtClean="0"/>
+              <a:t>et al </a:t>
+            </a:r>
+            <a:r>
+              <a:rPr lang="en-US" sz="1400" dirty="0" smtClean="0"/>
+              <a:t>2010, </a:t>
+            </a:r>
+            <a:r>
+              <a:rPr lang="en-US" sz="1400" dirty="0" err="1" smtClean="0"/>
+              <a:t>Barboro</a:t>
+            </a:r>
+            <a:r>
+              <a:rPr lang="en-US" sz="1400" dirty="0" smtClean="0"/>
+              <a:t> 2014, </a:t>
+            </a:r>
+            <a:r>
+              <a:rPr lang="en-US" sz="1400" dirty="0" err="1" smtClean="0"/>
+              <a:t>Propepper</a:t>
+            </a:r>
+            <a:r>
+              <a:rPr lang="en-US" sz="1400" dirty="0" smtClean="0"/>
+              <a:t> 2011)</a:t>
+            </a:r>
+          </a:p>
+          <a:p>
+            <a:pPr lvl="5"/>
+            <a:endParaRPr lang="en-US" dirty="0" smtClean="0">
+              <a:solidFill>
+                <a:srgbClr val="FFFF00"/>
+              </a:solidFill>
+            </a:endParaRPr>
+          </a:p>
+          <a:p>
+            <a:r>
+              <a:rPr lang="en-US" dirty="0" smtClean="0"/>
+              <a:t>Often the cytoplasmic location of </a:t>
+            </a:r>
+            <a:r>
+              <a:rPr lang="en-US" dirty="0" err="1" smtClean="0"/>
+              <a:t>hnRNPK</a:t>
+            </a:r>
+            <a:r>
+              <a:rPr lang="en-US" dirty="0" smtClean="0"/>
+              <a:t> isn’t clear.</a:t>
+            </a:r>
+          </a:p>
+          <a:p>
+            <a:pPr lvl="8"/>
             <a:endParaRPr lang="en-US" dirty="0" smtClean="0"/>
           </a:p>
           <a:p>
@@ -18770,6 +21128,2152 @@
 </p:sld>
 </file>
 
+<file path=ppt/slides/slide23.xml><?xml version="1.0" encoding="utf-8"?>
+<p:sld xmlns:a="http://schemas.openxmlformats.org/drawingml/2006/main" xmlns:r="http://schemas.openxmlformats.org/officeDocument/2006/relationships" xmlns:p="http://schemas.openxmlformats.org/presentationml/2006/main">
+  <p:cSld>
+    <p:spTree>
+      <p:nvGrpSpPr>
+        <p:cNvPr id="1" name=""/>
+        <p:cNvGrpSpPr/>
+        <p:nvPr/>
+      </p:nvGrpSpPr>
+      <p:grpSpPr>
+        <a:xfrm>
+          <a:off x="0" y="0"/>
+          <a:ext cx="0" cy="0"/>
+          <a:chOff x="0" y="0"/>
+          <a:chExt cx="0" cy="0"/>
+        </a:xfrm>
+      </p:grpSpPr>
+      <p:sp>
+        <p:nvSpPr>
+          <p:cNvPr id="2" name="Title 1"/>
+          <p:cNvSpPr>
+            <a:spLocks noGrp="1"/>
+          </p:cNvSpPr>
+          <p:nvPr>
+            <p:ph type="title"/>
+          </p:nvPr>
+        </p:nvSpPr>
+        <p:spPr/>
+        <p:txBody>
+          <a:bodyPr/>
+          <a:lstStyle/>
+          <a:p>
+            <a:r>
+              <a:rPr lang="en-AU" dirty="0" smtClean="0"/>
+              <a:t>Motif Discovery: MEME</a:t>
+            </a:r>
+            <a:endParaRPr lang="en-AU" dirty="0"/>
+          </a:p>
+        </p:txBody>
+      </p:sp>
+      <p:sp>
+        <p:nvSpPr>
+          <p:cNvPr id="3" name="Content Placeholder 2"/>
+          <p:cNvSpPr>
+            <a:spLocks noGrp="1"/>
+          </p:cNvSpPr>
+          <p:nvPr>
+            <p:ph idx="1"/>
+          </p:nvPr>
+        </p:nvSpPr>
+        <p:spPr>
+          <a:xfrm>
+            <a:off x="646111" y="1548448"/>
+            <a:ext cx="10529889" cy="4195481"/>
+          </a:xfrm>
+        </p:spPr>
+        <p:txBody>
+          <a:bodyPr/>
+          <a:lstStyle/>
+          <a:p>
+            <a:pPr marL="0" indent="0">
+              <a:buNone/>
+            </a:pPr>
+            <a:r>
+              <a:rPr lang="en-AU" dirty="0" smtClean="0"/>
+              <a:t>Unbiased approach to find most similar string of nucleotides in inputted sequences. </a:t>
+            </a:r>
+            <a:endParaRPr lang="en-AU" dirty="0"/>
+          </a:p>
+        </p:txBody>
+      </p:sp>
+      <p:graphicFrame>
+        <p:nvGraphicFramePr>
+          <p:cNvPr id="4" name="Table 3"/>
+          <p:cNvGraphicFramePr>
+            <a:graphicFrameLocks noGrp="1"/>
+          </p:cNvGraphicFramePr>
+          <p:nvPr>
+            <p:extLst>
+              <p:ext uri="{D42A27DB-BD31-4B8C-83A1-F6EECF244321}">
+                <p14:modId xmlns:p14="http://schemas.microsoft.com/office/powerpoint/2010/main" val="3180353812"/>
+              </p:ext>
+            </p:extLst>
+          </p:nvPr>
+        </p:nvGraphicFramePr>
+        <p:xfrm>
+          <a:off x="1063206" y="2129808"/>
+          <a:ext cx="4687889" cy="1112520"/>
+        </p:xfrm>
+        <a:graphic>
+          <a:graphicData uri="http://schemas.openxmlformats.org/drawingml/2006/table">
+            <a:tbl>
+              <a:tblPr firstRow="1" bandRow="1">
+                <a:tableStyleId>{5940675A-B579-460E-94D1-54222C63F5DA}</a:tableStyleId>
+              </a:tblPr>
+              <a:tblGrid>
+                <a:gridCol w="1233489"/>
+                <a:gridCol w="3454400"/>
+              </a:tblGrid>
+              <a:tr h="370840">
+                <a:tc>
+                  <a:txBody>
+                    <a:bodyPr/>
+                    <a:lstStyle/>
+                    <a:p>
+                      <a:r>
+                        <a:rPr lang="en-AU" dirty="0" err="1" smtClean="0"/>
+                        <a:t>Seq</a:t>
+                      </a:r>
+                      <a:r>
+                        <a:rPr lang="en-AU" dirty="0" smtClean="0"/>
+                        <a:t> 1</a:t>
+                      </a:r>
+                      <a:endParaRPr lang="en-AU" dirty="0"/>
+                    </a:p>
+                  </a:txBody>
+                  <a:tcPr/>
+                </a:tc>
+                <a:tc>
+                  <a:txBody>
+                    <a:bodyPr/>
+                    <a:lstStyle/>
+                    <a:p>
+                      <a:r>
+                        <a:rPr lang="en-AU" dirty="0" smtClean="0">
+                          <a:solidFill>
+                            <a:srgbClr val="FF0000"/>
+                          </a:solidFill>
+                        </a:rPr>
+                        <a:t>AUG</a:t>
+                      </a:r>
+                      <a:r>
+                        <a:rPr lang="en-AU" dirty="0" smtClean="0">
+                          <a:solidFill>
+                            <a:schemeClr val="tx1"/>
+                          </a:solidFill>
+                        </a:rPr>
+                        <a:t>CCC</a:t>
+                      </a:r>
+                      <a:endParaRPr lang="en-AU" dirty="0">
+                        <a:solidFill>
+                          <a:schemeClr val="tx1"/>
+                        </a:solidFill>
+                      </a:endParaRPr>
+                    </a:p>
+                  </a:txBody>
+                  <a:tcPr/>
+                </a:tc>
+              </a:tr>
+              <a:tr h="370840">
+                <a:tc>
+                  <a:txBody>
+                    <a:bodyPr/>
+                    <a:lstStyle/>
+                    <a:p>
+                      <a:r>
+                        <a:rPr lang="en-AU" dirty="0" err="1" smtClean="0"/>
+                        <a:t>Seq</a:t>
+                      </a:r>
+                      <a:r>
+                        <a:rPr lang="en-AU" dirty="0" smtClean="0"/>
+                        <a:t> 2</a:t>
+                      </a:r>
+                      <a:endParaRPr lang="en-AU" dirty="0"/>
+                    </a:p>
+                  </a:txBody>
+                  <a:tcPr/>
+                </a:tc>
+                <a:tc>
+                  <a:txBody>
+                    <a:bodyPr/>
+                    <a:lstStyle/>
+                    <a:p>
+                      <a:r>
+                        <a:rPr lang="en-AU" dirty="0" smtClean="0"/>
+                        <a:t>CC</a:t>
+                      </a:r>
+                      <a:r>
+                        <a:rPr lang="en-AU" dirty="0" smtClean="0">
+                          <a:solidFill>
+                            <a:srgbClr val="FF0000"/>
+                          </a:solidFill>
+                        </a:rPr>
+                        <a:t>CGA</a:t>
+                      </a:r>
+                      <a:r>
+                        <a:rPr lang="en-AU" dirty="0" smtClean="0">
+                          <a:solidFill>
+                            <a:schemeClr val="tx1"/>
+                          </a:solidFill>
+                        </a:rPr>
+                        <a:t>G</a:t>
+                      </a:r>
+                    </a:p>
+                  </a:txBody>
+                  <a:tcPr/>
+                </a:tc>
+              </a:tr>
+              <a:tr h="370840">
+                <a:tc>
+                  <a:txBody>
+                    <a:bodyPr/>
+                    <a:lstStyle/>
+                    <a:p>
+                      <a:r>
+                        <a:rPr lang="en-AU" dirty="0" err="1" smtClean="0"/>
+                        <a:t>Seq</a:t>
+                      </a:r>
+                      <a:r>
+                        <a:rPr lang="en-AU" dirty="0" smtClean="0"/>
+                        <a:t> 3</a:t>
+                      </a:r>
+                      <a:endParaRPr lang="en-AU" dirty="0"/>
+                    </a:p>
+                  </a:txBody>
+                  <a:tcPr/>
+                </a:tc>
+                <a:tc>
+                  <a:txBody>
+                    <a:bodyPr/>
+                    <a:lstStyle/>
+                    <a:p>
+                      <a:r>
+                        <a:rPr lang="en-AU" dirty="0" smtClean="0"/>
+                        <a:t>CCC</a:t>
+                      </a:r>
+                      <a:r>
+                        <a:rPr lang="en-AU" dirty="0" smtClean="0">
+                          <a:solidFill>
+                            <a:srgbClr val="FF0000"/>
+                          </a:solidFill>
+                        </a:rPr>
+                        <a:t>UGU</a:t>
+                      </a:r>
+                      <a:endParaRPr lang="en-AU" dirty="0"/>
+                    </a:p>
+                  </a:txBody>
+                  <a:tcPr/>
+                </a:tc>
+              </a:tr>
+            </a:tbl>
+          </a:graphicData>
+        </a:graphic>
+      </p:graphicFrame>
+      <p:sp>
+        <p:nvSpPr>
+          <p:cNvPr id="5" name="TextBox 4"/>
+          <p:cNvSpPr txBox="1"/>
+          <p:nvPr/>
+        </p:nvSpPr>
+        <p:spPr>
+          <a:xfrm>
+            <a:off x="6095999" y="2129808"/>
+            <a:ext cx="5342021" cy="1754326"/>
+          </a:xfrm>
+          <a:prstGeom prst="rect">
+            <a:avLst/>
+          </a:prstGeom>
+          <a:noFill/>
+        </p:spPr>
+        <p:txBody>
+          <a:bodyPr wrap="square" rtlCol="0">
+            <a:spAutoFit/>
+          </a:bodyPr>
+          <a:lstStyle/>
+          <a:p>
+            <a:pPr marL="342900" indent="-342900">
+              <a:buAutoNum type="arabicPeriod"/>
+            </a:pPr>
+            <a:r>
+              <a:rPr lang="en-AU" dirty="0" smtClean="0"/>
+              <a:t>Assign randomly positions (red)</a:t>
+            </a:r>
+          </a:p>
+          <a:p>
+            <a:pPr marL="342900" indent="-342900">
+              <a:buAutoNum type="arabicPeriod"/>
+            </a:pPr>
+            <a:r>
+              <a:rPr lang="en-AU" dirty="0" smtClean="0"/>
+              <a:t>Where are these positions?</a:t>
+            </a:r>
+          </a:p>
+          <a:p>
+            <a:pPr marL="342900" indent="-342900">
+              <a:buAutoNum type="arabicPeriod"/>
+            </a:pPr>
+            <a:r>
+              <a:rPr lang="en-AU" dirty="0" smtClean="0"/>
+              <a:t>How well do these match? </a:t>
+            </a:r>
+          </a:p>
+          <a:p>
+            <a:pPr marL="342900" indent="-342900">
+              <a:buAutoNum type="arabicPeriod"/>
+            </a:pPr>
+            <a:r>
+              <a:rPr lang="en-AU" dirty="0" smtClean="0"/>
+              <a:t>Does this positions match the expectation?</a:t>
+            </a:r>
+          </a:p>
+          <a:p>
+            <a:pPr marL="342900" indent="-342900">
+              <a:buAutoNum type="arabicPeriod"/>
+            </a:pPr>
+            <a:r>
+              <a:rPr lang="en-AU" dirty="0" smtClean="0"/>
+              <a:t>Maximise the positions. </a:t>
+            </a:r>
+          </a:p>
+          <a:p>
+            <a:r>
+              <a:rPr lang="en-AU" dirty="0"/>
+              <a:t> </a:t>
+            </a:r>
+          </a:p>
+        </p:txBody>
+      </p:sp>
+      <p:sp>
+        <p:nvSpPr>
+          <p:cNvPr id="6" name="TextBox 5"/>
+          <p:cNvSpPr txBox="1"/>
+          <p:nvPr/>
+        </p:nvSpPr>
+        <p:spPr>
+          <a:xfrm>
+            <a:off x="1063205" y="3334222"/>
+            <a:ext cx="4687889" cy="369332"/>
+          </a:xfrm>
+          <a:prstGeom prst="rect">
+            <a:avLst/>
+          </a:prstGeom>
+          <a:noFill/>
+        </p:spPr>
+        <p:txBody>
+          <a:bodyPr wrap="square" rtlCol="0">
+            <a:spAutoFit/>
+          </a:bodyPr>
+          <a:lstStyle/>
+          <a:p>
+            <a:r>
+              <a:rPr lang="en-AU" dirty="0" smtClean="0"/>
+              <a:t>Background: A 0.25 U 0.25 G 0.25 C 0.25</a:t>
+            </a:r>
+            <a:endParaRPr lang="en-AU" dirty="0"/>
+          </a:p>
+        </p:txBody>
+      </p:sp>
+      <p:graphicFrame>
+        <p:nvGraphicFramePr>
+          <p:cNvPr id="7" name="Table 6"/>
+          <p:cNvGraphicFramePr>
+            <a:graphicFrameLocks noGrp="1"/>
+          </p:cNvGraphicFramePr>
+          <p:nvPr>
+            <p:extLst>
+              <p:ext uri="{D42A27DB-BD31-4B8C-83A1-F6EECF244321}">
+                <p14:modId xmlns:p14="http://schemas.microsoft.com/office/powerpoint/2010/main" val="3451325066"/>
+              </p:ext>
+            </p:extLst>
+          </p:nvPr>
+        </p:nvGraphicFramePr>
+        <p:xfrm>
+          <a:off x="3406857" y="4057230"/>
+          <a:ext cx="2554707" cy="2425416"/>
+        </p:xfrm>
+        <a:graphic>
+          <a:graphicData uri="http://schemas.openxmlformats.org/drawingml/2006/table">
+            <a:tbl>
+              <a:tblPr firstRow="1" bandRow="1">
+                <a:tableStyleId>{5940675A-B579-460E-94D1-54222C63F5DA}</a:tableStyleId>
+              </a:tblPr>
+              <a:tblGrid>
+                <a:gridCol w="882315"/>
+                <a:gridCol w="557464"/>
+                <a:gridCol w="557464"/>
+                <a:gridCol w="557464"/>
+              </a:tblGrid>
+              <a:tr h="0">
+                <a:tc>
+                  <a:txBody>
+                    <a:bodyPr/>
+                    <a:lstStyle/>
+                    <a:p>
+                      <a:r>
+                        <a:rPr lang="en-AU" dirty="0" smtClean="0"/>
+                        <a:t>2.</a:t>
+                      </a:r>
+                      <a:endParaRPr lang="en-AU" dirty="0"/>
+                    </a:p>
+                  </a:txBody>
+                  <a:tcPr/>
+                </a:tc>
+                <a:tc>
+                  <a:txBody>
+                    <a:bodyPr/>
+                    <a:lstStyle/>
+                    <a:p>
+                      <a:r>
+                        <a:rPr lang="en-AU" dirty="0" smtClean="0"/>
+                        <a:t>1</a:t>
+                      </a:r>
+                      <a:endParaRPr lang="en-AU" dirty="0"/>
+                    </a:p>
+                  </a:txBody>
+                  <a:tcPr/>
+                </a:tc>
+                <a:tc>
+                  <a:txBody>
+                    <a:bodyPr/>
+                    <a:lstStyle/>
+                    <a:p>
+                      <a:r>
+                        <a:rPr lang="en-AU" dirty="0" smtClean="0"/>
+                        <a:t>2</a:t>
+                      </a:r>
+                      <a:endParaRPr lang="en-AU" dirty="0"/>
+                    </a:p>
+                  </a:txBody>
+                  <a:tcPr/>
+                </a:tc>
+                <a:tc>
+                  <a:txBody>
+                    <a:bodyPr/>
+                    <a:lstStyle/>
+                    <a:p>
+                      <a:r>
+                        <a:rPr lang="en-AU" dirty="0" smtClean="0"/>
+                        <a:t>3</a:t>
+                      </a:r>
+                      <a:endParaRPr lang="en-AU" dirty="0"/>
+                    </a:p>
+                  </a:txBody>
+                  <a:tcPr/>
+                </a:tc>
+              </a:tr>
+              <a:tr h="514914">
+                <a:tc>
+                  <a:txBody>
+                    <a:bodyPr/>
+                    <a:lstStyle/>
+                    <a:p>
+                      <a:r>
+                        <a:rPr lang="en-AU" dirty="0" smtClean="0"/>
+                        <a:t>A</a:t>
+                      </a:r>
+                      <a:endParaRPr lang="en-AU" dirty="0"/>
+                    </a:p>
+                  </a:txBody>
+                  <a:tcPr/>
+                </a:tc>
+                <a:tc>
+                  <a:txBody>
+                    <a:bodyPr/>
+                    <a:lstStyle/>
+                    <a:p>
+                      <a:r>
+                        <a:rPr lang="en-AU" dirty="0" smtClean="0"/>
+                        <a:t>1</a:t>
+                      </a:r>
+                      <a:endParaRPr lang="en-AU" dirty="0"/>
+                    </a:p>
+                  </a:txBody>
+                  <a:tcPr/>
+                </a:tc>
+                <a:tc>
+                  <a:txBody>
+                    <a:bodyPr/>
+                    <a:lstStyle/>
+                    <a:p>
+                      <a:r>
+                        <a:rPr lang="en-AU" dirty="0" smtClean="0"/>
+                        <a:t>0</a:t>
+                      </a:r>
+                      <a:endParaRPr lang="en-AU" dirty="0"/>
+                    </a:p>
+                  </a:txBody>
+                  <a:tcPr/>
+                </a:tc>
+                <a:tc>
+                  <a:txBody>
+                    <a:bodyPr/>
+                    <a:lstStyle/>
+                    <a:p>
+                      <a:r>
+                        <a:rPr lang="en-AU" dirty="0" smtClean="0"/>
+                        <a:t>1</a:t>
+                      </a:r>
+                      <a:endParaRPr lang="en-AU" dirty="0"/>
+                    </a:p>
+                  </a:txBody>
+                  <a:tcPr/>
+                </a:tc>
+              </a:tr>
+              <a:tr h="514914">
+                <a:tc>
+                  <a:txBody>
+                    <a:bodyPr/>
+                    <a:lstStyle/>
+                    <a:p>
+                      <a:r>
+                        <a:rPr lang="en-AU" dirty="0" smtClean="0"/>
+                        <a:t>U</a:t>
+                      </a:r>
+                      <a:endParaRPr lang="en-AU" dirty="0"/>
+                    </a:p>
+                  </a:txBody>
+                  <a:tcPr/>
+                </a:tc>
+                <a:tc>
+                  <a:txBody>
+                    <a:bodyPr/>
+                    <a:lstStyle/>
+                    <a:p>
+                      <a:r>
+                        <a:rPr lang="en-AU" dirty="0" smtClean="0"/>
+                        <a:t>1</a:t>
+                      </a:r>
+                      <a:endParaRPr lang="en-AU" dirty="0"/>
+                    </a:p>
+                  </a:txBody>
+                  <a:tcPr/>
+                </a:tc>
+                <a:tc>
+                  <a:txBody>
+                    <a:bodyPr/>
+                    <a:lstStyle/>
+                    <a:p>
+                      <a:r>
+                        <a:rPr lang="en-AU" dirty="0" smtClean="0"/>
+                        <a:t>1</a:t>
+                      </a:r>
+                      <a:endParaRPr lang="en-AU" dirty="0"/>
+                    </a:p>
+                  </a:txBody>
+                  <a:tcPr/>
+                </a:tc>
+                <a:tc>
+                  <a:txBody>
+                    <a:bodyPr/>
+                    <a:lstStyle/>
+                    <a:p>
+                      <a:r>
+                        <a:rPr lang="en-AU" dirty="0" smtClean="0"/>
+                        <a:t>1</a:t>
+                      </a:r>
+                      <a:endParaRPr lang="en-AU" dirty="0"/>
+                    </a:p>
+                  </a:txBody>
+                  <a:tcPr/>
+                </a:tc>
+              </a:tr>
+              <a:tr h="514914">
+                <a:tc>
+                  <a:txBody>
+                    <a:bodyPr/>
+                    <a:lstStyle/>
+                    <a:p>
+                      <a:r>
+                        <a:rPr lang="en-AU" dirty="0" smtClean="0"/>
+                        <a:t>G</a:t>
+                      </a:r>
+                      <a:endParaRPr lang="en-AU" dirty="0"/>
+                    </a:p>
+                  </a:txBody>
+                  <a:tcPr/>
+                </a:tc>
+                <a:tc>
+                  <a:txBody>
+                    <a:bodyPr/>
+                    <a:lstStyle/>
+                    <a:p>
+                      <a:r>
+                        <a:rPr lang="en-AU" dirty="0" smtClean="0"/>
+                        <a:t>0</a:t>
+                      </a:r>
+                      <a:endParaRPr lang="en-AU" dirty="0"/>
+                    </a:p>
+                  </a:txBody>
+                  <a:tcPr/>
+                </a:tc>
+                <a:tc>
+                  <a:txBody>
+                    <a:bodyPr/>
+                    <a:lstStyle/>
+                    <a:p>
+                      <a:r>
+                        <a:rPr lang="en-AU" dirty="0" smtClean="0"/>
+                        <a:t>2</a:t>
+                      </a:r>
+                      <a:endParaRPr lang="en-AU" dirty="0"/>
+                    </a:p>
+                  </a:txBody>
+                  <a:tcPr/>
+                </a:tc>
+                <a:tc>
+                  <a:txBody>
+                    <a:bodyPr/>
+                    <a:lstStyle/>
+                    <a:p>
+                      <a:r>
+                        <a:rPr lang="en-AU" dirty="0" smtClean="0"/>
+                        <a:t>1</a:t>
+                      </a:r>
+                      <a:endParaRPr lang="en-AU" dirty="0"/>
+                    </a:p>
+                  </a:txBody>
+                  <a:tcPr/>
+                </a:tc>
+              </a:tr>
+              <a:tr h="514914">
+                <a:tc>
+                  <a:txBody>
+                    <a:bodyPr/>
+                    <a:lstStyle/>
+                    <a:p>
+                      <a:r>
+                        <a:rPr lang="en-AU" dirty="0" smtClean="0"/>
+                        <a:t>C</a:t>
+                      </a:r>
+                      <a:endParaRPr lang="en-AU" dirty="0"/>
+                    </a:p>
+                  </a:txBody>
+                  <a:tcPr/>
+                </a:tc>
+                <a:tc>
+                  <a:txBody>
+                    <a:bodyPr/>
+                    <a:lstStyle/>
+                    <a:p>
+                      <a:r>
+                        <a:rPr lang="en-AU" dirty="0" smtClean="0"/>
+                        <a:t>1</a:t>
+                      </a:r>
+                      <a:endParaRPr lang="en-AU" dirty="0"/>
+                    </a:p>
+                  </a:txBody>
+                  <a:tcPr/>
+                </a:tc>
+                <a:tc>
+                  <a:txBody>
+                    <a:bodyPr/>
+                    <a:lstStyle/>
+                    <a:p>
+                      <a:r>
+                        <a:rPr lang="en-AU" dirty="0" smtClean="0"/>
+                        <a:t>0</a:t>
+                      </a:r>
+                      <a:endParaRPr lang="en-AU" dirty="0"/>
+                    </a:p>
+                  </a:txBody>
+                  <a:tcPr/>
+                </a:tc>
+                <a:tc>
+                  <a:txBody>
+                    <a:bodyPr/>
+                    <a:lstStyle/>
+                    <a:p>
+                      <a:r>
+                        <a:rPr lang="en-AU" dirty="0" smtClean="0"/>
+                        <a:t>0</a:t>
+                      </a:r>
+                      <a:endParaRPr lang="en-AU" dirty="0"/>
+                    </a:p>
+                  </a:txBody>
+                  <a:tcPr/>
+                </a:tc>
+              </a:tr>
+            </a:tbl>
+          </a:graphicData>
+        </a:graphic>
+      </p:graphicFrame>
+      <p:graphicFrame>
+        <p:nvGraphicFramePr>
+          <p:cNvPr id="8" name="Table 7"/>
+          <p:cNvGraphicFramePr>
+            <a:graphicFrameLocks noGrp="1"/>
+          </p:cNvGraphicFramePr>
+          <p:nvPr>
+            <p:extLst>
+              <p:ext uri="{D42A27DB-BD31-4B8C-83A1-F6EECF244321}">
+                <p14:modId xmlns:p14="http://schemas.microsoft.com/office/powerpoint/2010/main" val="3632514973"/>
+              </p:ext>
+            </p:extLst>
+          </p:nvPr>
+        </p:nvGraphicFramePr>
+        <p:xfrm>
+          <a:off x="6223584" y="4000290"/>
+          <a:ext cx="2346744" cy="2429125"/>
+        </p:xfrm>
+        <a:graphic>
+          <a:graphicData uri="http://schemas.openxmlformats.org/drawingml/2006/table">
+            <a:tbl>
+              <a:tblPr firstRow="1" bandRow="1">
+                <a:tableStyleId>{5940675A-B579-460E-94D1-54222C63F5DA}</a:tableStyleId>
+              </a:tblPr>
+              <a:tblGrid>
+                <a:gridCol w="782248"/>
+                <a:gridCol w="782248"/>
+                <a:gridCol w="782248"/>
+              </a:tblGrid>
+              <a:tr h="485825">
+                <a:tc>
+                  <a:txBody>
+                    <a:bodyPr/>
+                    <a:lstStyle/>
+                    <a:p>
+                      <a:r>
+                        <a:rPr lang="en-AU" dirty="0" smtClean="0"/>
+                        <a:t>1</a:t>
+                      </a:r>
+                      <a:endParaRPr lang="en-AU" dirty="0"/>
+                    </a:p>
+                  </a:txBody>
+                  <a:tcPr/>
+                </a:tc>
+                <a:tc>
+                  <a:txBody>
+                    <a:bodyPr/>
+                    <a:lstStyle/>
+                    <a:p>
+                      <a:r>
+                        <a:rPr lang="en-AU" dirty="0" smtClean="0"/>
+                        <a:t>2</a:t>
+                      </a:r>
+                      <a:endParaRPr lang="en-AU" dirty="0"/>
+                    </a:p>
+                  </a:txBody>
+                  <a:tcPr/>
+                </a:tc>
+                <a:tc>
+                  <a:txBody>
+                    <a:bodyPr/>
+                    <a:lstStyle/>
+                    <a:p>
+                      <a:r>
+                        <a:rPr lang="en-AU" dirty="0" smtClean="0"/>
+                        <a:t>3</a:t>
+                      </a:r>
+                      <a:endParaRPr lang="en-AU" dirty="0"/>
+                    </a:p>
+                  </a:txBody>
+                  <a:tcPr/>
+                </a:tc>
+              </a:tr>
+              <a:tr h="485825">
+                <a:tc>
+                  <a:txBody>
+                    <a:bodyPr/>
+                    <a:lstStyle/>
+                    <a:p>
+                      <a:r>
+                        <a:rPr lang="en-AU" dirty="0" smtClean="0"/>
+                        <a:t>0.33</a:t>
+                      </a:r>
+                      <a:endParaRPr lang="en-AU" dirty="0"/>
+                    </a:p>
+                  </a:txBody>
+                  <a:tcPr/>
+                </a:tc>
+                <a:tc>
+                  <a:txBody>
+                    <a:bodyPr/>
+                    <a:lstStyle/>
+                    <a:p>
+                      <a:r>
+                        <a:rPr lang="en-AU" dirty="0" smtClean="0"/>
+                        <a:t>0</a:t>
+                      </a:r>
+                      <a:endParaRPr lang="en-AU" dirty="0"/>
+                    </a:p>
+                  </a:txBody>
+                  <a:tcPr/>
+                </a:tc>
+                <a:tc>
+                  <a:txBody>
+                    <a:bodyPr/>
+                    <a:lstStyle/>
+                    <a:p>
+                      <a:r>
+                        <a:rPr lang="en-AU" dirty="0" smtClean="0"/>
+                        <a:t>0.33</a:t>
+                      </a:r>
+                      <a:endParaRPr lang="en-AU" dirty="0"/>
+                    </a:p>
+                  </a:txBody>
+                  <a:tcPr/>
+                </a:tc>
+              </a:tr>
+              <a:tr h="485825">
+                <a:tc>
+                  <a:txBody>
+                    <a:bodyPr/>
+                    <a:lstStyle/>
+                    <a:p>
+                      <a:r>
+                        <a:rPr lang="en-AU" dirty="0" smtClean="0"/>
+                        <a:t>0.33</a:t>
+                      </a:r>
+                      <a:endParaRPr lang="en-AU" dirty="0"/>
+                    </a:p>
+                  </a:txBody>
+                  <a:tcPr/>
+                </a:tc>
+                <a:tc>
+                  <a:txBody>
+                    <a:bodyPr/>
+                    <a:lstStyle/>
+                    <a:p>
+                      <a:r>
+                        <a:rPr lang="en-AU" dirty="0" smtClean="0"/>
+                        <a:t>0.33</a:t>
+                      </a:r>
+                      <a:endParaRPr lang="en-AU" dirty="0"/>
+                    </a:p>
+                  </a:txBody>
+                  <a:tcPr/>
+                </a:tc>
+                <a:tc>
+                  <a:txBody>
+                    <a:bodyPr/>
+                    <a:lstStyle/>
+                    <a:p>
+                      <a:r>
+                        <a:rPr lang="en-AU" dirty="0" smtClean="0"/>
+                        <a:t>0.33</a:t>
+                      </a:r>
+                      <a:endParaRPr lang="en-AU" dirty="0"/>
+                    </a:p>
+                  </a:txBody>
+                  <a:tcPr/>
+                </a:tc>
+              </a:tr>
+              <a:tr h="485825">
+                <a:tc>
+                  <a:txBody>
+                    <a:bodyPr/>
+                    <a:lstStyle/>
+                    <a:p>
+                      <a:r>
+                        <a:rPr lang="en-AU" dirty="0" smtClean="0"/>
+                        <a:t>0</a:t>
+                      </a:r>
+                      <a:endParaRPr lang="en-AU" dirty="0"/>
+                    </a:p>
+                  </a:txBody>
+                  <a:tcPr/>
+                </a:tc>
+                <a:tc>
+                  <a:txBody>
+                    <a:bodyPr/>
+                    <a:lstStyle/>
+                    <a:p>
+                      <a:r>
+                        <a:rPr lang="en-AU" dirty="0" smtClean="0"/>
+                        <a:t>0.66</a:t>
+                      </a:r>
+                      <a:endParaRPr lang="en-AU" dirty="0"/>
+                    </a:p>
+                  </a:txBody>
+                  <a:tcPr/>
+                </a:tc>
+                <a:tc>
+                  <a:txBody>
+                    <a:bodyPr/>
+                    <a:lstStyle/>
+                    <a:p>
+                      <a:r>
+                        <a:rPr lang="en-AU" dirty="0" smtClean="0"/>
+                        <a:t>0.33</a:t>
+                      </a:r>
+                      <a:endParaRPr lang="en-AU" dirty="0"/>
+                    </a:p>
+                  </a:txBody>
+                  <a:tcPr/>
+                </a:tc>
+              </a:tr>
+              <a:tr h="485825">
+                <a:tc>
+                  <a:txBody>
+                    <a:bodyPr/>
+                    <a:lstStyle/>
+                    <a:p>
+                      <a:r>
+                        <a:rPr lang="en-AU" dirty="0" smtClean="0"/>
+                        <a:t>0.33</a:t>
+                      </a:r>
+                      <a:endParaRPr lang="en-AU" dirty="0"/>
+                    </a:p>
+                  </a:txBody>
+                  <a:tcPr/>
+                </a:tc>
+                <a:tc>
+                  <a:txBody>
+                    <a:bodyPr/>
+                    <a:lstStyle/>
+                    <a:p>
+                      <a:r>
+                        <a:rPr lang="en-AU" dirty="0" smtClean="0"/>
+                        <a:t>0</a:t>
+                      </a:r>
+                      <a:endParaRPr lang="en-AU" dirty="0"/>
+                    </a:p>
+                  </a:txBody>
+                  <a:tcPr/>
+                </a:tc>
+                <a:tc>
+                  <a:txBody>
+                    <a:bodyPr/>
+                    <a:lstStyle/>
+                    <a:p>
+                      <a:r>
+                        <a:rPr lang="en-AU" dirty="0" smtClean="0"/>
+                        <a:t>0</a:t>
+                      </a:r>
+                      <a:endParaRPr lang="en-AU" dirty="0"/>
+                    </a:p>
+                  </a:txBody>
+                  <a:tcPr/>
+                </a:tc>
+              </a:tr>
+            </a:tbl>
+          </a:graphicData>
+        </a:graphic>
+      </p:graphicFrame>
+      <p:sp>
+        <p:nvSpPr>
+          <p:cNvPr id="9" name="TextBox 8"/>
+          <p:cNvSpPr txBox="1"/>
+          <p:nvPr/>
+        </p:nvSpPr>
+        <p:spPr>
+          <a:xfrm>
+            <a:off x="8711745" y="4465494"/>
+            <a:ext cx="3336170" cy="923330"/>
+          </a:xfrm>
+          <a:prstGeom prst="rect">
+            <a:avLst/>
+          </a:prstGeom>
+          <a:noFill/>
+        </p:spPr>
+        <p:txBody>
+          <a:bodyPr wrap="none" rtlCol="0">
+            <a:spAutoFit/>
+          </a:bodyPr>
+          <a:lstStyle/>
+          <a:p>
+            <a:r>
+              <a:rPr lang="en-AU" dirty="0" smtClean="0"/>
+              <a:t>AUG = 0.33*0.33*0.33= 0.035</a:t>
+            </a:r>
+          </a:p>
+          <a:p>
+            <a:r>
+              <a:rPr lang="en-AU" dirty="0" smtClean="0"/>
+              <a:t>CGA = 0.33*0.66*0.33= 0.071</a:t>
+            </a:r>
+          </a:p>
+          <a:p>
+            <a:r>
+              <a:rPr lang="en-AU" dirty="0" smtClean="0"/>
+              <a:t>UGU= 0.33*0.33*0.33= 0.035</a:t>
+            </a:r>
+            <a:endParaRPr lang="en-AU" dirty="0"/>
+          </a:p>
+        </p:txBody>
+      </p:sp>
+      <p:graphicFrame>
+        <p:nvGraphicFramePr>
+          <p:cNvPr id="10" name="Table 9"/>
+          <p:cNvGraphicFramePr>
+            <a:graphicFrameLocks noGrp="1"/>
+          </p:cNvGraphicFramePr>
+          <p:nvPr>
+            <p:extLst>
+              <p:ext uri="{D42A27DB-BD31-4B8C-83A1-F6EECF244321}">
+                <p14:modId xmlns:p14="http://schemas.microsoft.com/office/powerpoint/2010/main" val="2691858222"/>
+              </p:ext>
+            </p:extLst>
+          </p:nvPr>
+        </p:nvGraphicFramePr>
+        <p:xfrm>
+          <a:off x="668252" y="4000290"/>
+          <a:ext cx="2476585" cy="2482356"/>
+        </p:xfrm>
+        <a:graphic>
+          <a:graphicData uri="http://schemas.openxmlformats.org/drawingml/2006/table">
+            <a:tbl>
+              <a:tblPr firstRow="1" bandRow="1">
+                <a:tableStyleId>{5940675A-B579-460E-94D1-54222C63F5DA}</a:tableStyleId>
+              </a:tblPr>
+              <a:tblGrid>
+                <a:gridCol w="495317"/>
+                <a:gridCol w="495317"/>
+                <a:gridCol w="495317"/>
+                <a:gridCol w="495317"/>
+                <a:gridCol w="495317"/>
+              </a:tblGrid>
+              <a:tr h="620589">
+                <a:tc>
+                  <a:txBody>
+                    <a:bodyPr/>
+                    <a:lstStyle/>
+                    <a:p>
+                      <a:r>
+                        <a:rPr lang="en-AU" dirty="0" smtClean="0"/>
+                        <a:t>1.</a:t>
+                      </a:r>
+                      <a:endParaRPr lang="en-AU" dirty="0"/>
+                    </a:p>
+                  </a:txBody>
+                  <a:tcPr/>
+                </a:tc>
+                <a:tc>
+                  <a:txBody>
+                    <a:bodyPr/>
+                    <a:lstStyle/>
+                    <a:p>
+                      <a:r>
+                        <a:rPr lang="en-AU" dirty="0" smtClean="0"/>
+                        <a:t>p1</a:t>
+                      </a:r>
+                      <a:endParaRPr lang="en-AU" dirty="0"/>
+                    </a:p>
+                  </a:txBody>
+                  <a:tcPr/>
+                </a:tc>
+                <a:tc>
+                  <a:txBody>
+                    <a:bodyPr/>
+                    <a:lstStyle/>
+                    <a:p>
+                      <a:r>
+                        <a:rPr lang="en-AU" dirty="0" smtClean="0"/>
+                        <a:t>p2</a:t>
+                      </a:r>
+                      <a:endParaRPr lang="en-AU" dirty="0"/>
+                    </a:p>
+                  </a:txBody>
+                  <a:tcPr/>
+                </a:tc>
+                <a:tc>
+                  <a:txBody>
+                    <a:bodyPr/>
+                    <a:lstStyle/>
+                    <a:p>
+                      <a:r>
+                        <a:rPr lang="en-AU" dirty="0" smtClean="0"/>
+                        <a:t>p3</a:t>
+                      </a:r>
+                      <a:endParaRPr lang="en-AU" dirty="0"/>
+                    </a:p>
+                  </a:txBody>
+                  <a:tcPr/>
+                </a:tc>
+                <a:tc>
+                  <a:txBody>
+                    <a:bodyPr/>
+                    <a:lstStyle/>
+                    <a:p>
+                      <a:r>
+                        <a:rPr lang="en-AU" dirty="0" smtClean="0"/>
+                        <a:t>P4</a:t>
+                      </a:r>
+                      <a:endParaRPr lang="en-AU" dirty="0"/>
+                    </a:p>
+                  </a:txBody>
+                  <a:tcPr/>
+                </a:tc>
+              </a:tr>
+              <a:tr h="620589">
+                <a:tc>
+                  <a:txBody>
+                    <a:bodyPr/>
+                    <a:lstStyle/>
+                    <a:p>
+                      <a:r>
+                        <a:rPr lang="en-AU" dirty="0" smtClean="0"/>
+                        <a:t>S1</a:t>
+                      </a:r>
+                      <a:endParaRPr lang="en-AU" dirty="0"/>
+                    </a:p>
+                  </a:txBody>
+                  <a:tcPr/>
+                </a:tc>
+                <a:tc>
+                  <a:txBody>
+                    <a:bodyPr/>
+                    <a:lstStyle/>
+                    <a:p>
+                      <a:r>
+                        <a:rPr lang="en-AU" dirty="0" smtClean="0"/>
+                        <a:t>1</a:t>
+                      </a:r>
+                      <a:endParaRPr lang="en-AU" dirty="0"/>
+                    </a:p>
+                  </a:txBody>
+                  <a:tcPr/>
+                </a:tc>
+                <a:tc>
+                  <a:txBody>
+                    <a:bodyPr/>
+                    <a:lstStyle/>
+                    <a:p>
+                      <a:r>
+                        <a:rPr lang="en-AU" dirty="0" smtClean="0"/>
+                        <a:t>0</a:t>
+                      </a:r>
+                      <a:endParaRPr lang="en-AU" dirty="0"/>
+                    </a:p>
+                  </a:txBody>
+                  <a:tcPr/>
+                </a:tc>
+                <a:tc>
+                  <a:txBody>
+                    <a:bodyPr/>
+                    <a:lstStyle/>
+                    <a:p>
+                      <a:r>
+                        <a:rPr lang="en-AU" dirty="0" smtClean="0"/>
+                        <a:t>0</a:t>
+                      </a:r>
+                      <a:endParaRPr lang="en-AU" dirty="0"/>
+                    </a:p>
+                  </a:txBody>
+                  <a:tcPr/>
+                </a:tc>
+                <a:tc>
+                  <a:txBody>
+                    <a:bodyPr/>
+                    <a:lstStyle/>
+                    <a:p>
+                      <a:r>
+                        <a:rPr lang="en-AU" dirty="0" smtClean="0"/>
+                        <a:t>0</a:t>
+                      </a:r>
+                      <a:endParaRPr lang="en-AU" dirty="0"/>
+                    </a:p>
+                  </a:txBody>
+                  <a:tcPr/>
+                </a:tc>
+              </a:tr>
+              <a:tr h="620589">
+                <a:tc>
+                  <a:txBody>
+                    <a:bodyPr/>
+                    <a:lstStyle/>
+                    <a:p>
+                      <a:r>
+                        <a:rPr lang="en-AU" dirty="0" smtClean="0"/>
+                        <a:t>S2</a:t>
+                      </a:r>
+                      <a:endParaRPr lang="en-AU" dirty="0"/>
+                    </a:p>
+                  </a:txBody>
+                  <a:tcPr/>
+                </a:tc>
+                <a:tc>
+                  <a:txBody>
+                    <a:bodyPr/>
+                    <a:lstStyle/>
+                    <a:p>
+                      <a:r>
+                        <a:rPr lang="en-AU" dirty="0" smtClean="0"/>
+                        <a:t>0</a:t>
+                      </a:r>
+                      <a:endParaRPr lang="en-AU" dirty="0"/>
+                    </a:p>
+                  </a:txBody>
+                  <a:tcPr/>
+                </a:tc>
+                <a:tc>
+                  <a:txBody>
+                    <a:bodyPr/>
+                    <a:lstStyle/>
+                    <a:p>
+                      <a:r>
+                        <a:rPr lang="en-AU" dirty="0" smtClean="0"/>
+                        <a:t>0</a:t>
+                      </a:r>
+                      <a:endParaRPr lang="en-AU" dirty="0"/>
+                    </a:p>
+                  </a:txBody>
+                  <a:tcPr/>
+                </a:tc>
+                <a:tc>
+                  <a:txBody>
+                    <a:bodyPr/>
+                    <a:lstStyle/>
+                    <a:p>
+                      <a:r>
+                        <a:rPr lang="en-AU" dirty="0" smtClean="0"/>
+                        <a:t>1</a:t>
+                      </a:r>
+                      <a:endParaRPr lang="en-AU" dirty="0"/>
+                    </a:p>
+                  </a:txBody>
+                  <a:tcPr/>
+                </a:tc>
+                <a:tc>
+                  <a:txBody>
+                    <a:bodyPr/>
+                    <a:lstStyle/>
+                    <a:p>
+                      <a:r>
+                        <a:rPr lang="en-AU" dirty="0" smtClean="0"/>
+                        <a:t>0</a:t>
+                      </a:r>
+                      <a:endParaRPr lang="en-AU" dirty="0"/>
+                    </a:p>
+                  </a:txBody>
+                  <a:tcPr/>
+                </a:tc>
+              </a:tr>
+              <a:tr h="620589">
+                <a:tc>
+                  <a:txBody>
+                    <a:bodyPr/>
+                    <a:lstStyle/>
+                    <a:p>
+                      <a:r>
+                        <a:rPr lang="en-AU" dirty="0" smtClean="0"/>
+                        <a:t>S3</a:t>
+                      </a:r>
+                      <a:endParaRPr lang="en-AU" dirty="0"/>
+                    </a:p>
+                  </a:txBody>
+                  <a:tcPr/>
+                </a:tc>
+                <a:tc>
+                  <a:txBody>
+                    <a:bodyPr/>
+                    <a:lstStyle/>
+                    <a:p>
+                      <a:r>
+                        <a:rPr lang="en-AU" dirty="0" smtClean="0"/>
+                        <a:t>0</a:t>
+                      </a:r>
+                      <a:endParaRPr lang="en-AU" dirty="0"/>
+                    </a:p>
+                  </a:txBody>
+                  <a:tcPr/>
+                </a:tc>
+                <a:tc>
+                  <a:txBody>
+                    <a:bodyPr/>
+                    <a:lstStyle/>
+                    <a:p>
+                      <a:r>
+                        <a:rPr lang="en-AU" dirty="0" smtClean="0"/>
+                        <a:t>0</a:t>
+                      </a:r>
+                      <a:endParaRPr lang="en-AU" dirty="0"/>
+                    </a:p>
+                  </a:txBody>
+                  <a:tcPr/>
+                </a:tc>
+                <a:tc>
+                  <a:txBody>
+                    <a:bodyPr/>
+                    <a:lstStyle/>
+                    <a:p>
+                      <a:r>
+                        <a:rPr lang="en-AU" dirty="0" smtClean="0"/>
+                        <a:t>0</a:t>
+                      </a:r>
+                      <a:endParaRPr lang="en-AU" dirty="0"/>
+                    </a:p>
+                  </a:txBody>
+                  <a:tcPr/>
+                </a:tc>
+                <a:tc>
+                  <a:txBody>
+                    <a:bodyPr/>
+                    <a:lstStyle/>
+                    <a:p>
+                      <a:r>
+                        <a:rPr lang="en-AU" dirty="0" smtClean="0"/>
+                        <a:t>1</a:t>
+                      </a:r>
+                      <a:endParaRPr lang="en-AU" dirty="0"/>
+                    </a:p>
+                  </a:txBody>
+                  <a:tcPr/>
+                </a:tc>
+              </a:tr>
+            </a:tbl>
+          </a:graphicData>
+        </a:graphic>
+      </p:graphicFrame>
+    </p:spTree>
+    <p:extLst>
+      <p:ext uri="{BB962C8B-B14F-4D97-AF65-F5344CB8AC3E}">
+        <p14:creationId xmlns:p14="http://schemas.microsoft.com/office/powerpoint/2010/main" val="3568978425"/>
+      </p:ext>
+    </p:extLst>
+  </p:cSld>
+  <p:clrMapOvr>
+    <a:masterClrMapping/>
+  </p:clrMapOvr>
+</p:sld>
+</file>
+
+<file path=ppt/slides/slide24.xml><?xml version="1.0" encoding="utf-8"?>
+<p:sld xmlns:a="http://schemas.openxmlformats.org/drawingml/2006/main" xmlns:r="http://schemas.openxmlformats.org/officeDocument/2006/relationships" xmlns:p="http://schemas.openxmlformats.org/presentationml/2006/main">
+  <p:cSld>
+    <p:spTree>
+      <p:nvGrpSpPr>
+        <p:cNvPr id="1" name=""/>
+        <p:cNvGrpSpPr/>
+        <p:nvPr/>
+      </p:nvGrpSpPr>
+      <p:grpSpPr>
+        <a:xfrm>
+          <a:off x="0" y="0"/>
+          <a:ext cx="0" cy="0"/>
+          <a:chOff x="0" y="0"/>
+          <a:chExt cx="0" cy="0"/>
+        </a:xfrm>
+      </p:grpSpPr>
+      <p:sp>
+        <p:nvSpPr>
+          <p:cNvPr id="2" name="Title 1"/>
+          <p:cNvSpPr>
+            <a:spLocks noGrp="1"/>
+          </p:cNvSpPr>
+          <p:nvPr>
+            <p:ph type="title"/>
+          </p:nvPr>
+        </p:nvSpPr>
+        <p:spPr/>
+        <p:txBody>
+          <a:bodyPr/>
+          <a:lstStyle/>
+          <a:p>
+            <a:r>
+              <a:rPr lang="en-AU" dirty="0" smtClean="0"/>
+              <a:t>DESeq2 pipeline:</a:t>
+            </a:r>
+            <a:endParaRPr lang="en-AU" dirty="0"/>
+          </a:p>
+        </p:txBody>
+      </p:sp>
+      <p:graphicFrame>
+        <p:nvGraphicFramePr>
+          <p:cNvPr id="4" name="Diagram 3"/>
+          <p:cNvGraphicFramePr/>
+          <p:nvPr>
+            <p:extLst>
+              <p:ext uri="{D42A27DB-BD31-4B8C-83A1-F6EECF244321}">
+                <p14:modId xmlns:p14="http://schemas.microsoft.com/office/powerpoint/2010/main" val="1293761334"/>
+              </p:ext>
+            </p:extLst>
+          </p:nvPr>
+        </p:nvGraphicFramePr>
+        <p:xfrm>
+          <a:off x="1310105" y="1379621"/>
+          <a:ext cx="9582484" cy="2721364"/>
+        </p:xfrm>
+        <a:graphic>
+          <a:graphicData uri="http://schemas.openxmlformats.org/drawingml/2006/diagram">
+            <dgm:relIds xmlns:dgm="http://schemas.openxmlformats.org/drawingml/2006/diagram" xmlns:r="http://schemas.openxmlformats.org/officeDocument/2006/relationships" r:dm="rId3" r:lo="rId4" r:qs="rId5" r:cs="rId6"/>
+          </a:graphicData>
+        </a:graphic>
+      </p:graphicFrame>
+      <p:pic>
+        <p:nvPicPr>
+          <p:cNvPr id="6" name="Picture 5"/>
+          <p:cNvPicPr>
+            <a:picLocks noChangeAspect="1"/>
+          </p:cNvPicPr>
+          <p:nvPr/>
+        </p:nvPicPr>
+        <p:blipFill>
+          <a:blip r:embed="rId8"/>
+          <a:stretch>
+            <a:fillRect/>
+          </a:stretch>
+        </p:blipFill>
+        <p:spPr>
+          <a:xfrm>
+            <a:off x="1550736" y="3862605"/>
+            <a:ext cx="2061411" cy="2061411"/>
+          </a:xfrm>
+          <a:prstGeom prst="rect">
+            <a:avLst/>
+          </a:prstGeom>
+        </p:spPr>
+      </p:pic>
+      <p:sp>
+        <p:nvSpPr>
+          <p:cNvPr id="7" name="TextBox 6"/>
+          <p:cNvSpPr txBox="1"/>
+          <p:nvPr/>
+        </p:nvSpPr>
+        <p:spPr>
+          <a:xfrm>
+            <a:off x="1992978" y="4658556"/>
+            <a:ext cx="1176925" cy="369332"/>
+          </a:xfrm>
+          <a:prstGeom prst="rect">
+            <a:avLst/>
+          </a:prstGeom>
+          <a:noFill/>
+        </p:spPr>
+        <p:txBody>
+          <a:bodyPr wrap="none" rtlCol="0">
+            <a:spAutoFit/>
+          </a:bodyPr>
+          <a:lstStyle/>
+          <a:p>
+            <a:r>
+              <a:rPr lang="en-AU" b="1" dirty="0" smtClean="0">
+                <a:solidFill>
+                  <a:schemeClr val="bg1"/>
+                </a:solidFill>
+              </a:rPr>
+              <a:t>PCA plot</a:t>
+            </a:r>
+            <a:endParaRPr lang="en-AU" b="1" dirty="0">
+              <a:solidFill>
+                <a:schemeClr val="bg1"/>
+              </a:solidFill>
+            </a:endParaRPr>
+          </a:p>
+        </p:txBody>
+      </p:sp>
+      <p:sp>
+        <p:nvSpPr>
+          <p:cNvPr id="8" name="Oval 7"/>
+          <p:cNvSpPr/>
+          <p:nvPr/>
+        </p:nvSpPr>
+        <p:spPr>
+          <a:xfrm rot="1960017">
+            <a:off x="1854085" y="4380626"/>
+            <a:ext cx="1604211" cy="335820"/>
+          </a:xfrm>
+          <a:prstGeom prst="ellipse">
+            <a:avLst/>
+          </a:prstGeom>
+          <a:noFill/>
+          <a:ln>
+            <a:solidFill>
+              <a:srgbClr val="FF0000"/>
+            </a:solidFill>
+          </a:ln>
+        </p:spPr>
+        <p:style>
+          <a:lnRef idx="2">
+            <a:schemeClr val="accent1">
+              <a:shade val="50000"/>
+            </a:schemeClr>
+          </a:lnRef>
+          <a:fillRef idx="1">
+            <a:schemeClr val="accent1"/>
+          </a:fillRef>
+          <a:effectRef idx="0">
+            <a:schemeClr val="accent1"/>
+          </a:effectRef>
+          <a:fontRef idx="minor">
+            <a:schemeClr val="lt1"/>
+          </a:fontRef>
+        </p:style>
+        <p:txBody>
+          <a:bodyPr rtlCol="0" anchor="ctr"/>
+          <a:lstStyle/>
+          <a:p>
+            <a:pPr algn="ctr"/>
+            <a:endParaRPr lang="en-AU"/>
+          </a:p>
+        </p:txBody>
+      </p:sp>
+      <p:sp>
+        <p:nvSpPr>
+          <p:cNvPr id="9" name="Oval 8"/>
+          <p:cNvSpPr/>
+          <p:nvPr/>
+        </p:nvSpPr>
+        <p:spPr>
+          <a:xfrm>
+            <a:off x="1671100" y="4260580"/>
+            <a:ext cx="368969" cy="1265460"/>
+          </a:xfrm>
+          <a:prstGeom prst="ellipse">
+            <a:avLst/>
+          </a:prstGeom>
+          <a:noFill/>
+          <a:ln>
+            <a:solidFill>
+              <a:srgbClr val="0070C0"/>
+            </a:solidFill>
+          </a:ln>
+        </p:spPr>
+        <p:style>
+          <a:lnRef idx="2">
+            <a:schemeClr val="accent1">
+              <a:shade val="50000"/>
+            </a:schemeClr>
+          </a:lnRef>
+          <a:fillRef idx="1">
+            <a:schemeClr val="accent1"/>
+          </a:fillRef>
+          <a:effectRef idx="0">
+            <a:schemeClr val="accent1"/>
+          </a:effectRef>
+          <a:fontRef idx="minor">
+            <a:schemeClr val="lt1"/>
+          </a:fontRef>
+        </p:style>
+        <p:txBody>
+          <a:bodyPr rtlCol="0" anchor="ctr"/>
+          <a:lstStyle/>
+          <a:p>
+            <a:pPr algn="ctr"/>
+            <a:endParaRPr lang="en-AU"/>
+          </a:p>
+        </p:txBody>
+      </p:sp>
+      <p:pic>
+        <p:nvPicPr>
+          <p:cNvPr id="1026" name="Picture 2" descr="Image result for negative binomial rna seq"/>
+          <p:cNvPicPr>
+            <a:picLocks noChangeAspect="1" noChangeArrowheads="1"/>
+          </p:cNvPicPr>
+          <p:nvPr/>
+        </p:nvPicPr>
+        <p:blipFill>
+          <a:blip r:embed="rId9" cstate="print">
+            <a:extLst>
+              <a:ext uri="{28A0092B-C50C-407E-A947-70E740481C1C}">
+                <a14:useLocalDpi xmlns:a14="http://schemas.microsoft.com/office/drawing/2010/main" val="0"/>
+              </a:ext>
+            </a:extLst>
+          </a:blip>
+          <a:srcRect/>
+          <a:stretch>
+            <a:fillRect/>
+          </a:stretch>
+        </p:blipFill>
+        <p:spPr bwMode="auto">
+          <a:xfrm>
+            <a:off x="5034968" y="3756078"/>
+            <a:ext cx="2167938" cy="2167938"/>
+          </a:xfrm>
+          <a:prstGeom prst="rect">
+            <a:avLst/>
+          </a:prstGeom>
+          <a:noFill/>
+          <a:extLst>
+            <a:ext uri="{909E8E84-426E-40DD-AFC4-6F175D3DCCD1}">
+              <a14:hiddenFill xmlns:a14="http://schemas.microsoft.com/office/drawing/2010/main">
+                <a:solidFill>
+                  <a:srgbClr val="FFFFFF"/>
+                </a:solidFill>
+              </a14:hiddenFill>
+            </a:ext>
+          </a:extLst>
+        </p:spPr>
+      </p:pic>
+      <p:pic>
+        <p:nvPicPr>
+          <p:cNvPr id="11" name="Picture 10"/>
+          <p:cNvPicPr>
+            <a:picLocks noChangeAspect="1"/>
+          </p:cNvPicPr>
+          <p:nvPr/>
+        </p:nvPicPr>
+        <p:blipFill rotWithShape="1">
+          <a:blip r:embed="rId10"/>
+          <a:srcRect l="14377" t="1841" r="-14377" b="59127"/>
+          <a:stretch/>
+        </p:blipFill>
+        <p:spPr>
+          <a:xfrm>
+            <a:off x="7986827" y="3926627"/>
+            <a:ext cx="4750604" cy="1158661"/>
+          </a:xfrm>
+          <a:prstGeom prst="rect">
+            <a:avLst/>
+          </a:prstGeom>
+        </p:spPr>
+      </p:pic>
+    </p:spTree>
+    <p:extLst>
+      <p:ext uri="{BB962C8B-B14F-4D97-AF65-F5344CB8AC3E}">
+        <p14:creationId xmlns:p14="http://schemas.microsoft.com/office/powerpoint/2010/main" val="3403283028"/>
+      </p:ext>
+    </p:extLst>
+  </p:cSld>
+  <p:clrMapOvr>
+    <a:masterClrMapping/>
+  </p:clrMapOvr>
+</p:sld>
+</file>
+
+<file path=ppt/slides/slide25.xml><?xml version="1.0" encoding="utf-8"?>
+<p:sld xmlns:a="http://schemas.openxmlformats.org/drawingml/2006/main" xmlns:r="http://schemas.openxmlformats.org/officeDocument/2006/relationships" xmlns:p="http://schemas.openxmlformats.org/presentationml/2006/main">
+  <p:cSld>
+    <p:spTree>
+      <p:nvGrpSpPr>
+        <p:cNvPr id="1" name=""/>
+        <p:cNvGrpSpPr/>
+        <p:nvPr/>
+      </p:nvGrpSpPr>
+      <p:grpSpPr>
+        <a:xfrm>
+          <a:off x="0" y="0"/>
+          <a:ext cx="0" cy="0"/>
+          <a:chOff x="0" y="0"/>
+          <a:chExt cx="0" cy="0"/>
+        </a:xfrm>
+      </p:grpSpPr>
+      <p:sp>
+        <p:nvSpPr>
+          <p:cNvPr id="2" name="Title 1"/>
+          <p:cNvSpPr>
+            <a:spLocks noGrp="1"/>
+          </p:cNvSpPr>
+          <p:nvPr>
+            <p:ph type="title"/>
+          </p:nvPr>
+        </p:nvSpPr>
+        <p:spPr/>
+        <p:txBody>
+          <a:bodyPr/>
+          <a:lstStyle/>
+          <a:p>
+            <a:r>
+              <a:rPr lang="en-AU" sz="3600" dirty="0" smtClean="0"/>
+              <a:t>Lipid rafts, </a:t>
+            </a:r>
+            <a:r>
+              <a:rPr lang="en-AU" sz="3600" dirty="0" err="1" smtClean="0"/>
+              <a:t>caveolin</a:t>
+            </a:r>
+            <a:r>
+              <a:rPr lang="en-AU" sz="3600" dirty="0" smtClean="0"/>
+              <a:t>, cavin-1 and </a:t>
+            </a:r>
+            <a:r>
+              <a:rPr lang="en-AU" sz="3600" dirty="0" err="1" smtClean="0"/>
+              <a:t>hnRNPK</a:t>
+            </a:r>
+            <a:endParaRPr lang="en-AU" sz="3600" dirty="0"/>
+          </a:p>
+        </p:txBody>
+      </p:sp>
+      <p:pic>
+        <p:nvPicPr>
+          <p:cNvPr id="4" name="Picture 6"/>
+          <p:cNvPicPr>
+            <a:picLocks noChangeAspect="1" noChangeArrowheads="1"/>
+          </p:cNvPicPr>
+          <p:nvPr/>
+        </p:nvPicPr>
+        <p:blipFill>
+          <a:blip r:embed="rId2" cstate="print"/>
+          <a:srcRect t="2091"/>
+          <a:stretch>
+            <a:fillRect/>
+          </a:stretch>
+        </p:blipFill>
+        <p:spPr bwMode="auto">
+          <a:xfrm>
+            <a:off x="6688090" y="1448484"/>
+            <a:ext cx="3742471" cy="3501008"/>
+          </a:xfrm>
+          <a:prstGeom prst="rect">
+            <a:avLst/>
+          </a:prstGeom>
+          <a:noFill/>
+          <a:ln w="9525">
+            <a:noFill/>
+            <a:miter lim="800000"/>
+            <a:headEnd/>
+            <a:tailEnd/>
+          </a:ln>
+        </p:spPr>
+      </p:pic>
+      <p:pic>
+        <p:nvPicPr>
+          <p:cNvPr id="5" name="Picture 5"/>
+          <p:cNvPicPr>
+            <a:picLocks noChangeAspect="1" noChangeArrowheads="1"/>
+          </p:cNvPicPr>
+          <p:nvPr/>
+        </p:nvPicPr>
+        <p:blipFill>
+          <a:blip r:embed="rId3" cstate="print"/>
+          <a:srcRect b="3747"/>
+          <a:stretch>
+            <a:fillRect/>
+          </a:stretch>
+        </p:blipFill>
+        <p:spPr bwMode="auto">
+          <a:xfrm>
+            <a:off x="1144413" y="2047990"/>
+            <a:ext cx="3743452" cy="1849846"/>
+          </a:xfrm>
+          <a:prstGeom prst="rect">
+            <a:avLst/>
+          </a:prstGeom>
+          <a:noFill/>
+          <a:ln w="9525">
+            <a:noFill/>
+            <a:miter lim="800000"/>
+            <a:headEnd/>
+            <a:tailEnd/>
+          </a:ln>
+        </p:spPr>
+      </p:pic>
+      <p:cxnSp>
+        <p:nvCxnSpPr>
+          <p:cNvPr id="8" name="Straight Arrow Connector 7"/>
+          <p:cNvCxnSpPr/>
+          <p:nvPr/>
+        </p:nvCxnSpPr>
+        <p:spPr>
+          <a:xfrm>
+            <a:off x="4700337" y="3198988"/>
+            <a:ext cx="2342147" cy="0"/>
+          </a:xfrm>
+          <a:prstGeom prst="straightConnector1">
+            <a:avLst/>
+          </a:prstGeom>
+          <a:ln w="57150">
+            <a:solidFill>
+              <a:srgbClr val="FF0000"/>
+            </a:solidFill>
+            <a:tailEnd type="triangle"/>
+          </a:ln>
+        </p:spPr>
+        <p:style>
+          <a:lnRef idx="1">
+            <a:schemeClr val="accent1"/>
+          </a:lnRef>
+          <a:fillRef idx="0">
+            <a:schemeClr val="accent1"/>
+          </a:fillRef>
+          <a:effectRef idx="0">
+            <a:schemeClr val="accent1"/>
+          </a:effectRef>
+          <a:fontRef idx="minor">
+            <a:schemeClr val="tx1"/>
+          </a:fontRef>
+        </p:style>
+      </p:cxnSp>
+      <p:sp>
+        <p:nvSpPr>
+          <p:cNvPr id="9" name="TextBox 8"/>
+          <p:cNvSpPr txBox="1"/>
+          <p:nvPr/>
+        </p:nvSpPr>
+        <p:spPr>
+          <a:xfrm>
+            <a:off x="5200625" y="2829656"/>
+            <a:ext cx="1189749" cy="369332"/>
+          </a:xfrm>
+          <a:prstGeom prst="rect">
+            <a:avLst/>
+          </a:prstGeom>
+          <a:noFill/>
+        </p:spPr>
+        <p:txBody>
+          <a:bodyPr wrap="none" rtlCol="0">
+            <a:spAutoFit/>
+          </a:bodyPr>
+          <a:lstStyle/>
+          <a:p>
+            <a:r>
+              <a:rPr lang="en-AU" dirty="0" smtClean="0"/>
+              <a:t>+Cavin-1</a:t>
+            </a:r>
+            <a:endParaRPr lang="en-AU" dirty="0"/>
+          </a:p>
+        </p:txBody>
+      </p:sp>
+      <p:sp>
+        <p:nvSpPr>
+          <p:cNvPr id="10" name="Arc 9"/>
+          <p:cNvSpPr/>
+          <p:nvPr/>
+        </p:nvSpPr>
+        <p:spPr>
+          <a:xfrm>
+            <a:off x="4405604" y="3198988"/>
+            <a:ext cx="1610185" cy="1549475"/>
+          </a:xfrm>
+          <a:prstGeom prst="arc">
+            <a:avLst/>
+          </a:prstGeom>
+          <a:ln w="38100">
+            <a:solidFill>
+              <a:srgbClr val="FF0000"/>
+            </a:solidFill>
+            <a:headEnd type="none" w="med" len="med"/>
+            <a:tailEnd type="arrow" w="med" len="med"/>
+          </a:ln>
+        </p:spPr>
+        <p:style>
+          <a:lnRef idx="1">
+            <a:schemeClr val="accent1"/>
+          </a:lnRef>
+          <a:fillRef idx="0">
+            <a:schemeClr val="accent1"/>
+          </a:fillRef>
+          <a:effectRef idx="0">
+            <a:schemeClr val="accent1"/>
+          </a:effectRef>
+          <a:fontRef idx="minor">
+            <a:schemeClr val="tx1"/>
+          </a:fontRef>
+        </p:style>
+        <p:txBody>
+          <a:bodyPr rtlCol="0" anchor="ctr"/>
+          <a:lstStyle/>
+          <a:p>
+            <a:pPr algn="ctr"/>
+            <a:endParaRPr lang="en-AU"/>
+          </a:p>
+        </p:txBody>
+      </p:sp>
+      <p:sp>
+        <p:nvSpPr>
+          <p:cNvPr id="11" name="TextBox 10"/>
+          <p:cNvSpPr txBox="1"/>
+          <p:nvPr/>
+        </p:nvSpPr>
+        <p:spPr>
+          <a:xfrm>
+            <a:off x="5020048" y="3973725"/>
+            <a:ext cx="1728358" cy="923330"/>
+          </a:xfrm>
+          <a:prstGeom prst="rect">
+            <a:avLst/>
+          </a:prstGeom>
+          <a:noFill/>
+        </p:spPr>
+        <p:txBody>
+          <a:bodyPr wrap="none" rtlCol="0">
+            <a:spAutoFit/>
+          </a:bodyPr>
+          <a:lstStyle/>
+          <a:p>
+            <a:r>
+              <a:rPr lang="en-AU" dirty="0" smtClean="0"/>
+              <a:t>-- Cholesterol </a:t>
+            </a:r>
+          </a:p>
+          <a:p>
+            <a:r>
+              <a:rPr lang="en-AU" dirty="0" smtClean="0"/>
+              <a:t>-- associated </a:t>
+            </a:r>
+          </a:p>
+          <a:p>
+            <a:r>
+              <a:rPr lang="en-AU" dirty="0" smtClean="0"/>
+              <a:t>proteins</a:t>
+            </a:r>
+            <a:endParaRPr lang="en-AU" dirty="0"/>
+          </a:p>
+        </p:txBody>
+      </p:sp>
+      <p:pic>
+        <p:nvPicPr>
+          <p:cNvPr id="12" name="Picture 11"/>
+          <p:cNvPicPr>
+            <a:picLocks noChangeAspect="1"/>
+          </p:cNvPicPr>
+          <p:nvPr/>
+        </p:nvPicPr>
+        <p:blipFill>
+          <a:blip r:embed="rId4"/>
+          <a:stretch>
+            <a:fillRect/>
+          </a:stretch>
+        </p:blipFill>
+        <p:spPr>
+          <a:xfrm>
+            <a:off x="4887865" y="5014615"/>
+            <a:ext cx="1800225" cy="1419225"/>
+          </a:xfrm>
+          <a:prstGeom prst="rect">
+            <a:avLst/>
+          </a:prstGeom>
+        </p:spPr>
+      </p:pic>
+      <p:sp>
+        <p:nvSpPr>
+          <p:cNvPr id="13" name="TextBox 12"/>
+          <p:cNvSpPr txBox="1"/>
+          <p:nvPr/>
+        </p:nvSpPr>
+        <p:spPr>
+          <a:xfrm>
+            <a:off x="4700337" y="6404111"/>
+            <a:ext cx="5447325" cy="369332"/>
+          </a:xfrm>
+          <a:prstGeom prst="rect">
+            <a:avLst/>
+          </a:prstGeom>
+          <a:noFill/>
+        </p:spPr>
+        <p:txBody>
+          <a:bodyPr wrap="none" rtlCol="0">
+            <a:spAutoFit/>
+          </a:bodyPr>
+          <a:lstStyle/>
+          <a:p>
+            <a:r>
+              <a:rPr lang="en-AU" dirty="0" smtClean="0"/>
+              <a:t>Proteins modified in lipid rafts between cell lines</a:t>
+            </a:r>
+            <a:endParaRPr lang="en-AU" dirty="0"/>
+          </a:p>
+        </p:txBody>
+      </p:sp>
+      <p:sp>
+        <p:nvSpPr>
+          <p:cNvPr id="14" name="TextBox 13"/>
+          <p:cNvSpPr txBox="1"/>
+          <p:nvPr/>
+        </p:nvSpPr>
+        <p:spPr>
+          <a:xfrm>
+            <a:off x="340780" y="4253702"/>
+            <a:ext cx="4585504" cy="2308324"/>
+          </a:xfrm>
+          <a:prstGeom prst="rect">
+            <a:avLst/>
+          </a:prstGeom>
+          <a:noFill/>
+        </p:spPr>
+        <p:txBody>
+          <a:bodyPr wrap="square" rtlCol="0">
+            <a:spAutoFit/>
+          </a:bodyPr>
+          <a:lstStyle/>
+          <a:p>
+            <a:pPr marL="285750" indent="-285750">
+              <a:buFont typeface="Arial" panose="020B0604020202020204" pitchFamily="34" charset="0"/>
+              <a:buChar char="•"/>
+            </a:pPr>
+            <a:r>
+              <a:rPr lang="en-AU" dirty="0" smtClean="0"/>
+              <a:t>Lipid rafts contained in EVs</a:t>
+            </a:r>
+          </a:p>
+          <a:p>
+            <a:pPr marL="3028950" lvl="6" indent="-285750">
+              <a:buFont typeface="Arial" panose="020B0604020202020204" pitchFamily="34" charset="0"/>
+              <a:buChar char="•"/>
+            </a:pPr>
+            <a:endParaRPr lang="en-AU" dirty="0" smtClean="0"/>
+          </a:p>
+          <a:p>
+            <a:pPr marL="285750" indent="-285750">
+              <a:buFont typeface="Arial" panose="020B0604020202020204" pitchFamily="34" charset="0"/>
+              <a:buChar char="•"/>
+            </a:pPr>
+            <a:r>
+              <a:rPr lang="en-AU" dirty="0" err="1" smtClean="0"/>
+              <a:t>hnRNPK</a:t>
+            </a:r>
+            <a:r>
+              <a:rPr lang="en-AU" dirty="0" smtClean="0"/>
+              <a:t> is a known lipid raft protein</a:t>
+            </a:r>
+          </a:p>
+          <a:p>
+            <a:pPr marL="285750" indent="-285750">
+              <a:buFont typeface="Arial" panose="020B0604020202020204" pitchFamily="34" charset="0"/>
+              <a:buChar char="•"/>
+            </a:pPr>
+            <a:endParaRPr lang="en-AU" dirty="0" smtClean="0"/>
+          </a:p>
+          <a:p>
+            <a:pPr marL="285750" indent="-285750">
+              <a:buFont typeface="Arial" panose="020B0604020202020204" pitchFamily="34" charset="0"/>
+              <a:buChar char="•"/>
+            </a:pPr>
+            <a:r>
+              <a:rPr lang="en-AU" dirty="0" smtClean="0"/>
+              <a:t>Cavin-1 also modified the amount of </a:t>
+            </a:r>
+            <a:r>
+              <a:rPr lang="en-AU" dirty="0" err="1" smtClean="0"/>
+              <a:t>hnRNPK</a:t>
+            </a:r>
+            <a:r>
+              <a:rPr lang="en-AU" dirty="0" smtClean="0"/>
+              <a:t> in lipid rafts, may include EV lipid rafts??</a:t>
+            </a:r>
+          </a:p>
+          <a:p>
+            <a:endParaRPr lang="en-AU" dirty="0"/>
+          </a:p>
+        </p:txBody>
+      </p:sp>
+      <p:sp>
+        <p:nvSpPr>
+          <p:cNvPr id="15" name="TextBox 14"/>
+          <p:cNvSpPr txBox="1"/>
+          <p:nvPr/>
+        </p:nvSpPr>
+        <p:spPr>
+          <a:xfrm>
+            <a:off x="1144413" y="1669666"/>
+            <a:ext cx="1427747" cy="369332"/>
+          </a:xfrm>
+          <a:prstGeom prst="rect">
+            <a:avLst/>
+          </a:prstGeom>
+          <a:noFill/>
+        </p:spPr>
+        <p:txBody>
+          <a:bodyPr wrap="square" rtlCol="0">
+            <a:spAutoFit/>
+          </a:bodyPr>
+          <a:lstStyle/>
+          <a:p>
+            <a:r>
+              <a:rPr lang="en-AU" dirty="0" smtClean="0"/>
+              <a:t>PC3 cells</a:t>
+            </a:r>
+            <a:endParaRPr lang="en-AU" dirty="0"/>
+          </a:p>
+        </p:txBody>
+      </p:sp>
+      <p:sp>
+        <p:nvSpPr>
+          <p:cNvPr id="16" name="TextBox 15"/>
+          <p:cNvSpPr txBox="1"/>
+          <p:nvPr/>
+        </p:nvSpPr>
+        <p:spPr>
+          <a:xfrm>
+            <a:off x="6688090" y="1088854"/>
+            <a:ext cx="2151551" cy="369332"/>
+          </a:xfrm>
+          <a:prstGeom prst="rect">
+            <a:avLst/>
+          </a:prstGeom>
+          <a:noFill/>
+        </p:spPr>
+        <p:txBody>
+          <a:bodyPr wrap="none" rtlCol="0">
+            <a:spAutoFit/>
+          </a:bodyPr>
+          <a:lstStyle/>
+          <a:p>
+            <a:r>
+              <a:rPr lang="en-AU" dirty="0" smtClean="0"/>
+              <a:t>PC3- cavin-1 cells</a:t>
+            </a:r>
+            <a:endParaRPr lang="en-AU" dirty="0"/>
+          </a:p>
+        </p:txBody>
+      </p:sp>
+    </p:spTree>
+    <p:extLst>
+      <p:ext uri="{BB962C8B-B14F-4D97-AF65-F5344CB8AC3E}">
+        <p14:creationId xmlns:p14="http://schemas.microsoft.com/office/powerpoint/2010/main" val="425286803"/>
+      </p:ext>
+    </p:extLst>
+  </p:cSld>
+  <p:clrMapOvr>
+    <a:masterClrMapping/>
+  </p:clrMapOvr>
+</p:sld>
+</file>
+
+<file path=ppt/slides/slide26.xml><?xml version="1.0" encoding="utf-8"?>
+<p:sld xmlns:a="http://schemas.openxmlformats.org/drawingml/2006/main" xmlns:r="http://schemas.openxmlformats.org/officeDocument/2006/relationships" xmlns:p="http://schemas.openxmlformats.org/presentationml/2006/main">
+  <p:cSld>
+    <p:spTree>
+      <p:nvGrpSpPr>
+        <p:cNvPr id="1" name=""/>
+        <p:cNvGrpSpPr/>
+        <p:nvPr/>
+      </p:nvGrpSpPr>
+      <p:grpSpPr>
+        <a:xfrm>
+          <a:off x="0" y="0"/>
+          <a:ext cx="0" cy="0"/>
+          <a:chOff x="0" y="0"/>
+          <a:chExt cx="0" cy="0"/>
+        </a:xfrm>
+      </p:grpSpPr>
+      <p:sp>
+        <p:nvSpPr>
+          <p:cNvPr id="2" name="Title 1"/>
+          <p:cNvSpPr>
+            <a:spLocks noGrp="1"/>
+          </p:cNvSpPr>
+          <p:nvPr>
+            <p:ph type="title"/>
+          </p:nvPr>
+        </p:nvSpPr>
+        <p:spPr/>
+        <p:txBody>
+          <a:bodyPr/>
+          <a:lstStyle/>
+          <a:p>
+            <a:r>
+              <a:rPr lang="en-AU" dirty="0" smtClean="0"/>
+              <a:t>MicroRNA biogenesis and Function:</a:t>
+            </a:r>
+            <a:endParaRPr lang="en-AU" dirty="0"/>
+          </a:p>
+        </p:txBody>
+      </p:sp>
+      <p:sp>
+        <p:nvSpPr>
+          <p:cNvPr id="3" name="Content Placeholder 2"/>
+          <p:cNvSpPr>
+            <a:spLocks noGrp="1"/>
+          </p:cNvSpPr>
+          <p:nvPr>
+            <p:ph idx="1"/>
+          </p:nvPr>
+        </p:nvSpPr>
+        <p:spPr/>
+        <p:txBody>
+          <a:bodyPr/>
+          <a:lstStyle/>
+          <a:p>
+            <a:endParaRPr lang="en-AU"/>
+          </a:p>
+        </p:txBody>
+      </p:sp>
+    </p:spTree>
+    <p:extLst>
+      <p:ext uri="{BB962C8B-B14F-4D97-AF65-F5344CB8AC3E}">
+        <p14:creationId xmlns:p14="http://schemas.microsoft.com/office/powerpoint/2010/main" val="1385724607"/>
+      </p:ext>
+    </p:extLst>
+  </p:cSld>
+  <p:clrMapOvr>
+    <a:masterClrMapping/>
+  </p:clrMapOvr>
+</p:sld>
+</file>
+
 <file path=ppt/slides/slide3.xml><?xml version="1.0" encoding="utf-8"?>
 <p:sld xmlns:a="http://schemas.openxmlformats.org/drawingml/2006/main" xmlns:r="http://schemas.openxmlformats.org/officeDocument/2006/relationships" xmlns:p="http://schemas.openxmlformats.org/presentationml/2006/main">
   <p:cSld>
@@ -18828,7 +23332,7 @@
         </p:spPr>
         <p:txBody>
           <a:bodyPr>
-            <a:normAutofit fontScale="92500"/>
+            <a:normAutofit fontScale="92500" lnSpcReduction="10000"/>
           </a:bodyPr>
           <a:lstStyle/>
           <a:p>
@@ -18843,7 +23347,19 @@
             </a:pPr>
             <a:r>
               <a:rPr lang="en-AU" dirty="0" smtClean="0"/>
-              <a:t>(Freeman 2012)</a:t>
+              <a:t>(</a:t>
+            </a:r>
+            <a:r>
+              <a:rPr lang="en-AU" dirty="0" smtClean="0"/>
+              <a:t>Freeman </a:t>
+            </a:r>
+            <a:r>
+              <a:rPr lang="en-AU" i="1" dirty="0" smtClean="0"/>
+              <a:t>et al </a:t>
+            </a:r>
+            <a:r>
+              <a:rPr lang="en-AU" dirty="0" smtClean="0"/>
+              <a:t>2012)</a:t>
             </a:r>
           </a:p>
           <a:p>
@@ -18861,23 +23377,45 @@
               <a:rPr lang="en-AU" dirty="0"/>
               <a:t>with cavin-1 in healthy cells. </a:t>
             </a:r>
-            <a:endParaRPr lang="en-AU" dirty="0" smtClean="0"/>
-          </a:p>
-          <a:p>
-            <a:pPr marL="3657600" lvl="8" indent="0">
-              <a:buNone/>
-            </a:pPr>
+            <a:r>
+              <a:rPr lang="en-AU" dirty="0"/>
+              <a:t>	</a:t>
+            </a:r>
             <a:r>
               <a:rPr lang="en-AU" dirty="0" smtClean="0"/>
+              <a:t>							</a:t>
+            </a:r>
+            <a:r>
+              <a:rPr lang="en-AU" sz="1200" dirty="0" smtClean="0"/>
               <a:t>(</a:t>
             </a:r>
             <a:r>
-              <a:rPr lang="en-AU" dirty="0" err="1" smtClean="0"/>
+              <a:rPr lang="en-AU" sz="1200" dirty="0" err="1" smtClean="0"/>
               <a:t>Inder</a:t>
             </a:r>
             <a:r>
-              <a:rPr lang="en-AU" dirty="0" smtClean="0"/>
-              <a:t> 2012, Moon 2014)</a:t>
+              <a:rPr lang="en-AU" sz="1200" dirty="0" smtClean="0"/>
+              <a:t> </a:t>
+            </a:r>
+            <a:r>
+              <a:rPr lang="en-AU" sz="1200" i="1" dirty="0" smtClean="0"/>
+              <a:t>et al </a:t>
+            </a:r>
+            <a:r>
+              <a:rPr lang="en-AU" sz="1200" dirty="0" smtClean="0"/>
+              <a:t>2012, </a:t>
+            </a:r>
+            <a:r>
+              <a:rPr lang="en-AU" sz="1200" dirty="0" smtClean="0"/>
+              <a:t>Moon </a:t>
+            </a:r>
+            <a:r>
+              <a:rPr lang="en-AU" sz="1200" i="1" dirty="0" smtClean="0"/>
+              <a:t>et al  </a:t>
+            </a:r>
+            <a:r>
+              <a:rPr lang="en-AU" sz="1200" dirty="0" smtClean="0"/>
+              <a:t>2014)</a:t>
             </a:r>
           </a:p>
           <a:p>
@@ -18888,25 +23426,45 @@
           </a:p>
           <a:p>
             <a:r>
+              <a:rPr lang="en-AU" dirty="0"/>
+              <a:t>A</a:t>
+            </a:r>
+            <a:r>
+              <a:rPr lang="en-AU" dirty="0" smtClean="0"/>
+              <a:t>dvanced prostate cancer, PC3, cells </a:t>
+            </a:r>
+            <a:r>
+              <a:rPr lang="en-AU" dirty="0" smtClean="0"/>
+              <a:t>overexpress </a:t>
+            </a:r>
+            <a:r>
               <a:rPr lang="en-AU" dirty="0" err="1" smtClean="0"/>
-              <a:t>Caveolin</a:t>
+              <a:t>caveolin</a:t>
             </a:r>
             <a:r>
               <a:rPr lang="en-AU" dirty="0" smtClean="0"/>
-              <a:t> </a:t>
-            </a:r>
+              <a:t>, linked to metastasis.</a:t>
+            </a:r>
+          </a:p>
+          <a:p>
+            <a:pPr marL="3657600" lvl="8" indent="0">
+              <a:buNone/>
+            </a:pPr>
             <a:r>
               <a:rPr lang="en-AU" dirty="0" smtClean="0"/>
-              <a:t>overexpression in advanced prostate cancer, PC3, cells linked to metastasis.</a:t>
-            </a:r>
-          </a:p>
-          <a:p>
-            <a:pPr marL="3657600" lvl="8" indent="0">
-              <a:buNone/>
-            </a:pPr>
+              <a:t>(Bennett </a:t>
+            </a:r>
+            <a:r>
+              <a:rPr lang="en-AU" i="1" dirty="0" smtClean="0"/>
+              <a:t>et al </a:t>
+            </a:r>
             <a:r>
               <a:rPr lang="en-AU" dirty="0" smtClean="0"/>
-              <a:t>(Bennett 2009)</a:t>
+              <a:t>2009</a:t>
+            </a:r>
+            <a:r>
+              <a:rPr lang="en-AU" dirty="0" smtClean="0"/>
+              <a:t>)</a:t>
             </a:r>
           </a:p>
           <a:p>
@@ -18917,28 +23475,82 @@
           </a:p>
           <a:p>
             <a:r>
+              <a:rPr lang="en-US" dirty="0"/>
+              <a:t>A</a:t>
+            </a:r>
+            <a:r>
               <a:rPr lang="en-US" dirty="0" smtClean="0"/>
-              <a:t>Knockdown or addition of cavin-1 in PC3 reduces aggressiveness.					</a:t>
-            </a:r>
-            <a:r>
-              <a:rPr lang="en-US" sz="1400" dirty="0" smtClean="0"/>
-              <a:t>(</a:t>
-            </a:r>
-            <a:r>
-              <a:rPr lang="en-US" sz="1400" dirty="0" err="1" smtClean="0"/>
+              <a:t>ddition </a:t>
+            </a:r>
+            <a:r>
+              <a:rPr lang="en-US" dirty="0" smtClean="0"/>
+              <a:t>of cavin-1 in PC3 reduces </a:t>
+            </a:r>
+            <a:r>
+              <a:rPr lang="en-US" dirty="0" smtClean="0"/>
+              <a:t>aggressiveness evoked by </a:t>
+            </a:r>
+            <a:r>
+              <a:rPr lang="en-US" dirty="0" err="1" smtClean="0"/>
+              <a:t>caveolin</a:t>
+            </a:r>
+            <a:r>
+              <a:rPr lang="en-US" dirty="0" smtClean="0"/>
+              <a:t>.</a:t>
+            </a:r>
+            <a:r>
+              <a:rPr lang="en-US" dirty="0" smtClean="0"/>
+              <a:t>					</a:t>
+            </a:r>
+            <a:endParaRPr lang="en-US" dirty="0"/>
+          </a:p>
+          <a:p>
+            <a:pPr marL="457200" lvl="1" indent="0">
+              <a:buNone/>
+            </a:pPr>
+            <a:r>
+              <a:rPr lang="en-US" sz="1300" dirty="0" smtClean="0"/>
+              <a:t>						(</a:t>
+            </a:r>
+            <a:r>
+              <a:rPr lang="en-US" sz="1300" dirty="0" err="1" smtClean="0"/>
               <a:t>Sugie</a:t>
             </a:r>
             <a:r>
-              <a:rPr lang="en-US" sz="1400" dirty="0" smtClean="0"/>
-              <a:t> 2015, </a:t>
-            </a:r>
-            <a:r>
-              <a:rPr lang="en-US" sz="1400" dirty="0" err="1" smtClean="0"/>
+              <a:rPr lang="en-US" sz="1300" dirty="0" smtClean="0"/>
+              <a:t> </a:t>
+            </a:r>
+            <a:r>
+              <a:rPr lang="en-US" sz="1300" i="1" dirty="0" smtClean="0"/>
+              <a:t>et al</a:t>
+            </a:r>
+            <a:r>
+              <a:rPr lang="en-US" sz="1300" dirty="0" smtClean="0"/>
+              <a:t> </a:t>
+            </a:r>
+            <a:r>
+              <a:rPr lang="en-US" sz="1300" dirty="0" smtClean="0"/>
+              <a:t>2015, </a:t>
+            </a:r>
+            <a:r>
+              <a:rPr lang="en-US" sz="1300" dirty="0" err="1" smtClean="0"/>
               <a:t>Inder</a:t>
             </a:r>
             <a:r>
-              <a:rPr lang="en-US" sz="1400" dirty="0" smtClean="0"/>
-              <a:t> 2014)</a:t>
+              <a:rPr lang="en-US" sz="1300" dirty="0" smtClean="0"/>
+              <a:t> </a:t>
+            </a:r>
+            <a:r>
+              <a:rPr lang="en-US" sz="1300" i="1" dirty="0" smtClean="0"/>
+              <a:t>et al</a:t>
+            </a:r>
+            <a:r>
+              <a:rPr lang="en-US" sz="1300" dirty="0" smtClean="0"/>
+              <a:t> </a:t>
+            </a:r>
+            <a:r>
+              <a:rPr lang="en-US" sz="1300" dirty="0" smtClean="0"/>
+              <a:t>2014)</a:t>
             </a:r>
           </a:p>
           <a:p>
@@ -19191,29 +23803,53 @@
         </p:spPr>
         <p:txBody>
           <a:bodyPr>
-            <a:normAutofit/>
+            <a:normAutofit fontScale="92500" lnSpcReduction="10000"/>
           </a:bodyPr>
           <a:lstStyle/>
           <a:p>
             <a:pPr marL="342900" lvl="8" indent="-342900"/>
             <a:r>
+              <a:rPr lang="en-AU" sz="2000" dirty="0" smtClean="0"/>
+              <a:t>EVs (exosomes and </a:t>
+            </a:r>
+            <a:r>
+              <a:rPr lang="en-AU" sz="2000" dirty="0" err="1" smtClean="0"/>
+              <a:t>microvesicle</a:t>
+            </a:r>
+            <a:r>
+              <a:rPr lang="en-AU" sz="2000" dirty="0" smtClean="0"/>
+              <a:t>) </a:t>
+            </a:r>
+            <a:r>
+              <a:rPr lang="en-AU" sz="2000" dirty="0" smtClean="0"/>
+              <a:t>transfer biologically active material </a:t>
+            </a:r>
+            <a:r>
+              <a:rPr lang="en-AU" sz="2000" dirty="0" smtClean="0"/>
+              <a:t>between cells</a:t>
+            </a:r>
+            <a:r>
               <a:rPr lang="en-AU" sz="2000" dirty="0"/>
-              <a:t>Intercellular communication by transfer of cytoplasmic material 		</a:t>
+              <a:t>		</a:t>
             </a:r>
             <a:r>
               <a:rPr lang="en-AU" sz="1600" dirty="0"/>
-              <a:t>	(</a:t>
-            </a:r>
-            <a:r>
-              <a:rPr lang="en-AU" sz="1600" dirty="0" err="1"/>
+              <a:t>	</a:t>
+            </a:r>
+            <a:r>
+              <a:rPr lang="en-AU" dirty="0"/>
+              <a:t>(</a:t>
+            </a:r>
+            <a:r>
+              <a:rPr lang="en-AU" dirty="0" err="1"/>
               <a:t>Zaborowski</a:t>
             </a:r>
             <a:r>
-              <a:rPr lang="en-AU" sz="1600" dirty="0"/>
+              <a:rPr lang="en-AU" dirty="0"/>
               <a:t> 2015</a:t>
             </a:r>
             <a:r>
-              <a:rPr lang="en-AU" sz="1600" dirty="0" smtClean="0"/>
+              <a:rPr lang="en-AU" dirty="0" smtClean="0"/>
               <a:t>)</a:t>
             </a:r>
           </a:p>
@@ -19235,9 +23871,27 @@
               <a:rPr lang="en-AU" dirty="0"/>
               <a:t>	</a:t>
             </a:r>
+            <a:endParaRPr lang="en-AU" dirty="0" smtClean="0"/>
+          </a:p>
+          <a:p>
+            <a:pPr marL="0" lvl="8" indent="0">
+              <a:buNone/>
+            </a:pPr>
             <a:r>
               <a:rPr lang="en-AU" sz="1400" dirty="0"/>
-              <a:t>(Webber </a:t>
+              <a:t>	</a:t>
+            </a:r>
+            <a:r>
+              <a:rPr lang="en-AU" sz="1400" dirty="0" smtClean="0"/>
+              <a:t>					</a:t>
+            </a:r>
+            <a:r>
+              <a:rPr lang="en-AU" sz="1400" dirty="0" smtClean="0"/>
+              <a:t>(</a:t>
+            </a:r>
+            <a:r>
+              <a:rPr lang="en-AU" sz="1400" dirty="0"/>
+              <a:t>Webber </a:t>
             </a:r>
             <a:r>
               <a:rPr lang="en-AU" sz="1400" dirty="0" smtClean="0"/>
@@ -19278,23 +23932,74 @@
           <a:p>
             <a:r>
               <a:rPr lang="en-AU" dirty="0" smtClean="0"/>
-              <a:t>Cavin-1 modulated EV protein and microRNA content.					</a:t>
+              <a:t>Cavin-1 </a:t>
+            </a:r>
+            <a:r>
+              <a:rPr lang="en-AU" dirty="0" smtClean="0"/>
+              <a:t>modulated </a:t>
+            </a:r>
+            <a:r>
+              <a:rPr lang="en-AU" dirty="0" smtClean="0"/>
+              <a:t>protein and microRNA </a:t>
+            </a:r>
+            <a:r>
+              <a:rPr lang="en-AU" dirty="0" smtClean="0"/>
+              <a:t>content of EVs.</a:t>
+            </a:r>
+            <a:r>
+              <a:rPr lang="en-AU" dirty="0" smtClean="0"/>
+              <a:t>					</a:t>
             </a:r>
             <a:r>
               <a:rPr lang="en-AU" sz="1100" dirty="0" smtClean="0"/>
-              <a:t>	(</a:t>
-            </a:r>
-            <a:r>
-              <a:rPr lang="en-AU" sz="1100" dirty="0" err="1" smtClean="0"/>
+              <a:t>	</a:t>
+            </a:r>
+            <a:r>
+              <a:rPr lang="en-AU" sz="1400" dirty="0" smtClean="0"/>
+              <a:t>(</a:t>
+            </a:r>
+            <a:r>
+              <a:rPr lang="en-AU" sz="1400" dirty="0" err="1" smtClean="0"/>
               <a:t>Inder</a:t>
             </a:r>
             <a:r>
-              <a:rPr lang="en-AU" sz="1100" dirty="0" smtClean="0"/>
-              <a:t> 2014)</a:t>
-            </a:r>
-          </a:p>
-          <a:p>
-            <a:endParaRPr lang="en-US" sz="1100" dirty="0"/>
+              <a:rPr lang="en-AU" sz="1400" dirty="0" smtClean="0"/>
+              <a:t> </a:t>
+            </a:r>
+            <a:r>
+              <a:rPr lang="en-AU" sz="1400" i="1" dirty="0" smtClean="0"/>
+              <a:t>et al </a:t>
+            </a:r>
+            <a:r>
+              <a:rPr lang="en-AU" sz="1400" dirty="0" smtClean="0"/>
+              <a:t>2014</a:t>
+            </a:r>
+            <a:r>
+              <a:rPr lang="en-AU" sz="1400" dirty="0" smtClean="0"/>
+              <a:t>)</a:t>
+            </a:r>
+          </a:p>
+          <a:p>
+            <a:endParaRPr lang="en-US" sz="1100" dirty="0" smtClean="0"/>
+          </a:p>
+          <a:p>
+            <a:r>
+              <a:rPr lang="en-US" dirty="0" smtClean="0"/>
+              <a:t>miR-148a involved in bone metastasis through gene silencing.					</a:t>
+            </a:r>
+            <a:r>
+              <a:rPr lang="en-US" sz="1300" dirty="0" smtClean="0"/>
+              <a:t>(Cheng </a:t>
+            </a:r>
+            <a:r>
+              <a:rPr lang="en-US" sz="1300" i="1" dirty="0" smtClean="0"/>
+              <a:t>et al </a:t>
+            </a:r>
+            <a:r>
+              <a:rPr lang="en-US" sz="1300" dirty="0" smtClean="0"/>
+              <a:t>2013)</a:t>
+            </a:r>
+            <a:endParaRPr lang="en-US" sz="1300" dirty="0"/>
           </a:p>
           <a:p>
             <a:endParaRPr lang="en-AU" dirty="0"/>
@@ -19451,7 +24156,7 @@
         <p:spPr>
           <a:xfrm>
             <a:off x="9220295" y="6258137"/>
-            <a:ext cx="1207382" cy="307777"/>
+            <a:ext cx="1643399" cy="307777"/>
           </a:xfrm>
           <a:prstGeom prst="rect">
             <a:avLst/>
@@ -19474,7 +24179,19 @@
             </a:r>
             <a:r>
               <a:rPr lang="en-US" sz="1400" dirty="0" smtClean="0"/>
-              <a:t> 2014)</a:t>
+              <a:t> </a:t>
+            </a:r>
+            <a:r>
+              <a:rPr lang="en-US" sz="1400" i="1" dirty="0" smtClean="0"/>
+              <a:t>et al </a:t>
+            </a:r>
+            <a:r>
+              <a:rPr lang="en-US" sz="1400" dirty="0" smtClean="0"/>
+              <a:t>2014</a:t>
+            </a:r>
+            <a:r>
+              <a:rPr lang="en-US" sz="1400" dirty="0" smtClean="0"/>
+              <a:t>)</a:t>
             </a:r>
             <a:endParaRPr lang="en-AU" sz="1400" dirty="0"/>
           </a:p>
@@ -19675,16 +24392,15 @@
           <p:cNvPicPr/>
           <p:nvPr/>
         </p:nvPicPr>
-        <p:blipFill>
+        <p:blipFill rotWithShape="1">
           <a:blip r:embed="rId3"/>
-          <a:stretch>
-            <a:fillRect/>
-          </a:stretch>
+          <a:srcRect t="3585"/>
+          <a:stretch/>
         </p:blipFill>
         <p:spPr>
           <a:xfrm>
-            <a:off x="438151" y="1009651"/>
-            <a:ext cx="5077537" cy="5191124"/>
+            <a:off x="438151" y="1195753"/>
+            <a:ext cx="5077537" cy="5005021"/>
           </a:xfrm>
           <a:prstGeom prst="rect">
             <a:avLst/>
@@ -19880,7 +24596,7 @@
         </p:nvSpPr>
         <p:spPr>
           <a:xfrm>
-            <a:off x="247434" y="637218"/>
+            <a:off x="432651" y="413034"/>
             <a:ext cx="10695967" cy="1400530"/>
           </a:xfrm>
         </p:spPr>
@@ -19890,7 +24606,19 @@
           <a:p>
             <a:r>
               <a:rPr lang="en-US" sz="3600" dirty="0" smtClean="0"/>
-              <a:t>Aim 1. Identify miRNAs exported in this system</a:t>
+              <a:t>Aim 1. Identify miRNAs </a:t>
+            </a:r>
+            <a:r>
+              <a:rPr lang="en-US" sz="3600" dirty="0" smtClean="0"/>
+              <a:t>targeted by </a:t>
+            </a:r>
+            <a:r>
+              <a:rPr lang="en-US" sz="3600" dirty="0" smtClean="0"/>
+              <a:t>export </a:t>
+            </a:r>
+            <a:r>
+              <a:rPr lang="en-US" sz="3600" dirty="0" smtClean="0"/>
+              <a:t>mechanism</a:t>
             </a:r>
             <a:endParaRPr lang="en-AU" sz="3600" dirty="0"/>
           </a:p>
@@ -20178,37 +24906,6 @@
           </a:p>
         </p:txBody>
       </p:sp>
-      <p:pic>
-        <p:nvPicPr>
-          <p:cNvPr id="4" name="Content Placeholder 3"/>
-          <p:cNvPicPr>
-            <a:picLocks noGrp="1"/>
-          </p:cNvPicPr>
-          <p:nvPr>
-            <p:ph idx="1"/>
-          </p:nvPr>
-        </p:nvPicPr>
-        <p:blipFill rotWithShape="1">
-          <a:blip r:embed="rId3">
-            <a:extLst>
-              <a:ext uri="{28A0092B-C50C-407E-A947-70E740481C1C}">
-                <a14:useLocalDpi xmlns:a14="http://schemas.microsoft.com/office/drawing/2010/main" val="0"/>
-              </a:ext>
-            </a:extLst>
-          </a:blip>
-          <a:srcRect r="47637"/>
-          <a:stretch/>
-        </p:blipFill>
-        <p:spPr>
-          <a:xfrm>
-            <a:off x="1246010" y="1765324"/>
-            <a:ext cx="4542332" cy="4106743"/>
-          </a:xfrm>
-          <a:prstGeom prst="rect">
-            <a:avLst/>
-          </a:prstGeom>
-        </p:spPr>
-      </p:pic>
       <p:sp>
         <p:nvSpPr>
           <p:cNvPr id="5" name="TextBox 4"/>
@@ -20296,6 +24993,16 @@
               <a:t>12 miRNAs </a:t>
             </a:r>
             <a:r>
+              <a:rPr lang="en-AU" sz="2000" dirty="0" smtClean="0">
+                <a:solidFill>
+                  <a:prstClr val="white"/>
+                </a:solidFill>
+                <a:ea typeface="+mj-ea"/>
+                <a:cs typeface="+mj-cs"/>
+              </a:rPr>
+              <a:t>significantly </a:t>
+            </a:r>
+            <a:r>
               <a:rPr lang="en-AU" sz="2000" dirty="0">
                 <a:solidFill>
                   <a:prstClr val="white"/>
@@ -20303,7 +25010,7 @@
                 <a:ea typeface="+mj-ea"/>
                 <a:cs typeface="+mj-cs"/>
               </a:rPr>
-              <a:t>significantly modified </a:t>
+              <a:t>modified </a:t>
             </a:r>
             <a:r>
               <a:rPr lang="en-AU" sz="2000" dirty="0" smtClean="0">
@@ -20429,8 +25136,8 @@
         </p:nvSpPr>
         <p:spPr>
           <a:xfrm>
-            <a:off x="1246010" y="5924321"/>
-            <a:ext cx="4222631" cy="646331"/>
+            <a:off x="1246009" y="5790742"/>
+            <a:ext cx="4347665" cy="646331"/>
           </a:xfrm>
           <a:prstGeom prst="rect">
             <a:avLst/>
@@ -20445,8 +25152,13 @@
           <a:p>
             <a:r>
               <a:rPr lang="en-AU" dirty="0" smtClean="0"/>
-              <a:t>* p ≤ 0.05 from Wald p-value test</a:t>
-            </a:r>
+              <a:t>* p ≤ 0.05 from Wald p-value </a:t>
+            </a:r>
+            <a:r>
+              <a:rPr lang="en-AU" dirty="0" smtClean="0"/>
+              <a:t>test, n=3</a:t>
+            </a:r>
+            <a:endParaRPr lang="en-AU" dirty="0" smtClean="0"/>
           </a:p>
           <a:p>
             <a:r>
@@ -20454,6 +25166,67 @@
               <a:t>Used to compare between cell lines</a:t>
             </a:r>
             <a:endParaRPr lang="en-AU" dirty="0"/>
+          </a:p>
+        </p:txBody>
+      </p:sp>
+      <p:pic>
+        <p:nvPicPr>
+          <p:cNvPr id="8" name="Picture 7"/>
+          <p:cNvPicPr>
+            <a:picLocks noChangeAspect="1"/>
+          </p:cNvPicPr>
+          <p:nvPr/>
+        </p:nvPicPr>
+        <p:blipFill rotWithShape="1">
+          <a:blip r:embed="rId3"/>
+          <a:srcRect l="4029" t="3071"/>
+          <a:stretch/>
+        </p:blipFill>
+        <p:spPr>
+          <a:xfrm>
+            <a:off x="1143000" y="1581150"/>
+            <a:ext cx="5052589" cy="4209592"/>
+          </a:xfrm>
+          <a:prstGeom prst="rect">
+            <a:avLst/>
+          </a:prstGeom>
+        </p:spPr>
+      </p:pic>
+      <p:sp>
+        <p:nvSpPr>
+          <p:cNvPr id="10" name="TextBox 9"/>
+          <p:cNvSpPr txBox="1"/>
+          <p:nvPr/>
+        </p:nvSpPr>
+        <p:spPr>
+          <a:xfrm>
+            <a:off x="4926844" y="4080680"/>
+            <a:ext cx="271228" cy="338554"/>
+          </a:xfrm>
+          <a:prstGeom prst="rect">
+            <a:avLst/>
+          </a:prstGeom>
+          <a:noFill/>
+        </p:spPr>
+        <p:txBody>
+          <a:bodyPr wrap="none" rtlCol="0">
+            <a:spAutoFit/>
+          </a:bodyPr>
+          <a:lstStyle/>
+          <a:p>
+            <a:r>
+              <a:rPr lang="en-AU" sz="1600" dirty="0" smtClean="0">
+                <a:solidFill>
+                  <a:schemeClr val="bg1"/>
+                </a:solidFill>
+              </a:rPr>
+              <a:t>*</a:t>
+            </a:r>
+            <a:endParaRPr lang="en-AU" sz="1600" dirty="0">
+              <a:solidFill>
+                <a:schemeClr val="bg1"/>
+              </a:solidFill>
+            </a:endParaRPr>
           </a:p>
         </p:txBody>
       </p:sp>
